--- a/Presentation.pptx
+++ b/Presentation.pptx
@@ -117,7 +117,157 @@
       </a:defRPr>
     </a:lvl9pPr>
   </p:defaultTextStyle>
+  <p:extLst>
+    <p:ext uri="{EFAFB233-063F-42B5-8137-9DF3F51BA10A}">
+      <p15:sldGuideLst xmlns:p15="http://schemas.microsoft.com/office/powerpoint/2012/main"/>
+    </p:ext>
+  </p:extLst>
 </p:presentation>
+</file>
+
+<file path=ppt/ink/ink1.xml><?xml version="1.0" encoding="utf-8"?>
+<inkml:ink xmlns:inkml="http://www.w3.org/2003/InkML">
+  <inkml:definitions>
+    <inkml:context xml:id="ctx0">
+      <inkml:inkSource xml:id="inkSrc0">
+        <inkml:traceFormat>
+          <inkml:channel name="X" type="integer" min="-2.14748E9" max="2.14748E9" units="cm"/>
+          <inkml:channel name="Y" type="integer" min="-2.14748E9" max="2.14748E9" units="cm"/>
+        </inkml:traceFormat>
+        <inkml:channelProperties>
+          <inkml:channelProperty channel="X" name="resolution" value="1000" units="1/cm"/>
+          <inkml:channelProperty channel="Y" name="resolution" value="1000" units="1/cm"/>
+        </inkml:channelProperties>
+      </inkml:inkSource>
+      <inkml:timestamp xml:id="ts0" timeString="2022-01-11T14:31:27.402"/>
+    </inkml:context>
+    <inkml:brush xml:id="br0">
+      <inkml:brushProperty name="width" value="0.3" units="cm"/>
+      <inkml:brushProperty name="height" value="0.6" units="cm"/>
+      <inkml:brushProperty name="color" value="#FFFC00"/>
+      <inkml:brushProperty name="tip" value="rectangle"/>
+      <inkml:brushProperty name="rasterOp" value="maskPen"/>
+      <inkml:brushProperty name="ignorePressure" value="1"/>
+    </inkml:brush>
+  </inkml:definitions>
+  <inkml:trace contextRef="#ctx0" brushRef="#br0">0 25,'3'-3,"0"1,0 0,0 0,1 0,-1 1,0-1,1 1,-1 0,1-1,-1 2,1-1,4 0,49-2,-42 3,204-1,260 32,-94-14,-371-16,-1 0,1 1,20 6,-18-4,32 3,289-4,-181-5,289 26,-20 0,-399-23,0 2,0 1,41 11,-41-8,0-1,1-2,32 2,585-5,-296-3,2752 2,-3066-2,-1-1,52-13,1 0,-3 4,-20 2,102-3,-82 12,138-18,100-8,4 27,-141 2,4295-2,-4455 1,0 2,40 9,-35-6,-15-2,-1 0,25 11,-27-10,0-1,0 0,1 0,19 3,5-1,48 15,-39-9,-25-7</inkml:trace>
+</inkml:ink>
+</file>
+
+<file path=ppt/ink/ink2.xml><?xml version="1.0" encoding="utf-8"?>
+<inkml:ink xmlns:inkml="http://www.w3.org/2003/InkML">
+  <inkml:definitions>
+    <inkml:context xml:id="ctx0">
+      <inkml:inkSource xml:id="inkSrc0">
+        <inkml:traceFormat>
+          <inkml:channel name="X" type="integer" min="-2.14748E9" max="2.14748E9" units="cm"/>
+          <inkml:channel name="Y" type="integer" min="-2.14748E9" max="2.14748E9" units="cm"/>
+        </inkml:traceFormat>
+        <inkml:channelProperties>
+          <inkml:channelProperty channel="X" name="resolution" value="1000" units="1/cm"/>
+          <inkml:channelProperty channel="Y" name="resolution" value="1000" units="1/cm"/>
+        </inkml:channelProperties>
+      </inkml:inkSource>
+      <inkml:timestamp xml:id="ts0" timeString="2022-01-11T14:31:35.322"/>
+    </inkml:context>
+    <inkml:brush xml:id="br0">
+      <inkml:brushProperty name="width" value="0.3" units="cm"/>
+      <inkml:brushProperty name="height" value="0.6" units="cm"/>
+      <inkml:brushProperty name="color" value="#FFFC00"/>
+      <inkml:brushProperty name="tip" value="rectangle"/>
+      <inkml:brushProperty name="rasterOp" value="maskPen"/>
+      <inkml:brushProperty name="ignorePressure" value="1"/>
+    </inkml:brush>
+  </inkml:definitions>
+  <inkml:trace contextRef="#ctx0" brushRef="#br0">0 119,'8'7,"0"-2,1 1,0-1,0 0,0-1,0 0,1-1,17 5,5 2,-18-6,0 0,1-1,-1 0,26 0,62-4,-40-1,1909 1,-1034 2,-903-2,45-9,14-1,35 9,78-8,-93 1,123 4,-223 4,-1 0,1-1,-1-1,0 0,0 0,14-7,-12 4,0 1,1 1,-1 1,17-3,75 6,-1 0,-103 0,0-1,0 1,0 0,0-1,0 1,0-1,0 0,0 0,0 0,0 0,0 0,0 0,-1 0,1 0,1-3,-2 4,-1-1,1 0,-1 0,0 1,0-1,1 0,-1 0,0 0,0 1,0-1,0 0,0 0,0 0,0 0,0 1,0-1,0 0,0 0,-1 0,1 1,0-1,0 0,-1 0,1 1,-1-1,1 0,-1 1,1-1,-1 0,1 1,-1-1,1 1,-1-1,0 1,1-1,-1 1,0-1,0 1,1 0,-2-1,-10-7,0 1,0 1,-1 0,0 1,0 0,-16-4,29 9,0 1,0-1,0 0,0 0,0 0,0 0,0 0,0 0,0 0,0 0,0 0,0 0,-1 0,1 0,0 0,0 0,0 0,0 1,0-1,0 0,0 0,0 0,0 0,0 0,0 0,0 0,0 0,0 0,0 0,0 0,0 0,0 0,0 0,0 0,0 0,0 0,-1 0,1 0,0 0,0 0,0 0,0 0,0 0,0 0,0 0,0 0,0 0,0 0,0 0,0 0,0 0,0 0,-1 0,9 6,14 7,-1-3,0-2,1 0,-1-2,44 8,287 10,6-24,-151-2,1033 2,-1097-12,-95 6,51-1,-53 7,62-8,-15 0,128 4,-32 2,-146-2,68-15,19-3,118 19,-131 5,1304-2,-1395 2,0 0,29 7,3 1,202 32,-199-36,108-6,-72-2,-40 1,-27 0,0 1,0 1,58 10,-68-6</inkml:trace>
+</inkml:ink>
+</file>
+
+<file path=ppt/ink/ink3.xml><?xml version="1.0" encoding="utf-8"?>
+<inkml:ink xmlns:inkml="http://www.w3.org/2003/InkML">
+  <inkml:definitions>
+    <inkml:context xml:id="ctx0">
+      <inkml:inkSource xml:id="inkSrc0">
+        <inkml:traceFormat>
+          <inkml:channel name="X" type="integer" min="-2.14748E9" max="2.14748E9" units="cm"/>
+          <inkml:channel name="Y" type="integer" min="-2.14748E9" max="2.14748E9" units="cm"/>
+        </inkml:traceFormat>
+        <inkml:channelProperties>
+          <inkml:channelProperty channel="X" name="resolution" value="1000" units="1/cm"/>
+          <inkml:channelProperty channel="Y" name="resolution" value="1000" units="1/cm"/>
+        </inkml:channelProperties>
+      </inkml:inkSource>
+      <inkml:timestamp xml:id="ts0" timeString="2022-01-11T14:31:51.008"/>
+    </inkml:context>
+    <inkml:brush xml:id="br0">
+      <inkml:brushProperty name="width" value="0.3" units="cm"/>
+      <inkml:brushProperty name="height" value="0.6" units="cm"/>
+      <inkml:brushProperty name="color" value="#FFFC00"/>
+      <inkml:brushProperty name="tip" value="rectangle"/>
+      <inkml:brushProperty name="rasterOp" value="maskPen"/>
+      <inkml:brushProperty name="ignorePressure" value="1"/>
+    </inkml:brush>
+  </inkml:definitions>
+  <inkml:trace contextRef="#ctx0" brushRef="#br0">6 59,'0'0,"0"0,0 0,0 0,-1 0,1 0,0 0,0 0,0 0,-1 0,1 0,0 0,0 0,0 0,-1 0,1 0,0 0,0 0,0 1,0-1,-1 0,1 0,0 0,0 0,0 0,0 1,-1-1,1 0,0 0,0 0,0 0,0 1,0-1,0 0,0 0,0 0,0 1,0-1,0 0,3 10,11 5,-4-9,1-1,0 0,0-1,23 5,48 7,-81-16,115 15,1-6,193-8,-278-5,0-1,34-10,-32 7,4-2,-26 6,1 1,0 0,-1 1,24-2,332-6,-65 5,43-4,-224 5,13-3,-61 1,116 4,-86 4,1658-2,-1560 7,21 1,961-10,-608 3,-557-2,1-1,37-9,-36 6,44-4,-30 8,-12 1,0-1,24-5,-10 1,0 2,0 1,46 4,-7 0,303-2,-362-1,30-5,-30 3,29-2,4 5,-18 1,0-1,52-9,-45 5,-1 1,77 3,-39 2,2732-2,-2796 0</inkml:trace>
+</inkml:ink>
+</file>
+
+<file path=ppt/ink/ink4.xml><?xml version="1.0" encoding="utf-8"?>
+<inkml:ink xmlns:inkml="http://www.w3.org/2003/InkML">
+  <inkml:definitions>
+    <inkml:context xml:id="ctx0">
+      <inkml:inkSource xml:id="inkSrc0">
+        <inkml:traceFormat>
+          <inkml:channel name="X" type="integer" min="-2.14748E9" max="2.14748E9" units="cm"/>
+          <inkml:channel name="Y" type="integer" min="-2.14748E9" max="2.14748E9" units="cm"/>
+        </inkml:traceFormat>
+        <inkml:channelProperties>
+          <inkml:channelProperty channel="X" name="resolution" value="1000" units="1/cm"/>
+          <inkml:channelProperty channel="Y" name="resolution" value="1000" units="1/cm"/>
+        </inkml:channelProperties>
+      </inkml:inkSource>
+      <inkml:timestamp xml:id="ts0" timeString="2022-01-11T14:31:57.824"/>
+    </inkml:context>
+    <inkml:brush xml:id="br0">
+      <inkml:brushProperty name="width" value="0.3" units="cm"/>
+      <inkml:brushProperty name="height" value="0.6" units="cm"/>
+      <inkml:brushProperty name="color" value="#FFFC00"/>
+      <inkml:brushProperty name="tip" value="rectangle"/>
+      <inkml:brushProperty name="rasterOp" value="maskPen"/>
+      <inkml:brushProperty name="ignorePressure" value="1"/>
+    </inkml:brush>
+  </inkml:definitions>
+  <inkml:trace contextRef="#ctx0" brushRef="#br0">6 0,'0'1,"-1"-1,1 0,-1 1,1-1,0 1,-1-1,1 1,0-1,-1 1,1 0,0-1,0 1,-1-1,1 1,0-1,0 1,0 0,0-1,0 1,0 0,0-1,0 1,0-1,0 1,0 0,0-1,1 1,-1-1,0 2,1-1,0 0,0 0,0 1,0-1,1 0,-1 0,0 0,1 0,-1 0,0 0,2 0,41 14,-43-15,46 10,87 5,26 5,-122-14,0-2,1-2,59-4,-20 0,5036 2,-5086-1,0-2,31-7,36-3,-7 6,64-1,1193 9,-687-2,-646 1</inkml:trace>
+</inkml:ink>
+</file>
+
+<file path=ppt/ink/ink5.xml><?xml version="1.0" encoding="utf-8"?>
+<inkml:ink xmlns:inkml="http://www.w3.org/2003/InkML">
+  <inkml:definitions>
+    <inkml:context xml:id="ctx0">
+      <inkml:inkSource xml:id="inkSrc0">
+        <inkml:traceFormat>
+          <inkml:channel name="X" type="integer" min="-2.14748E9" max="2.14748E9" units="cm"/>
+          <inkml:channel name="Y" type="integer" min="-2.14748E9" max="2.14748E9" units="cm"/>
+        </inkml:traceFormat>
+        <inkml:channelProperties>
+          <inkml:channelProperty channel="X" name="resolution" value="1000" units="1/cm"/>
+          <inkml:channelProperty channel="Y" name="resolution" value="1000" units="1/cm"/>
+        </inkml:channelProperties>
+      </inkml:inkSource>
+      <inkml:timestamp xml:id="ts0" timeString="2022-01-11T14:32:19.793"/>
+    </inkml:context>
+    <inkml:brush xml:id="br0">
+      <inkml:brushProperty name="width" value="0.3" units="cm"/>
+      <inkml:brushProperty name="height" value="0.6" units="cm"/>
+      <inkml:brushProperty name="color" value="#FFFC00"/>
+      <inkml:brushProperty name="tip" value="rectangle"/>
+      <inkml:brushProperty name="rasterOp" value="maskPen"/>
+      <inkml:brushProperty name="ignorePressure" value="1"/>
+    </inkml:brush>
+  </inkml:definitions>
+  <inkml:trace contextRef="#ctx0" brushRef="#br0">0 144,'24'0,"161"-4,-145 1,0-2,63-16,-78 15,-1 2,1 0,28 0,77 5,-65 0,1419 1,-807-3,-614-2,89-15,29-3,-1 16,138-10,141 4,-287 13,1320-2,-1453 2,51 9,27 1,56-12,141 9,141 6,-416-16,170 13,18 0,645-13,-332 37,52 1,128-40,-486 4,-31-13,-13 1,172 11,-341-1,-1-2,1 0,-1-1,0-1,37-15,-36 12,0 1,0 1,1 1,39-5,202-7,-132 13,-7 2,29-21,-95 13,32 0,0 4,107 7,-72 1,619-2,-723 0</inkml:trace>
+</inkml:ink>
 </file>
 
 <file path=ppt/slideLayouts/slideLayout1.xml><?xml version="1.0" encoding="utf-8"?>
@@ -170,7 +320,7 @@
           <a:noFill/>
           <a:extLst>
             <a:ext uri="{909E8E84-426E-40dd-AFC4-6F175D3DCCD1}">
-              <a14:hiddenFill xmlns:a14="http://schemas.microsoft.com/office/drawing/2010/main" xmlns="">
+              <a14:hiddenFill xmlns="" xmlns:a14="http://schemas.microsoft.com/office/drawing/2010/main">
                 <a:solidFill>
                   <a:srgbClr val="FFFFFF"/>
                 </a:solidFill>
@@ -230,7 +380,7 @@
             </a:ln>
             <a:extLst>
               <a:ext uri="{91240B29-F687-4f45-9708-019B960494DF}">
-                <a14:hiddenLine xmlns:a14="http://schemas.microsoft.com/office/drawing/2010/main" xmlns="" w="9525">
+                <a14:hiddenLine xmlns="" xmlns:a14="http://schemas.microsoft.com/office/drawing/2010/main" w="9525">
                   <a:solidFill>
                     <a:srgbClr val="000000"/>
                   </a:solidFill>
@@ -320,7 +470,7 @@
             </a:ln>
             <a:extLst>
               <a:ext uri="{91240B29-F687-4f45-9708-019B960494DF}">
-                <a14:hiddenLine xmlns:a14="http://schemas.microsoft.com/office/drawing/2010/main" xmlns="" w="9525">
+                <a14:hiddenLine xmlns="" xmlns:a14="http://schemas.microsoft.com/office/drawing/2010/main" w="9525">
                   <a:solidFill>
                     <a:srgbClr val="000000"/>
                   </a:solidFill>
@@ -410,7 +560,7 @@
             </a:ln>
             <a:extLst>
               <a:ext uri="{91240B29-F687-4f45-9708-019B960494DF}">
-                <a14:hiddenLine xmlns:a14="http://schemas.microsoft.com/office/drawing/2010/main" xmlns="" w="9525">
+                <a14:hiddenLine xmlns="" xmlns:a14="http://schemas.microsoft.com/office/drawing/2010/main" w="9525">
                   <a:solidFill>
                     <a:srgbClr val="000000"/>
                   </a:solidFill>
@@ -444,7 +594,7 @@
             </a:ln>
             <a:extLst>
               <a:ext uri="{91240B29-F687-4f45-9708-019B960494DF}">
-                <a14:hiddenLine xmlns:a14="http://schemas.microsoft.com/office/drawing/2010/main" xmlns="" w="9525">
+                <a14:hiddenLine xmlns="" xmlns:a14="http://schemas.microsoft.com/office/drawing/2010/main" w="9525">
                   <a:solidFill>
                     <a:srgbClr val="000000"/>
                   </a:solidFill>
@@ -534,7 +684,7 @@
             </a:ln>
             <a:extLst>
               <a:ext uri="{91240B29-F687-4f45-9708-019B960494DF}">
-                <a14:hiddenLine xmlns:a14="http://schemas.microsoft.com/office/drawing/2010/main" xmlns="" w="9525">
+                <a14:hiddenLine xmlns="" xmlns:a14="http://schemas.microsoft.com/office/drawing/2010/main" w="9525">
                   <a:solidFill>
                     <a:srgbClr val="000000"/>
                   </a:solidFill>
@@ -596,7 +746,7 @@
             </a:ln>
             <a:extLst>
               <a:ext uri="{91240B29-F687-4f45-9708-019B960494DF}">
-                <a14:hiddenLine xmlns:a14="http://schemas.microsoft.com/office/drawing/2010/main" xmlns="" w="9525">
+                <a14:hiddenLine xmlns="" xmlns:a14="http://schemas.microsoft.com/office/drawing/2010/main" w="9525">
                   <a:solidFill>
                     <a:srgbClr val="000000"/>
                   </a:solidFill>
@@ -658,7 +808,7 @@
             </a:ln>
             <a:extLst>
               <a:ext uri="{91240B29-F687-4f45-9708-019B960494DF}">
-                <a14:hiddenLine xmlns:a14="http://schemas.microsoft.com/office/drawing/2010/main" xmlns="" w="9525">
+                <a14:hiddenLine xmlns="" xmlns:a14="http://schemas.microsoft.com/office/drawing/2010/main" w="9525">
                   <a:solidFill>
                     <a:srgbClr val="000000"/>
                   </a:solidFill>
@@ -748,7 +898,7 @@
             </a:ln>
             <a:extLst>
               <a:ext uri="{91240B29-F687-4f45-9708-019B960494DF}">
-                <a14:hiddenLine xmlns:a14="http://schemas.microsoft.com/office/drawing/2010/main" xmlns="" w="9525">
+                <a14:hiddenLine xmlns="" xmlns:a14="http://schemas.microsoft.com/office/drawing/2010/main" w="9525">
                   <a:solidFill>
                     <a:srgbClr val="000000"/>
                   </a:solidFill>
@@ -810,7 +960,7 @@
             </a:ln>
             <a:extLst>
               <a:ext uri="{91240B29-F687-4f45-9708-019B960494DF}">
-                <a14:hiddenLine xmlns:a14="http://schemas.microsoft.com/office/drawing/2010/main" xmlns="" w="9525">
+                <a14:hiddenLine xmlns="" xmlns:a14="http://schemas.microsoft.com/office/drawing/2010/main" w="9525">
                   <a:solidFill>
                     <a:srgbClr val="000000"/>
                   </a:solidFill>
@@ -872,7 +1022,7 @@
             </a:ln>
             <a:extLst>
               <a:ext uri="{91240B29-F687-4f45-9708-019B960494DF}">
-                <a14:hiddenLine xmlns:a14="http://schemas.microsoft.com/office/drawing/2010/main" xmlns="" w="9525">
+                <a14:hiddenLine xmlns="" xmlns:a14="http://schemas.microsoft.com/office/drawing/2010/main" w="9525">
                   <a:solidFill>
                     <a:srgbClr val="000000"/>
                   </a:solidFill>
@@ -962,7 +1112,7 @@
             </a:ln>
             <a:extLst>
               <a:ext uri="{91240B29-F687-4f45-9708-019B960494DF}">
-                <a14:hiddenLine xmlns:a14="http://schemas.microsoft.com/office/drawing/2010/main" xmlns="" w="9525">
+                <a14:hiddenLine xmlns="" xmlns:a14="http://schemas.microsoft.com/office/drawing/2010/main" w="9525">
                   <a:solidFill>
                     <a:srgbClr val="000000"/>
                   </a:solidFill>
@@ -1052,7 +1202,7 @@
             </a:ln>
             <a:extLst>
               <a:ext uri="{91240B29-F687-4f45-9708-019B960494DF}">
-                <a14:hiddenLine xmlns:a14="http://schemas.microsoft.com/office/drawing/2010/main" xmlns="" w="9525">
+                <a14:hiddenLine xmlns="" xmlns:a14="http://schemas.microsoft.com/office/drawing/2010/main" w="9525">
                   <a:solidFill>
                     <a:srgbClr val="000000"/>
                   </a:solidFill>
@@ -1114,7 +1264,7 @@
             </a:ln>
             <a:extLst>
               <a:ext uri="{91240B29-F687-4f45-9708-019B960494DF}">
-                <a14:hiddenLine xmlns:a14="http://schemas.microsoft.com/office/drawing/2010/main" xmlns="" w="9525">
+                <a14:hiddenLine xmlns="" xmlns:a14="http://schemas.microsoft.com/office/drawing/2010/main" w="9525">
                   <a:solidFill>
                     <a:srgbClr val="000000"/>
                   </a:solidFill>
@@ -1224,7 +1374,7 @@
             </a:ln>
             <a:extLst>
               <a:ext uri="{91240B29-F687-4f45-9708-019B960494DF}">
-                <a14:hiddenLine xmlns:a14="http://schemas.microsoft.com/office/drawing/2010/main" xmlns="" w="9525">
+                <a14:hiddenLine xmlns="" xmlns:a14="http://schemas.microsoft.com/office/drawing/2010/main" w="9525">
                   <a:solidFill>
                     <a:srgbClr val="000000"/>
                   </a:solidFill>
@@ -1286,7 +1436,7 @@
             </a:ln>
             <a:extLst>
               <a:ext uri="{91240B29-F687-4f45-9708-019B960494DF}">
-                <a14:hiddenLine xmlns:a14="http://schemas.microsoft.com/office/drawing/2010/main" xmlns="" w="9525">
+                <a14:hiddenLine xmlns="" xmlns:a14="http://schemas.microsoft.com/office/drawing/2010/main" w="9525">
                   <a:solidFill>
                     <a:srgbClr val="000000"/>
                   </a:solidFill>
@@ -1376,7 +1526,7 @@
             </a:ln>
             <a:extLst>
               <a:ext uri="{91240B29-F687-4f45-9708-019B960494DF}">
-                <a14:hiddenLine xmlns:a14="http://schemas.microsoft.com/office/drawing/2010/main" xmlns="" w="9525">
+                <a14:hiddenLine xmlns="" xmlns:a14="http://schemas.microsoft.com/office/drawing/2010/main" w="9525">
                   <a:solidFill>
                     <a:srgbClr val="000000"/>
                   </a:solidFill>
@@ -1466,7 +1616,7 @@
             </a:ln>
             <a:extLst>
               <a:ext uri="{91240B29-F687-4f45-9708-019B960494DF}">
-                <a14:hiddenLine xmlns:a14="http://schemas.microsoft.com/office/drawing/2010/main" xmlns="" w="9525">
+                <a14:hiddenLine xmlns="" xmlns:a14="http://schemas.microsoft.com/office/drawing/2010/main" w="9525">
                   <a:solidFill>
                     <a:srgbClr val="000000"/>
                   </a:solidFill>
@@ -1528,7 +1678,7 @@
             </a:ln>
             <a:extLst>
               <a:ext uri="{91240B29-F687-4f45-9708-019B960494DF}">
-                <a14:hiddenLine xmlns:a14="http://schemas.microsoft.com/office/drawing/2010/main" xmlns="" w="9525">
+                <a14:hiddenLine xmlns="" xmlns:a14="http://schemas.microsoft.com/office/drawing/2010/main" w="9525">
                   <a:solidFill>
                     <a:srgbClr val="000000"/>
                   </a:solidFill>
@@ -1618,7 +1768,7 @@
             </a:ln>
             <a:extLst>
               <a:ext uri="{91240B29-F687-4f45-9708-019B960494DF}">
-                <a14:hiddenLine xmlns:a14="http://schemas.microsoft.com/office/drawing/2010/main" xmlns="" w="9525">
+                <a14:hiddenLine xmlns="" xmlns:a14="http://schemas.microsoft.com/office/drawing/2010/main" w="9525">
                   <a:solidFill>
                     <a:srgbClr val="000000"/>
                   </a:solidFill>
@@ -1708,7 +1858,7 @@
             </a:ln>
             <a:extLst>
               <a:ext uri="{91240B29-F687-4f45-9708-019B960494DF}">
-                <a14:hiddenLine xmlns:a14="http://schemas.microsoft.com/office/drawing/2010/main" xmlns="" w="9525">
+                <a14:hiddenLine xmlns="" xmlns:a14="http://schemas.microsoft.com/office/drawing/2010/main" w="9525">
                   <a:solidFill>
                     <a:srgbClr val="000000"/>
                   </a:solidFill>
@@ -1764,7 +1914,7 @@
             </a:ln>
             <a:extLst>
               <a:ext uri="{91240B29-F687-4f45-9708-019B960494DF}">
-                <a14:hiddenLine xmlns:a14="http://schemas.microsoft.com/office/drawing/2010/main" xmlns="" w="9525">
+                <a14:hiddenLine xmlns="" xmlns:a14="http://schemas.microsoft.com/office/drawing/2010/main" w="9525">
                   <a:solidFill>
                     <a:srgbClr val="000000"/>
                   </a:solidFill>
@@ -1854,7 +2004,7 @@
             </a:ln>
             <a:extLst>
               <a:ext uri="{91240B29-F687-4f45-9708-019B960494DF}">
-                <a14:hiddenLine xmlns:a14="http://schemas.microsoft.com/office/drawing/2010/main" xmlns="" w="9525">
+                <a14:hiddenLine xmlns="" xmlns:a14="http://schemas.microsoft.com/office/drawing/2010/main" w="9525">
                   <a:solidFill>
                     <a:srgbClr val="000000"/>
                   </a:solidFill>
@@ -1910,7 +2060,7 @@
             </a:ln>
             <a:extLst>
               <a:ext uri="{91240B29-F687-4f45-9708-019B960494DF}">
-                <a14:hiddenLine xmlns:a14="http://schemas.microsoft.com/office/drawing/2010/main" xmlns="" w="9525">
+                <a14:hiddenLine xmlns="" xmlns:a14="http://schemas.microsoft.com/office/drawing/2010/main" w="9525">
                   <a:solidFill>
                     <a:srgbClr val="000000"/>
                   </a:solidFill>
@@ -2000,7 +2150,7 @@
             </a:ln>
             <a:extLst>
               <a:ext uri="{91240B29-F687-4f45-9708-019B960494DF}">
-                <a14:hiddenLine xmlns:a14="http://schemas.microsoft.com/office/drawing/2010/main" xmlns="" w="9525">
+                <a14:hiddenLine xmlns="" xmlns:a14="http://schemas.microsoft.com/office/drawing/2010/main" w="9525">
                   <a:solidFill>
                     <a:srgbClr val="000000"/>
                   </a:solidFill>
@@ -2068,7 +2218,7 @@
             </a:ln>
             <a:extLst>
               <a:ext uri="{91240B29-F687-4f45-9708-019B960494DF}">
-                <a14:hiddenLine xmlns:a14="http://schemas.microsoft.com/office/drawing/2010/main" xmlns="" w="9525">
+                <a14:hiddenLine xmlns="" xmlns:a14="http://schemas.microsoft.com/office/drawing/2010/main" w="9525">
                   <a:solidFill>
                     <a:srgbClr val="000000"/>
                   </a:solidFill>
@@ -2158,7 +2308,7 @@
             </a:ln>
             <a:extLst>
               <a:ext uri="{91240B29-F687-4f45-9708-019B960494DF}">
-                <a14:hiddenLine xmlns:a14="http://schemas.microsoft.com/office/drawing/2010/main" xmlns="" w="9525">
+                <a14:hiddenLine xmlns="" xmlns:a14="http://schemas.microsoft.com/office/drawing/2010/main" w="9525">
                   <a:solidFill>
                     <a:srgbClr val="000000"/>
                   </a:solidFill>
@@ -2226,7 +2376,7 @@
             </a:ln>
             <a:extLst>
               <a:ext uri="{91240B29-F687-4f45-9708-019B960494DF}">
-                <a14:hiddenLine xmlns:a14="http://schemas.microsoft.com/office/drawing/2010/main" xmlns="" w="9525">
+                <a14:hiddenLine xmlns="" xmlns:a14="http://schemas.microsoft.com/office/drawing/2010/main" w="9525">
                   <a:solidFill>
                     <a:srgbClr val="000000"/>
                   </a:solidFill>
@@ -2316,7 +2466,7 @@
             </a:ln>
             <a:extLst>
               <a:ext uri="{91240B29-F687-4f45-9708-019B960494DF}">
-                <a14:hiddenLine xmlns:a14="http://schemas.microsoft.com/office/drawing/2010/main" xmlns="" w="9525">
+                <a14:hiddenLine xmlns="" xmlns:a14="http://schemas.microsoft.com/office/drawing/2010/main" w="9525">
                   <a:solidFill>
                     <a:srgbClr val="000000"/>
                   </a:solidFill>
@@ -2350,7 +2500,7 @@
             </a:ln>
             <a:extLst>
               <a:ext uri="{91240B29-F687-4f45-9708-019B960494DF}">
-                <a14:hiddenLine xmlns:a14="http://schemas.microsoft.com/office/drawing/2010/main" xmlns="" w="9525">
+                <a14:hiddenLine xmlns="" xmlns:a14="http://schemas.microsoft.com/office/drawing/2010/main" w="9525">
                   <a:solidFill>
                     <a:srgbClr val="000000"/>
                   </a:solidFill>
@@ -2440,7 +2590,7 @@
             </a:ln>
             <a:extLst>
               <a:ext uri="{91240B29-F687-4f45-9708-019B960494DF}">
-                <a14:hiddenLine xmlns:a14="http://schemas.microsoft.com/office/drawing/2010/main" xmlns="" w="9525">
+                <a14:hiddenLine xmlns="" xmlns:a14="http://schemas.microsoft.com/office/drawing/2010/main" w="9525">
                   <a:solidFill>
                     <a:srgbClr val="000000"/>
                   </a:solidFill>
@@ -2502,7 +2652,7 @@
             </a:ln>
             <a:extLst>
               <a:ext uri="{91240B29-F687-4f45-9708-019B960494DF}">
-                <a14:hiddenLine xmlns:a14="http://schemas.microsoft.com/office/drawing/2010/main" xmlns="" w="9525">
+                <a14:hiddenLine xmlns="" xmlns:a14="http://schemas.microsoft.com/office/drawing/2010/main" w="9525">
                   <a:solidFill>
                     <a:srgbClr val="000000"/>
                   </a:solidFill>
@@ -2564,7 +2714,7 @@
             </a:ln>
             <a:extLst>
               <a:ext uri="{91240B29-F687-4f45-9708-019B960494DF}">
-                <a14:hiddenLine xmlns:a14="http://schemas.microsoft.com/office/drawing/2010/main" xmlns="" w="9525">
+                <a14:hiddenLine xmlns="" xmlns:a14="http://schemas.microsoft.com/office/drawing/2010/main" w="9525">
                   <a:solidFill>
                     <a:srgbClr val="000000"/>
                   </a:solidFill>
@@ -2654,7 +2804,7 @@
             </a:ln>
             <a:extLst>
               <a:ext uri="{91240B29-F687-4f45-9708-019B960494DF}">
-                <a14:hiddenLine xmlns:a14="http://schemas.microsoft.com/office/drawing/2010/main" xmlns="" w="9525">
+                <a14:hiddenLine xmlns="" xmlns:a14="http://schemas.microsoft.com/office/drawing/2010/main" w="9525">
                   <a:solidFill>
                     <a:srgbClr val="000000"/>
                   </a:solidFill>
@@ -2722,7 +2872,7 @@
             </a:ln>
             <a:extLst>
               <a:ext uri="{91240B29-F687-4f45-9708-019B960494DF}">
-                <a14:hiddenLine xmlns:a14="http://schemas.microsoft.com/office/drawing/2010/main" xmlns="" w="9525">
+                <a14:hiddenLine xmlns="" xmlns:a14="http://schemas.microsoft.com/office/drawing/2010/main" w="9525">
                   <a:solidFill>
                     <a:srgbClr val="000000"/>
                   </a:solidFill>
@@ -2784,7 +2934,7 @@
             </a:ln>
             <a:extLst>
               <a:ext uri="{91240B29-F687-4f45-9708-019B960494DF}">
-                <a14:hiddenLine xmlns:a14="http://schemas.microsoft.com/office/drawing/2010/main" xmlns="" w="9525">
+                <a14:hiddenLine xmlns="" xmlns:a14="http://schemas.microsoft.com/office/drawing/2010/main" w="9525">
                   <a:solidFill>
                     <a:srgbClr val="000000"/>
                   </a:solidFill>
@@ -2874,7 +3024,7 @@
             </a:ln>
             <a:extLst>
               <a:ext uri="{91240B29-F687-4f45-9708-019B960494DF}">
-                <a14:hiddenLine xmlns:a14="http://schemas.microsoft.com/office/drawing/2010/main" xmlns="" w="9525">
+                <a14:hiddenLine xmlns="" xmlns:a14="http://schemas.microsoft.com/office/drawing/2010/main" w="9525">
                   <a:solidFill>
                     <a:srgbClr val="000000"/>
                   </a:solidFill>
@@ -2936,7 +3086,7 @@
             </a:ln>
             <a:extLst>
               <a:ext uri="{91240B29-F687-4f45-9708-019B960494DF}">
-                <a14:hiddenLine xmlns:a14="http://schemas.microsoft.com/office/drawing/2010/main" xmlns="" w="9525">
+                <a14:hiddenLine xmlns="" xmlns:a14="http://schemas.microsoft.com/office/drawing/2010/main" w="9525">
                   <a:solidFill>
                     <a:srgbClr val="000000"/>
                   </a:solidFill>
@@ -3026,7 +3176,7 @@
             </a:ln>
             <a:extLst>
               <a:ext uri="{91240B29-F687-4f45-9708-019B960494DF}">
-                <a14:hiddenLine xmlns:a14="http://schemas.microsoft.com/office/drawing/2010/main" xmlns="" w="9525">
+                <a14:hiddenLine xmlns="" xmlns:a14="http://schemas.microsoft.com/office/drawing/2010/main" w="9525">
                   <a:solidFill>
                     <a:srgbClr val="000000"/>
                   </a:solidFill>
@@ -3088,7 +3238,7 @@
             </a:ln>
             <a:extLst>
               <a:ext uri="{91240B29-F687-4f45-9708-019B960494DF}">
-                <a14:hiddenLine xmlns:a14="http://schemas.microsoft.com/office/drawing/2010/main" xmlns="" w="9525">
+                <a14:hiddenLine xmlns="" xmlns:a14="http://schemas.microsoft.com/office/drawing/2010/main" w="9525">
                   <a:solidFill>
                     <a:srgbClr val="000000"/>
                   </a:solidFill>
@@ -3178,7 +3328,7 @@
             </a:ln>
             <a:extLst>
               <a:ext uri="{91240B29-F687-4f45-9708-019B960494DF}">
-                <a14:hiddenLine xmlns:a14="http://schemas.microsoft.com/office/drawing/2010/main" xmlns="" w="9525">
+                <a14:hiddenLine xmlns="" xmlns:a14="http://schemas.microsoft.com/office/drawing/2010/main" w="9525">
                   <a:solidFill>
                     <a:srgbClr val="000000"/>
                   </a:solidFill>
@@ -3212,7 +3362,7 @@
             </a:ln>
             <a:extLst>
               <a:ext uri="{91240B29-F687-4f45-9708-019B960494DF}">
-                <a14:hiddenLine xmlns:a14="http://schemas.microsoft.com/office/drawing/2010/main" xmlns="" w="9525">
+                <a14:hiddenLine xmlns="" xmlns:a14="http://schemas.microsoft.com/office/drawing/2010/main" w="9525">
                   <a:solidFill>
                     <a:srgbClr val="000000"/>
                   </a:solidFill>
@@ -3277,7 +3427,7 @@
             </a:ln>
             <a:extLst>
               <a:ext uri="{91240B29-F687-4f45-9708-019B960494DF}">
-                <a14:hiddenLine xmlns:a14="http://schemas.microsoft.com/office/drawing/2010/main" xmlns="" w="9525">
+                <a14:hiddenLine xmlns="" xmlns:a14="http://schemas.microsoft.com/office/drawing/2010/main" w="9525">
                   <a:solidFill>
                     <a:srgbClr val="000000"/>
                   </a:solidFill>
@@ -3367,7 +3517,7 @@
             </a:ln>
             <a:extLst>
               <a:ext uri="{91240B29-F687-4f45-9708-019B960494DF}">
-                <a14:hiddenLine xmlns:a14="http://schemas.microsoft.com/office/drawing/2010/main" xmlns="" w="9525">
+                <a14:hiddenLine xmlns="" xmlns:a14="http://schemas.microsoft.com/office/drawing/2010/main" w="9525">
                   <a:solidFill>
                     <a:srgbClr val="000000"/>
                   </a:solidFill>
@@ -3429,7 +3579,7 @@
             </a:ln>
             <a:extLst>
               <a:ext uri="{91240B29-F687-4f45-9708-019B960494DF}">
-                <a14:hiddenLine xmlns:a14="http://schemas.microsoft.com/office/drawing/2010/main" xmlns="" w="9525">
+                <a14:hiddenLine xmlns="" xmlns:a14="http://schemas.microsoft.com/office/drawing/2010/main" w="9525">
                   <a:solidFill>
                     <a:srgbClr val="000000"/>
                   </a:solidFill>
@@ -3519,7 +3669,7 @@
             </a:ln>
             <a:extLst>
               <a:ext uri="{91240B29-F687-4f45-9708-019B960494DF}">
-                <a14:hiddenLine xmlns:a14="http://schemas.microsoft.com/office/drawing/2010/main" xmlns="" w="9525">
+                <a14:hiddenLine xmlns="" xmlns:a14="http://schemas.microsoft.com/office/drawing/2010/main" w="9525">
                   <a:solidFill>
                     <a:srgbClr val="000000"/>
                   </a:solidFill>
@@ -3609,7 +3759,7 @@
             </a:ln>
             <a:extLst>
               <a:ext uri="{91240B29-F687-4f45-9708-019B960494DF}">
-                <a14:hiddenLine xmlns:a14="http://schemas.microsoft.com/office/drawing/2010/main" xmlns="" w="9525">
+                <a14:hiddenLine xmlns="" xmlns:a14="http://schemas.microsoft.com/office/drawing/2010/main" w="9525">
                   <a:solidFill>
                     <a:srgbClr val="000000"/>
                   </a:solidFill>
@@ -3674,7 +3824,7 @@
             </a:ln>
             <a:extLst>
               <a:ext uri="{91240B29-F687-4f45-9708-019B960494DF}">
-                <a14:hiddenLine xmlns:a14="http://schemas.microsoft.com/office/drawing/2010/main" xmlns="" w="9525">
+                <a14:hiddenLine xmlns="" xmlns:a14="http://schemas.microsoft.com/office/drawing/2010/main" w="9525">
                   <a:solidFill>
                     <a:srgbClr val="000000"/>
                   </a:solidFill>
@@ -3736,7 +3886,7 @@
             </a:ln>
             <a:extLst>
               <a:ext uri="{91240B29-F687-4f45-9708-019B960494DF}">
-                <a14:hiddenLine xmlns:a14="http://schemas.microsoft.com/office/drawing/2010/main" xmlns="" w="9525">
+                <a14:hiddenLine xmlns="" xmlns:a14="http://schemas.microsoft.com/office/drawing/2010/main" w="9525">
                   <a:solidFill>
                     <a:srgbClr val="000000"/>
                   </a:solidFill>
@@ -3826,7 +3976,7 @@
             </a:ln>
             <a:extLst>
               <a:ext uri="{91240B29-F687-4f45-9708-019B960494DF}">
-                <a14:hiddenLine xmlns:a14="http://schemas.microsoft.com/office/drawing/2010/main" xmlns="" w="9525">
+                <a14:hiddenLine xmlns="" xmlns:a14="http://schemas.microsoft.com/office/drawing/2010/main" w="9525">
                   <a:solidFill>
                     <a:srgbClr val="000000"/>
                   </a:solidFill>
@@ -3916,7 +4066,7 @@
             </a:ln>
             <a:extLst>
               <a:ext uri="{91240B29-F687-4f45-9708-019B960494DF}">
-                <a14:hiddenLine xmlns:a14="http://schemas.microsoft.com/office/drawing/2010/main" xmlns="" w="9525">
+                <a14:hiddenLine xmlns="" xmlns:a14="http://schemas.microsoft.com/office/drawing/2010/main" w="9525">
                   <a:solidFill>
                     <a:srgbClr val="000000"/>
                   </a:solidFill>
@@ -3978,7 +4128,7 @@
             </a:ln>
             <a:extLst>
               <a:ext uri="{91240B29-F687-4f45-9708-019B960494DF}">
-                <a14:hiddenLine xmlns:a14="http://schemas.microsoft.com/office/drawing/2010/main" xmlns="" w="9525">
+                <a14:hiddenLine xmlns="" xmlns:a14="http://schemas.microsoft.com/office/drawing/2010/main" w="9525">
                   <a:solidFill>
                     <a:srgbClr val="000000"/>
                   </a:solidFill>
@@ -4098,7 +4248,7 @@
             </a:ln>
             <a:extLst>
               <a:ext uri="{91240B29-F687-4f45-9708-019B960494DF}">
-                <a14:hiddenLine xmlns:a14="http://schemas.microsoft.com/office/drawing/2010/main" xmlns="" w="9525">
+                <a14:hiddenLine xmlns="" xmlns:a14="http://schemas.microsoft.com/office/drawing/2010/main" w="9525">
                   <a:solidFill>
                     <a:srgbClr val="000000"/>
                   </a:solidFill>
@@ -4166,7 +4316,7 @@
             </a:ln>
             <a:extLst>
               <a:ext uri="{91240B29-F687-4f45-9708-019B960494DF}">
-                <a14:hiddenLine xmlns:a14="http://schemas.microsoft.com/office/drawing/2010/main" xmlns="" w="9525">
+                <a14:hiddenLine xmlns="" xmlns:a14="http://schemas.microsoft.com/office/drawing/2010/main" w="9525">
                   <a:solidFill>
                     <a:srgbClr val="000000"/>
                   </a:solidFill>
@@ -4256,7 +4406,7 @@
             </a:ln>
             <a:extLst>
               <a:ext uri="{91240B29-F687-4f45-9708-019B960494DF}">
-                <a14:hiddenLine xmlns:a14="http://schemas.microsoft.com/office/drawing/2010/main" xmlns="" w="9525">
+                <a14:hiddenLine xmlns="" xmlns:a14="http://schemas.microsoft.com/office/drawing/2010/main" w="9525">
                   <a:solidFill>
                     <a:srgbClr val="000000"/>
                   </a:solidFill>
@@ -4398,7 +4548,7 @@
             <a:fld id="{3F9AFA87-1417-4992-ABD9-27C3BC8CC883}" type="datetimeFigureOut">
               <a:rPr lang="en-US" smtClean="0"/>
               <a:pPr algn="r"/>
-              <a:t>12/30/21</a:t>
+              <a:t>1/11/2022</a:t>
             </a:fld>
             <a:endParaRPr lang="en-US" dirty="0"/>
           </a:p>
@@ -4668,7 +4818,7 @@
             <a:fld id="{3F9AFA87-1417-4992-ABD9-27C3BC8CC883}" type="datetimeFigureOut">
               <a:rPr lang="en-US" smtClean="0"/>
               <a:pPr algn="r"/>
-              <a:t>12/30/21</a:t>
+              <a:t>1/11/2022</a:t>
             </a:fld>
             <a:endParaRPr lang="en-US" dirty="0"/>
           </a:p>
@@ -4867,7 +5017,7 @@
             <a:fld id="{3F9AFA87-1417-4992-ABD9-27C3BC8CC883}" type="datetimeFigureOut">
               <a:rPr lang="en-US" smtClean="0"/>
               <a:pPr algn="r"/>
-              <a:t>12/30/21</a:t>
+              <a:t>1/11/2022</a:t>
             </a:fld>
             <a:endParaRPr lang="en-US" dirty="0"/>
           </a:p>
@@ -5133,7 +5283,7 @@
             <a:fld id="{3F9AFA87-1417-4992-ABD9-27C3BC8CC883}" type="datetimeFigureOut">
               <a:rPr lang="en-US" smtClean="0"/>
               <a:pPr algn="r"/>
-              <a:t>12/30/21</a:t>
+              <a:t>1/11/2022</a:t>
             </a:fld>
             <a:endParaRPr lang="en-US" dirty="0"/>
           </a:p>
@@ -5570,7 +5720,7 @@
             <a:fld id="{3F9AFA87-1417-4992-ABD9-27C3BC8CC883}" type="datetimeFigureOut">
               <a:rPr lang="en-US" smtClean="0"/>
               <a:pPr algn="r"/>
-              <a:t>12/30/21</a:t>
+              <a:t>1/11/2022</a:t>
             </a:fld>
             <a:endParaRPr lang="en-US" dirty="0"/>
           </a:p>
@@ -6119,7 +6269,7 @@
             <a:fld id="{3F9AFA87-1417-4992-ABD9-27C3BC8CC883}" type="datetimeFigureOut">
               <a:rPr lang="en-US" smtClean="0"/>
               <a:pPr algn="r"/>
-              <a:t>12/30/21</a:t>
+              <a:t>1/11/2022</a:t>
             </a:fld>
             <a:endParaRPr lang="en-US" dirty="0"/>
           </a:p>
@@ -6842,7 +6992,7 @@
             <a:fld id="{3F9AFA87-1417-4992-ABD9-27C3BC8CC883}" type="datetimeFigureOut">
               <a:rPr lang="en-US" smtClean="0"/>
               <a:pPr algn="r"/>
-              <a:t>12/30/21</a:t>
+              <a:t>1/11/2022</a:t>
             </a:fld>
             <a:endParaRPr lang="en-US" dirty="0"/>
           </a:p>
@@ -7013,7 +7163,7 @@
           <a:p>
             <a:fld id="{3F9AFA87-1417-4992-ABD9-27C3BC8CC883}" type="datetimeFigureOut">
               <a:rPr lang="en-US" smtClean="0"/>
-              <a:t>12/30/21</a:t>
+              <a:t>1/11/2022</a:t>
             </a:fld>
             <a:endParaRPr lang="en-US"/>
           </a:p>
@@ -7193,7 +7343,7 @@
           <a:p>
             <a:fld id="{3F9AFA87-1417-4992-ABD9-27C3BC8CC883}" type="datetimeFigureOut">
               <a:rPr lang="en-US" smtClean="0"/>
-              <a:t>12/30/21</a:t>
+              <a:t>1/11/2022</a:t>
             </a:fld>
             <a:endParaRPr lang="en-US"/>
           </a:p>
@@ -7363,7 +7513,7 @@
           <a:p>
             <a:fld id="{3F9AFA87-1417-4992-ABD9-27C3BC8CC883}" type="datetimeFigureOut">
               <a:rPr lang="en-US" smtClean="0"/>
-              <a:t>12/30/21</a:t>
+              <a:t>1/11/2022</a:t>
             </a:fld>
             <a:endParaRPr lang="en-US"/>
           </a:p>
@@ -7613,7 +7763,7 @@
           <a:p>
             <a:fld id="{3F9AFA87-1417-4992-ABD9-27C3BC8CC883}" type="datetimeFigureOut">
               <a:rPr lang="en-US" smtClean="0"/>
-              <a:t>12/30/21</a:t>
+              <a:t>1/11/2022</a:t>
             </a:fld>
             <a:endParaRPr lang="en-US"/>
           </a:p>
@@ -7845,7 +7995,7 @@
           <a:p>
             <a:fld id="{3F9AFA87-1417-4992-ABD9-27C3BC8CC883}" type="datetimeFigureOut">
               <a:rPr lang="en-US" smtClean="0"/>
-              <a:t>12/30/21</a:t>
+              <a:t>1/11/2022</a:t>
             </a:fld>
             <a:endParaRPr lang="en-US" dirty="0"/>
           </a:p>
@@ -8226,7 +8376,7 @@
           <a:p>
             <a:fld id="{3F9AFA87-1417-4992-ABD9-27C3BC8CC883}" type="datetimeFigureOut">
               <a:rPr lang="en-US" smtClean="0"/>
-              <a:t>12/30/21</a:t>
+              <a:t>1/11/2022</a:t>
             </a:fld>
             <a:endParaRPr lang="en-US"/>
           </a:p>
@@ -8344,7 +8494,7 @@
           <a:p>
             <a:fld id="{3F9AFA87-1417-4992-ABD9-27C3BC8CC883}" type="datetimeFigureOut">
               <a:rPr lang="en-US" smtClean="0"/>
-              <a:t>12/30/21</a:t>
+              <a:t>1/11/2022</a:t>
             </a:fld>
             <a:endParaRPr lang="en-US"/>
           </a:p>
@@ -8439,7 +8589,7 @@
           <a:p>
             <a:fld id="{3F9AFA87-1417-4992-ABD9-27C3BC8CC883}" type="datetimeFigureOut">
               <a:rPr lang="en-US" smtClean="0"/>
-              <a:t>12/30/21</a:t>
+              <a:t>1/11/2022</a:t>
             </a:fld>
             <a:endParaRPr lang="en-US"/>
           </a:p>
@@ -8688,7 +8838,7 @@
           <a:p>
             <a:fld id="{3F9AFA87-1417-4992-ABD9-27C3BC8CC883}" type="datetimeFigureOut">
               <a:rPr lang="en-US" smtClean="0"/>
-              <a:t>12/30/21</a:t>
+              <a:t>1/11/2022</a:t>
             </a:fld>
             <a:endParaRPr lang="en-US"/>
           </a:p>
@@ -8968,7 +9118,7 @@
           <a:p>
             <a:fld id="{3F9AFA87-1417-4992-ABD9-27C3BC8CC883}" type="datetimeFigureOut">
               <a:rPr lang="en-US" smtClean="0"/>
-              <a:t>12/30/21</a:t>
+              <a:t>1/11/2022</a:t>
             </a:fld>
             <a:endParaRPr lang="en-US"/>
           </a:p>
@@ -9084,7 +9234,7 @@
           <a:noFill/>
           <a:extLst>
             <a:ext uri="{909E8E84-426E-40dd-AFC4-6F175D3DCCD1}">
-              <a14:hiddenFill xmlns:a14="http://schemas.microsoft.com/office/drawing/2010/main" xmlns="">
+              <a14:hiddenFill xmlns="" xmlns:a14="http://schemas.microsoft.com/office/drawing/2010/main">
                 <a:solidFill>
                   <a:srgbClr val="FFFFFF"/>
                 </a:solidFill>
@@ -9158,7 +9308,7 @@
               </a:ln>
               <a:extLst>
                 <a:ext uri="{91240B29-F687-4f45-9708-019B960494DF}">
-                  <a14:hiddenLine xmlns:a14="http://schemas.microsoft.com/office/drawing/2010/main" xmlns="" w="9525">
+                  <a14:hiddenLine xmlns="" xmlns:a14="http://schemas.microsoft.com/office/drawing/2010/main" w="9525">
                     <a:solidFill>
                       <a:srgbClr val="000000"/>
                     </a:solidFill>
@@ -9248,7 +9398,7 @@
               </a:ln>
               <a:extLst>
                 <a:ext uri="{91240B29-F687-4f45-9708-019B960494DF}">
-                  <a14:hiddenLine xmlns:a14="http://schemas.microsoft.com/office/drawing/2010/main" xmlns="" w="9525">
+                  <a14:hiddenLine xmlns="" xmlns:a14="http://schemas.microsoft.com/office/drawing/2010/main" w="9525">
                     <a:solidFill>
                       <a:srgbClr val="000000"/>
                     </a:solidFill>
@@ -9338,7 +9488,7 @@
               </a:ln>
               <a:extLst>
                 <a:ext uri="{91240B29-F687-4f45-9708-019B960494DF}">
-                  <a14:hiddenLine xmlns:a14="http://schemas.microsoft.com/office/drawing/2010/main" xmlns="" w="9525">
+                  <a14:hiddenLine xmlns="" xmlns:a14="http://schemas.microsoft.com/office/drawing/2010/main" w="9525">
                     <a:solidFill>
                       <a:srgbClr val="000000"/>
                     </a:solidFill>
@@ -9400,7 +9550,7 @@
               </a:ln>
               <a:extLst>
                 <a:ext uri="{91240B29-F687-4f45-9708-019B960494DF}">
-                  <a14:hiddenLine xmlns:a14="http://schemas.microsoft.com/office/drawing/2010/main" xmlns="" w="9525">
+                  <a14:hiddenLine xmlns="" xmlns:a14="http://schemas.microsoft.com/office/drawing/2010/main" w="9525">
                     <a:solidFill>
                       <a:srgbClr val="000000"/>
                     </a:solidFill>
@@ -9490,7 +9640,7 @@
               </a:ln>
               <a:extLst>
                 <a:ext uri="{91240B29-F687-4f45-9708-019B960494DF}">
-                  <a14:hiddenLine xmlns:a14="http://schemas.microsoft.com/office/drawing/2010/main" xmlns="" w="9525">
+                  <a14:hiddenLine xmlns="" xmlns:a14="http://schemas.microsoft.com/office/drawing/2010/main" w="9525">
                     <a:solidFill>
                       <a:srgbClr val="000000"/>
                     </a:solidFill>
@@ -9552,7 +9702,7 @@
               </a:ln>
               <a:extLst>
                 <a:ext uri="{91240B29-F687-4f45-9708-019B960494DF}">
-                  <a14:hiddenLine xmlns:a14="http://schemas.microsoft.com/office/drawing/2010/main" xmlns="" w="9525">
+                  <a14:hiddenLine xmlns="" xmlns:a14="http://schemas.microsoft.com/office/drawing/2010/main" w="9525">
                     <a:solidFill>
                       <a:srgbClr val="000000"/>
                     </a:solidFill>
@@ -9614,7 +9764,7 @@
               </a:ln>
               <a:extLst>
                 <a:ext uri="{91240B29-F687-4f45-9708-019B960494DF}">
-                  <a14:hiddenLine xmlns:a14="http://schemas.microsoft.com/office/drawing/2010/main" xmlns="" w="9525">
+                  <a14:hiddenLine xmlns="" xmlns:a14="http://schemas.microsoft.com/office/drawing/2010/main" w="9525">
                     <a:solidFill>
                       <a:srgbClr val="000000"/>
                     </a:solidFill>
@@ -9704,7 +9854,7 @@
               </a:ln>
               <a:extLst>
                 <a:ext uri="{91240B29-F687-4f45-9708-019B960494DF}">
-                  <a14:hiddenLine xmlns:a14="http://schemas.microsoft.com/office/drawing/2010/main" xmlns="" w="9525">
+                  <a14:hiddenLine xmlns="" xmlns:a14="http://schemas.microsoft.com/office/drawing/2010/main" w="9525">
                     <a:solidFill>
                       <a:srgbClr val="000000"/>
                     </a:solidFill>
@@ -9794,7 +9944,7 @@
               </a:ln>
               <a:extLst>
                 <a:ext uri="{91240B29-F687-4f45-9708-019B960494DF}">
-                  <a14:hiddenLine xmlns:a14="http://schemas.microsoft.com/office/drawing/2010/main" xmlns="" w="9525">
+                  <a14:hiddenLine xmlns="" xmlns:a14="http://schemas.microsoft.com/office/drawing/2010/main" w="9525">
                     <a:solidFill>
                       <a:srgbClr val="000000"/>
                     </a:solidFill>
@@ -9856,7 +10006,7 @@
               </a:ln>
               <a:extLst>
                 <a:ext uri="{91240B29-F687-4f45-9708-019B960494DF}">
-                  <a14:hiddenLine xmlns:a14="http://schemas.microsoft.com/office/drawing/2010/main" xmlns="" w="9525">
+                  <a14:hiddenLine xmlns="" xmlns:a14="http://schemas.microsoft.com/office/drawing/2010/main" w="9525">
                     <a:solidFill>
                       <a:srgbClr val="000000"/>
                     </a:solidFill>
@@ -9966,7 +10116,7 @@
               </a:ln>
               <a:extLst>
                 <a:ext uri="{91240B29-F687-4f45-9708-019B960494DF}">
-                  <a14:hiddenLine xmlns:a14="http://schemas.microsoft.com/office/drawing/2010/main" xmlns="" w="9525">
+                  <a14:hiddenLine xmlns="" xmlns:a14="http://schemas.microsoft.com/office/drawing/2010/main" w="9525">
                     <a:solidFill>
                       <a:srgbClr val="000000"/>
                     </a:solidFill>
@@ -10050,7 +10200,7 @@
               </a:ln>
               <a:extLst>
                 <a:ext uri="{91240B29-F687-4f45-9708-019B960494DF}">
-                  <a14:hiddenLine xmlns:a14="http://schemas.microsoft.com/office/drawing/2010/main" xmlns="" w="9525">
+                  <a14:hiddenLine xmlns="" xmlns:a14="http://schemas.microsoft.com/office/drawing/2010/main" w="9525">
                     <a:solidFill>
                       <a:srgbClr val="000000"/>
                     </a:solidFill>
@@ -10112,7 +10262,7 @@
               </a:ln>
               <a:extLst>
                 <a:ext uri="{91240B29-F687-4f45-9708-019B960494DF}">
-                  <a14:hiddenLine xmlns:a14="http://schemas.microsoft.com/office/drawing/2010/main" xmlns="" w="9525">
+                  <a14:hiddenLine xmlns="" xmlns:a14="http://schemas.microsoft.com/office/drawing/2010/main" w="9525">
                     <a:solidFill>
                       <a:srgbClr val="000000"/>
                     </a:solidFill>
@@ -10174,7 +10324,7 @@
               </a:ln>
               <a:extLst>
                 <a:ext uri="{91240B29-F687-4f45-9708-019B960494DF}">
-                  <a14:hiddenLine xmlns:a14="http://schemas.microsoft.com/office/drawing/2010/main" xmlns="" w="9525">
+                  <a14:hiddenLine xmlns="" xmlns:a14="http://schemas.microsoft.com/office/drawing/2010/main" w="9525">
                     <a:solidFill>
                       <a:srgbClr val="000000"/>
                     </a:solidFill>
@@ -10264,7 +10414,7 @@
               </a:ln>
               <a:extLst>
                 <a:ext uri="{91240B29-F687-4f45-9708-019B960494DF}">
-                  <a14:hiddenLine xmlns:a14="http://schemas.microsoft.com/office/drawing/2010/main" xmlns="" w="9525">
+                  <a14:hiddenLine xmlns="" xmlns:a14="http://schemas.microsoft.com/office/drawing/2010/main" w="9525">
                     <a:solidFill>
                       <a:srgbClr val="000000"/>
                     </a:solidFill>
@@ -10298,7 +10448,7 @@
               </a:ln>
               <a:extLst>
                 <a:ext uri="{91240B29-F687-4f45-9708-019B960494DF}">
-                  <a14:hiddenLine xmlns:a14="http://schemas.microsoft.com/office/drawing/2010/main" xmlns="" w="9525">
+                  <a14:hiddenLine xmlns="" xmlns:a14="http://schemas.microsoft.com/office/drawing/2010/main" w="9525">
                     <a:solidFill>
                       <a:srgbClr val="000000"/>
                     </a:solidFill>
@@ -10363,7 +10513,7 @@
               </a:ln>
               <a:extLst>
                 <a:ext uri="{91240B29-F687-4f45-9708-019B960494DF}">
-                  <a14:hiddenLine xmlns:a14="http://schemas.microsoft.com/office/drawing/2010/main" xmlns="" w="9525">
+                  <a14:hiddenLine xmlns="" xmlns:a14="http://schemas.microsoft.com/office/drawing/2010/main" w="9525">
                     <a:solidFill>
                       <a:srgbClr val="000000"/>
                     </a:solidFill>
@@ -10453,7 +10603,7 @@
               </a:ln>
               <a:extLst>
                 <a:ext uri="{91240B29-F687-4f45-9708-019B960494DF}">
-                  <a14:hiddenLine xmlns:a14="http://schemas.microsoft.com/office/drawing/2010/main" xmlns="" w="9525">
+                  <a14:hiddenLine xmlns="" xmlns:a14="http://schemas.microsoft.com/office/drawing/2010/main" w="9525">
                     <a:solidFill>
                       <a:srgbClr val="000000"/>
                     </a:solidFill>
@@ -10515,7 +10665,7 @@
               </a:ln>
               <a:extLst>
                 <a:ext uri="{91240B29-F687-4f45-9708-019B960494DF}">
-                  <a14:hiddenLine xmlns:a14="http://schemas.microsoft.com/office/drawing/2010/main" xmlns="" w="9525">
+                  <a14:hiddenLine xmlns="" xmlns:a14="http://schemas.microsoft.com/office/drawing/2010/main" w="9525">
                     <a:solidFill>
                       <a:srgbClr val="000000"/>
                     </a:solidFill>
@@ -10605,7 +10755,7 @@
               </a:ln>
               <a:extLst>
                 <a:ext uri="{91240B29-F687-4f45-9708-019B960494DF}">
-                  <a14:hiddenLine xmlns:a14="http://schemas.microsoft.com/office/drawing/2010/main" xmlns="" w="9525">
+                  <a14:hiddenLine xmlns="" xmlns:a14="http://schemas.microsoft.com/office/drawing/2010/main" w="9525">
                     <a:solidFill>
                       <a:srgbClr val="000000"/>
                     </a:solidFill>
@@ -10670,7 +10820,7 @@
               </a:ln>
               <a:extLst>
                 <a:ext uri="{91240B29-F687-4f45-9708-019B960494DF}">
-                  <a14:hiddenLine xmlns:a14="http://schemas.microsoft.com/office/drawing/2010/main" xmlns="" w="9525">
+                  <a14:hiddenLine xmlns="" xmlns:a14="http://schemas.microsoft.com/office/drawing/2010/main" w="9525">
                     <a:solidFill>
                       <a:srgbClr val="000000"/>
                     </a:solidFill>
@@ -10732,7 +10882,7 @@
               </a:ln>
               <a:extLst>
                 <a:ext uri="{91240B29-F687-4f45-9708-019B960494DF}">
-                  <a14:hiddenLine xmlns:a14="http://schemas.microsoft.com/office/drawing/2010/main" xmlns="" w="9525">
+                  <a14:hiddenLine xmlns="" xmlns:a14="http://schemas.microsoft.com/office/drawing/2010/main" w="9525">
                     <a:solidFill>
                       <a:srgbClr val="000000"/>
                     </a:solidFill>
@@ -10822,7 +10972,7 @@
               </a:ln>
               <a:extLst>
                 <a:ext uri="{91240B29-F687-4f45-9708-019B960494DF}">
-                  <a14:hiddenLine xmlns:a14="http://schemas.microsoft.com/office/drawing/2010/main" xmlns="" w="9525">
+                  <a14:hiddenLine xmlns="" xmlns:a14="http://schemas.microsoft.com/office/drawing/2010/main" w="9525">
                     <a:solidFill>
                       <a:srgbClr val="000000"/>
                     </a:solidFill>
@@ -10912,7 +11062,7 @@
               </a:ln>
               <a:extLst>
                 <a:ext uri="{91240B29-F687-4f45-9708-019B960494DF}">
-                  <a14:hiddenLine xmlns:a14="http://schemas.microsoft.com/office/drawing/2010/main" xmlns="" w="9525">
+                  <a14:hiddenLine xmlns="" xmlns:a14="http://schemas.microsoft.com/office/drawing/2010/main" w="9525">
                     <a:solidFill>
                       <a:srgbClr val="000000"/>
                     </a:solidFill>
@@ -10977,7 +11127,7 @@
               </a:ln>
               <a:extLst>
                 <a:ext uri="{91240B29-F687-4f45-9708-019B960494DF}">
-                  <a14:hiddenLine xmlns:a14="http://schemas.microsoft.com/office/drawing/2010/main" xmlns="" w="9525">
+                  <a14:hiddenLine xmlns="" xmlns:a14="http://schemas.microsoft.com/office/drawing/2010/main" w="9525">
                     <a:solidFill>
                       <a:srgbClr val="000000"/>
                     </a:solidFill>
@@ -11097,7 +11247,7 @@
               </a:ln>
               <a:extLst>
                 <a:ext uri="{91240B29-F687-4f45-9708-019B960494DF}">
-                  <a14:hiddenLine xmlns:a14="http://schemas.microsoft.com/office/drawing/2010/main" xmlns="" w="9525">
+                  <a14:hiddenLine xmlns="" xmlns:a14="http://schemas.microsoft.com/office/drawing/2010/main" w="9525">
                     <a:solidFill>
                       <a:srgbClr val="000000"/>
                     </a:solidFill>
@@ -11195,7 +11345,7 @@
               </a:ln>
               <a:extLst>
                 <a:ext uri="{91240B29-F687-4f45-9708-019B960494DF}">
-                  <a14:hiddenLine xmlns:a14="http://schemas.microsoft.com/office/drawing/2010/main" xmlns="" w="9525">
+                  <a14:hiddenLine xmlns="" xmlns:a14="http://schemas.microsoft.com/office/drawing/2010/main" w="9525">
                     <a:solidFill>
                       <a:srgbClr val="000000"/>
                     </a:solidFill>
@@ -11310,7 +11460,7 @@
               </a:ln>
               <a:extLst>
                 <a:ext uri="{91240B29-F687-4f45-9708-019B960494DF}">
-                  <a14:hiddenLine xmlns:a14="http://schemas.microsoft.com/office/drawing/2010/main" xmlns="" w="9525">
+                  <a14:hiddenLine xmlns="" xmlns:a14="http://schemas.microsoft.com/office/drawing/2010/main" w="9525">
                     <a:solidFill>
                       <a:srgbClr val="000000"/>
                     </a:solidFill>
@@ -11400,7 +11550,7 @@
               </a:ln>
               <a:extLst>
                 <a:ext uri="{91240B29-F687-4f45-9708-019B960494DF}">
-                  <a14:hiddenLine xmlns:a14="http://schemas.microsoft.com/office/drawing/2010/main" xmlns="" w="9525">
+                  <a14:hiddenLine xmlns="" xmlns:a14="http://schemas.microsoft.com/office/drawing/2010/main" w="9525">
                     <a:solidFill>
                       <a:srgbClr val="000000"/>
                     </a:solidFill>
@@ -11465,7 +11615,7 @@
               </a:ln>
               <a:extLst>
                 <a:ext uri="{91240B29-F687-4f45-9708-019B960494DF}">
-                  <a14:hiddenLine xmlns:a14="http://schemas.microsoft.com/office/drawing/2010/main" xmlns="" w="9525">
+                  <a14:hiddenLine xmlns="" xmlns:a14="http://schemas.microsoft.com/office/drawing/2010/main" w="9525">
                     <a:solidFill>
                       <a:srgbClr val="000000"/>
                     </a:solidFill>
@@ -11555,7 +11705,7 @@
               </a:ln>
               <a:extLst>
                 <a:ext uri="{91240B29-F687-4f45-9708-019B960494DF}">
-                  <a14:hiddenLine xmlns:a14="http://schemas.microsoft.com/office/drawing/2010/main" xmlns="" w="9525">
+                  <a14:hiddenLine xmlns="" xmlns:a14="http://schemas.microsoft.com/office/drawing/2010/main" w="9525">
                     <a:solidFill>
                       <a:srgbClr val="000000"/>
                     </a:solidFill>
@@ -11623,7 +11773,7 @@
               </a:ln>
               <a:extLst>
                 <a:ext uri="{91240B29-F687-4f45-9708-019B960494DF}">
-                  <a14:hiddenLine xmlns:a14="http://schemas.microsoft.com/office/drawing/2010/main" xmlns="" w="9525">
+                  <a14:hiddenLine xmlns="" xmlns:a14="http://schemas.microsoft.com/office/drawing/2010/main" w="9525">
                     <a:solidFill>
                       <a:srgbClr val="000000"/>
                     </a:solidFill>
@@ -11713,7 +11863,7 @@
               </a:ln>
               <a:extLst>
                 <a:ext uri="{91240B29-F687-4f45-9708-019B960494DF}">
-                  <a14:hiddenLine xmlns:a14="http://schemas.microsoft.com/office/drawing/2010/main" xmlns="" w="9525">
+                  <a14:hiddenLine xmlns="" xmlns:a14="http://schemas.microsoft.com/office/drawing/2010/main" w="9525">
                     <a:solidFill>
                       <a:srgbClr val="000000"/>
                     </a:solidFill>
@@ -11781,7 +11931,7 @@
               </a:ln>
               <a:extLst>
                 <a:ext uri="{91240B29-F687-4f45-9708-019B960494DF}">
-                  <a14:hiddenLine xmlns:a14="http://schemas.microsoft.com/office/drawing/2010/main" xmlns="" w="9525">
+                  <a14:hiddenLine xmlns="" xmlns:a14="http://schemas.microsoft.com/office/drawing/2010/main" w="9525">
                     <a:solidFill>
                       <a:srgbClr val="000000"/>
                     </a:solidFill>
@@ -11871,7 +12021,7 @@
               </a:ln>
               <a:extLst>
                 <a:ext uri="{91240B29-F687-4f45-9708-019B960494DF}">
-                  <a14:hiddenLine xmlns:a14="http://schemas.microsoft.com/office/drawing/2010/main" xmlns="" w="9525">
+                  <a14:hiddenLine xmlns="" xmlns:a14="http://schemas.microsoft.com/office/drawing/2010/main" w="9525">
                     <a:solidFill>
                       <a:srgbClr val="000000"/>
                     </a:solidFill>
@@ -11905,7 +12055,7 @@
               </a:ln>
               <a:extLst>
                 <a:ext uri="{91240B29-F687-4f45-9708-019B960494DF}">
-                  <a14:hiddenLine xmlns:a14="http://schemas.microsoft.com/office/drawing/2010/main" xmlns="" w="9525">
+                  <a14:hiddenLine xmlns="" xmlns:a14="http://schemas.microsoft.com/office/drawing/2010/main" w="9525">
                     <a:solidFill>
                       <a:srgbClr val="000000"/>
                     </a:solidFill>
@@ -12047,7 +12197,7 @@
             <a:fld id="{3F9AFA87-1417-4992-ABD9-27C3BC8CC883}" type="datetimeFigureOut">
               <a:rPr lang="en-US" smtClean="0"/>
               <a:pPr algn="r"/>
-              <a:t>12/30/21</a:t>
+              <a:t>1/11/2022</a:t>
             </a:fld>
             <a:endParaRPr lang="en-US" dirty="0"/>
           </a:p>
@@ -12853,6 +13003,551 @@
           </a:xfrm>
         </p:spPr>
       </p:pic>
+      <p:sp>
+        <p:nvSpPr>
+          <p:cNvPr id="3" name="סימן ''אסור'' 2">
+            <a:extLst>
+              <a:ext uri="{FF2B5EF4-FFF2-40B4-BE49-F238E27FC236}">
+                <a16:creationId xmlns:a16="http://schemas.microsoft.com/office/drawing/2014/main" id="{0011835A-06FF-4412-94B1-65AB29F16F0C}"/>
+              </a:ext>
+            </a:extLst>
+          </p:cNvPr>
+          <p:cNvSpPr/>
+          <p:nvPr/>
+        </p:nvSpPr>
+        <p:spPr>
+          <a:xfrm>
+            <a:off x="999067" y="6239934"/>
+            <a:ext cx="238062" cy="196422"/>
+          </a:xfrm>
+          <a:prstGeom prst="noSmoking">
+            <a:avLst/>
+          </a:prstGeom>
+          <a:solidFill>
+            <a:srgbClr val="FF0000"/>
+          </a:solidFill>
+          <a:ln>
+            <a:solidFill>
+              <a:schemeClr val="bg1"/>
+            </a:solidFill>
+          </a:ln>
+        </p:spPr>
+        <p:style>
+          <a:lnRef idx="2">
+            <a:schemeClr val="accent1">
+              <a:shade val="50000"/>
+            </a:schemeClr>
+          </a:lnRef>
+          <a:fillRef idx="1">
+            <a:schemeClr val="accent1"/>
+          </a:fillRef>
+          <a:effectRef idx="0">
+            <a:schemeClr val="accent1"/>
+          </a:effectRef>
+          <a:fontRef idx="minor">
+            <a:schemeClr val="lt1"/>
+          </a:fontRef>
+        </p:style>
+        <p:txBody>
+          <a:bodyPr rtlCol="0" anchor="ctr"/>
+          <a:lstStyle/>
+          <a:p>
+            <a:pPr algn="ctr"/>
+            <a:endParaRPr lang="LID4096">
+              <a:solidFill>
+                <a:schemeClr val="tx1"/>
+              </a:solidFill>
+            </a:endParaRPr>
+          </a:p>
+        </p:txBody>
+      </p:sp>
+      <p:sp>
+        <p:nvSpPr>
+          <p:cNvPr id="6" name="סימן ''אסור'' 5">
+            <a:extLst>
+              <a:ext uri="{FF2B5EF4-FFF2-40B4-BE49-F238E27FC236}">
+                <a16:creationId xmlns:a16="http://schemas.microsoft.com/office/drawing/2014/main" id="{EC7EA9C2-656B-4CDC-9105-783F20B36153}"/>
+              </a:ext>
+            </a:extLst>
+          </p:cNvPr>
+          <p:cNvSpPr/>
+          <p:nvPr/>
+        </p:nvSpPr>
+        <p:spPr>
+          <a:xfrm>
+            <a:off x="999063" y="6036735"/>
+            <a:ext cx="238062" cy="196422"/>
+          </a:xfrm>
+          <a:prstGeom prst="noSmoking">
+            <a:avLst/>
+          </a:prstGeom>
+          <a:solidFill>
+            <a:srgbClr val="FF0000"/>
+          </a:solidFill>
+          <a:ln>
+            <a:solidFill>
+              <a:schemeClr val="bg1"/>
+            </a:solidFill>
+          </a:ln>
+        </p:spPr>
+        <p:style>
+          <a:lnRef idx="2">
+            <a:schemeClr val="accent1">
+              <a:shade val="50000"/>
+            </a:schemeClr>
+          </a:lnRef>
+          <a:fillRef idx="1">
+            <a:schemeClr val="accent1"/>
+          </a:fillRef>
+          <a:effectRef idx="0">
+            <a:schemeClr val="accent1"/>
+          </a:effectRef>
+          <a:fontRef idx="minor">
+            <a:schemeClr val="lt1"/>
+          </a:fontRef>
+        </p:style>
+        <p:txBody>
+          <a:bodyPr rtlCol="0" anchor="ctr"/>
+          <a:lstStyle/>
+          <a:p>
+            <a:pPr algn="ctr"/>
+            <a:endParaRPr lang="LID4096">
+              <a:solidFill>
+                <a:schemeClr val="tx1"/>
+              </a:solidFill>
+            </a:endParaRPr>
+          </a:p>
+        </p:txBody>
+      </p:sp>
+      <p:sp>
+        <p:nvSpPr>
+          <p:cNvPr id="7" name="סימן ''אסור'' 6">
+            <a:extLst>
+              <a:ext uri="{FF2B5EF4-FFF2-40B4-BE49-F238E27FC236}">
+                <a16:creationId xmlns:a16="http://schemas.microsoft.com/office/drawing/2014/main" id="{EB312C75-8226-4E89-AB3F-C476975B5E1D}"/>
+              </a:ext>
+            </a:extLst>
+          </p:cNvPr>
+          <p:cNvSpPr/>
+          <p:nvPr/>
+        </p:nvSpPr>
+        <p:spPr>
+          <a:xfrm>
+            <a:off x="999059" y="5757333"/>
+            <a:ext cx="238062" cy="196422"/>
+          </a:xfrm>
+          <a:prstGeom prst="noSmoking">
+            <a:avLst/>
+          </a:prstGeom>
+          <a:solidFill>
+            <a:srgbClr val="FF0000"/>
+          </a:solidFill>
+          <a:ln>
+            <a:solidFill>
+              <a:schemeClr val="bg1"/>
+            </a:solidFill>
+          </a:ln>
+        </p:spPr>
+        <p:style>
+          <a:lnRef idx="2">
+            <a:schemeClr val="accent1">
+              <a:shade val="50000"/>
+            </a:schemeClr>
+          </a:lnRef>
+          <a:fillRef idx="1">
+            <a:schemeClr val="accent1"/>
+          </a:fillRef>
+          <a:effectRef idx="0">
+            <a:schemeClr val="accent1"/>
+          </a:effectRef>
+          <a:fontRef idx="minor">
+            <a:schemeClr val="lt1"/>
+          </a:fontRef>
+        </p:style>
+        <p:txBody>
+          <a:bodyPr rtlCol="0" anchor="ctr"/>
+          <a:lstStyle/>
+          <a:p>
+            <a:pPr algn="ctr"/>
+            <a:endParaRPr lang="LID4096">
+              <a:solidFill>
+                <a:schemeClr val="tx1"/>
+              </a:solidFill>
+            </a:endParaRPr>
+          </a:p>
+        </p:txBody>
+      </p:sp>
+      <p:sp>
+        <p:nvSpPr>
+          <p:cNvPr id="8" name="סימן ''אסור'' 7">
+            <a:extLst>
+              <a:ext uri="{FF2B5EF4-FFF2-40B4-BE49-F238E27FC236}">
+                <a16:creationId xmlns:a16="http://schemas.microsoft.com/office/drawing/2014/main" id="{4129B245-430D-4CA3-B96F-596A5D616B00}"/>
+              </a:ext>
+            </a:extLst>
+          </p:cNvPr>
+          <p:cNvSpPr/>
+          <p:nvPr/>
+        </p:nvSpPr>
+        <p:spPr>
+          <a:xfrm>
+            <a:off x="999055" y="4809066"/>
+            <a:ext cx="238062" cy="196422"/>
+          </a:xfrm>
+          <a:prstGeom prst="noSmoking">
+            <a:avLst/>
+          </a:prstGeom>
+          <a:solidFill>
+            <a:srgbClr val="FF0000"/>
+          </a:solidFill>
+          <a:ln>
+            <a:solidFill>
+              <a:schemeClr val="bg1"/>
+            </a:solidFill>
+          </a:ln>
+        </p:spPr>
+        <p:style>
+          <a:lnRef idx="2">
+            <a:schemeClr val="accent1">
+              <a:shade val="50000"/>
+            </a:schemeClr>
+          </a:lnRef>
+          <a:fillRef idx="1">
+            <a:schemeClr val="accent1"/>
+          </a:fillRef>
+          <a:effectRef idx="0">
+            <a:schemeClr val="accent1"/>
+          </a:effectRef>
+          <a:fontRef idx="minor">
+            <a:schemeClr val="lt1"/>
+          </a:fontRef>
+        </p:style>
+        <p:txBody>
+          <a:bodyPr rtlCol="0" anchor="ctr"/>
+          <a:lstStyle/>
+          <a:p>
+            <a:pPr algn="ctr"/>
+            <a:endParaRPr lang="LID4096">
+              <a:solidFill>
+                <a:schemeClr val="tx1"/>
+              </a:solidFill>
+            </a:endParaRPr>
+          </a:p>
+        </p:txBody>
+      </p:sp>
+      <p:sp>
+        <p:nvSpPr>
+          <p:cNvPr id="9" name="סימן ''אסור'' 8">
+            <a:extLst>
+              <a:ext uri="{FF2B5EF4-FFF2-40B4-BE49-F238E27FC236}">
+                <a16:creationId xmlns:a16="http://schemas.microsoft.com/office/drawing/2014/main" id="{7E3856D6-0F1A-46C3-8E3D-C332AE1F04B0}"/>
+              </a:ext>
+            </a:extLst>
+          </p:cNvPr>
+          <p:cNvSpPr/>
+          <p:nvPr/>
+        </p:nvSpPr>
+        <p:spPr>
+          <a:xfrm>
+            <a:off x="990585" y="4199471"/>
+            <a:ext cx="238062" cy="196422"/>
+          </a:xfrm>
+          <a:prstGeom prst="noSmoking">
+            <a:avLst/>
+          </a:prstGeom>
+          <a:solidFill>
+            <a:srgbClr val="FF0000"/>
+          </a:solidFill>
+          <a:ln>
+            <a:solidFill>
+              <a:schemeClr val="bg1"/>
+            </a:solidFill>
+          </a:ln>
+        </p:spPr>
+        <p:style>
+          <a:lnRef idx="2">
+            <a:schemeClr val="accent1">
+              <a:shade val="50000"/>
+            </a:schemeClr>
+          </a:lnRef>
+          <a:fillRef idx="1">
+            <a:schemeClr val="accent1"/>
+          </a:fillRef>
+          <a:effectRef idx="0">
+            <a:schemeClr val="accent1"/>
+          </a:effectRef>
+          <a:fontRef idx="minor">
+            <a:schemeClr val="lt1"/>
+          </a:fontRef>
+        </p:style>
+        <p:txBody>
+          <a:bodyPr rtlCol="0" anchor="ctr"/>
+          <a:lstStyle/>
+          <a:p>
+            <a:pPr algn="ctr"/>
+            <a:endParaRPr lang="LID4096">
+              <a:solidFill>
+                <a:schemeClr val="tx1"/>
+              </a:solidFill>
+            </a:endParaRPr>
+          </a:p>
+        </p:txBody>
+      </p:sp>
+      <mc:AlternateContent xmlns:mc="http://schemas.openxmlformats.org/markup-compatibility/2006">
+        <mc:Choice xmlns:p14="http://schemas.microsoft.com/office/powerpoint/2010/main" Requires="p14">
+          <p:contentPart p14:bwMode="auto" r:id="rId3">
+            <p14:nvContentPartPr>
+              <p14:cNvPr id="4" name="דיו 3">
+                <a:extLst>
+                  <a:ext uri="{FF2B5EF4-FFF2-40B4-BE49-F238E27FC236}">
+                    <a16:creationId xmlns:a16="http://schemas.microsoft.com/office/drawing/2014/main" id="{290040A7-D46F-4316-B211-7E8BAD38E79F}"/>
+                  </a:ext>
+                </a:extLst>
+              </p14:cNvPr>
+              <p14:cNvContentPartPr/>
+              <p14:nvPr/>
+            </p14:nvContentPartPr>
+            <p14:xfrm>
+              <a:off x="1278400" y="6256000"/>
+              <a:ext cx="4935600" cy="60480"/>
+            </p14:xfrm>
+          </p:contentPart>
+        </mc:Choice>
+        <mc:Fallback>
+          <p:pic>
+            <p:nvPicPr>
+              <p:cNvPr id="4" name="דיו 3">
+                <a:extLst>
+                  <a:ext uri="{FF2B5EF4-FFF2-40B4-BE49-F238E27FC236}">
+                    <a16:creationId xmlns:a16="http://schemas.microsoft.com/office/drawing/2014/main" id="{290040A7-D46F-4316-B211-7E8BAD38E79F}"/>
+                  </a:ext>
+                </a:extLst>
+              </p:cNvPr>
+              <p:cNvPicPr/>
+              <p:nvPr/>
+            </p:nvPicPr>
+            <p:blipFill>
+              <a:blip r:embed="rId4"/>
+              <a:stretch>
+                <a:fillRect/>
+              </a:stretch>
+            </p:blipFill>
+            <p:spPr>
+              <a:xfrm>
+                <a:off x="1224400" y="6148360"/>
+                <a:ext cx="5043240" cy="276120"/>
+              </a:xfrm>
+              <a:prstGeom prst="rect">
+                <a:avLst/>
+              </a:prstGeom>
+            </p:spPr>
+          </p:pic>
+        </mc:Fallback>
+      </mc:AlternateContent>
+      <mc:AlternateContent xmlns:mc="http://schemas.openxmlformats.org/markup-compatibility/2006">
+        <mc:Choice xmlns:p14="http://schemas.microsoft.com/office/powerpoint/2010/main" Requires="p14">
+          <p:contentPart p14:bwMode="auto" r:id="rId5">
+            <p14:nvContentPartPr>
+              <p14:cNvPr id="10" name="דיו 9">
+                <a:extLst>
+                  <a:ext uri="{FF2B5EF4-FFF2-40B4-BE49-F238E27FC236}">
+                    <a16:creationId xmlns:a16="http://schemas.microsoft.com/office/drawing/2014/main" id="{EFB0EA12-BC84-4B5D-9C88-C0C0298BF419}"/>
+                  </a:ext>
+                </a:extLst>
+              </p14:cNvPr>
+              <p14:cNvContentPartPr/>
+              <p14:nvPr/>
+            </p14:nvContentPartPr>
+            <p14:xfrm>
+              <a:off x="1278400" y="6120640"/>
+              <a:ext cx="3911040" cy="69840"/>
+            </p14:xfrm>
+          </p:contentPart>
+        </mc:Choice>
+        <mc:Fallback>
+          <p:pic>
+            <p:nvPicPr>
+              <p:cNvPr id="10" name="דיו 9">
+                <a:extLst>
+                  <a:ext uri="{FF2B5EF4-FFF2-40B4-BE49-F238E27FC236}">
+                    <a16:creationId xmlns:a16="http://schemas.microsoft.com/office/drawing/2014/main" id="{EFB0EA12-BC84-4B5D-9C88-C0C0298BF419}"/>
+                  </a:ext>
+                </a:extLst>
+              </p:cNvPr>
+              <p:cNvPicPr/>
+              <p:nvPr/>
+            </p:nvPicPr>
+            <p:blipFill>
+              <a:blip r:embed="rId6"/>
+              <a:stretch>
+                <a:fillRect/>
+              </a:stretch>
+            </p:blipFill>
+            <p:spPr>
+              <a:xfrm>
+                <a:off x="1224400" y="6012640"/>
+                <a:ext cx="4018680" cy="285480"/>
+              </a:xfrm>
+              <a:prstGeom prst="rect">
+                <a:avLst/>
+              </a:prstGeom>
+            </p:spPr>
+          </p:pic>
+        </mc:Fallback>
+      </mc:AlternateContent>
+      <mc:AlternateContent xmlns:mc="http://schemas.openxmlformats.org/markup-compatibility/2006">
+        <mc:Choice xmlns:p14="http://schemas.microsoft.com/office/powerpoint/2010/main" Requires="p14">
+          <p:contentPart p14:bwMode="auto" r:id="rId7">
+            <p14:nvContentPartPr>
+              <p14:cNvPr id="11" name="דיו 10">
+                <a:extLst>
+                  <a:ext uri="{FF2B5EF4-FFF2-40B4-BE49-F238E27FC236}">
+                    <a16:creationId xmlns:a16="http://schemas.microsoft.com/office/drawing/2014/main" id="{8F6C7C6C-D24D-4AD7-84AE-CE56228FD6A4}"/>
+                  </a:ext>
+                </a:extLst>
+              </p14:cNvPr>
+              <p14:cNvContentPartPr/>
+              <p14:nvPr/>
+            </p14:nvContentPartPr>
+            <p14:xfrm>
+              <a:off x="1323360" y="4896000"/>
+              <a:ext cx="3949200" cy="56880"/>
+            </p14:xfrm>
+          </p:contentPart>
+        </mc:Choice>
+        <mc:Fallback>
+          <p:pic>
+            <p:nvPicPr>
+              <p:cNvPr id="11" name="דיו 10">
+                <a:extLst>
+                  <a:ext uri="{FF2B5EF4-FFF2-40B4-BE49-F238E27FC236}">
+                    <a16:creationId xmlns:a16="http://schemas.microsoft.com/office/drawing/2014/main" id="{8F6C7C6C-D24D-4AD7-84AE-CE56228FD6A4}"/>
+                  </a:ext>
+                </a:extLst>
+              </p:cNvPr>
+              <p:cNvPicPr/>
+              <p:nvPr/>
+            </p:nvPicPr>
+            <p:blipFill>
+              <a:blip r:embed="rId8"/>
+              <a:stretch>
+                <a:fillRect/>
+              </a:stretch>
+            </p:blipFill>
+            <p:spPr>
+              <a:xfrm>
+                <a:off x="1269720" y="4788360"/>
+                <a:ext cx="4056840" cy="272520"/>
+              </a:xfrm>
+              <a:prstGeom prst="rect">
+                <a:avLst/>
+              </a:prstGeom>
+            </p:spPr>
+          </p:pic>
+        </mc:Fallback>
+      </mc:AlternateContent>
+      <mc:AlternateContent xmlns:mc="http://schemas.openxmlformats.org/markup-compatibility/2006">
+        <mc:Choice xmlns:p14="http://schemas.microsoft.com/office/powerpoint/2010/main" Requires="p14">
+          <p:contentPart p14:bwMode="auto" r:id="rId9">
+            <p14:nvContentPartPr>
+              <p14:cNvPr id="12" name="דיו 11">
+                <a:extLst>
+                  <a:ext uri="{FF2B5EF4-FFF2-40B4-BE49-F238E27FC236}">
+                    <a16:creationId xmlns:a16="http://schemas.microsoft.com/office/drawing/2014/main" id="{96C0949D-06E3-4E5F-995E-1D8FA3143009}"/>
+                  </a:ext>
+                </a:extLst>
+              </p14:cNvPr>
+              <p14:cNvContentPartPr/>
+              <p14:nvPr/>
+            </p14:nvContentPartPr>
+            <p14:xfrm>
+              <a:off x="1267560" y="4251600"/>
+              <a:ext cx="2978640" cy="37440"/>
+            </p14:xfrm>
+          </p:contentPart>
+        </mc:Choice>
+        <mc:Fallback>
+          <p:pic>
+            <p:nvPicPr>
+              <p:cNvPr id="12" name="דיו 11">
+                <a:extLst>
+                  <a:ext uri="{FF2B5EF4-FFF2-40B4-BE49-F238E27FC236}">
+                    <a16:creationId xmlns:a16="http://schemas.microsoft.com/office/drawing/2014/main" id="{96C0949D-06E3-4E5F-995E-1D8FA3143009}"/>
+                  </a:ext>
+                </a:extLst>
+              </p:cNvPr>
+              <p:cNvPicPr/>
+              <p:nvPr/>
+            </p:nvPicPr>
+            <p:blipFill>
+              <a:blip r:embed="rId10"/>
+              <a:stretch>
+                <a:fillRect/>
+              </a:stretch>
+            </p:blipFill>
+            <p:spPr>
+              <a:xfrm>
+                <a:off x="1213920" y="4143600"/>
+                <a:ext cx="3086280" cy="253080"/>
+              </a:xfrm>
+              <a:prstGeom prst="rect">
+                <a:avLst/>
+              </a:prstGeom>
+            </p:spPr>
+          </p:pic>
+        </mc:Fallback>
+      </mc:AlternateContent>
+      <mc:AlternateContent xmlns:mc="http://schemas.openxmlformats.org/markup-compatibility/2006">
+        <mc:Choice xmlns:p14="http://schemas.microsoft.com/office/powerpoint/2010/main" Requires="p14">
+          <p:contentPart p14:bwMode="auto" r:id="rId11">
+            <p14:nvContentPartPr>
+              <p14:cNvPr id="13" name="דיו 12">
+                <a:extLst>
+                  <a:ext uri="{FF2B5EF4-FFF2-40B4-BE49-F238E27FC236}">
+                    <a16:creationId xmlns:a16="http://schemas.microsoft.com/office/drawing/2014/main" id="{AE079228-6E8B-4A41-B4DF-87E8190DC76A}"/>
+                  </a:ext>
+                </a:extLst>
+              </p14:cNvPr>
+              <p14:cNvContentPartPr/>
+              <p14:nvPr/>
+            </p14:nvContentPartPr>
+            <p14:xfrm>
+              <a:off x="1311880" y="5781587"/>
+              <a:ext cx="4884840" cy="61200"/>
+            </p14:xfrm>
+          </p:contentPart>
+        </mc:Choice>
+        <mc:Fallback>
+          <p:pic>
+            <p:nvPicPr>
+              <p:cNvPr id="13" name="דיו 12">
+                <a:extLst>
+                  <a:ext uri="{FF2B5EF4-FFF2-40B4-BE49-F238E27FC236}">
+                    <a16:creationId xmlns:a16="http://schemas.microsoft.com/office/drawing/2014/main" id="{AE079228-6E8B-4A41-B4DF-87E8190DC76A}"/>
+                  </a:ext>
+                </a:extLst>
+              </p:cNvPr>
+              <p:cNvPicPr/>
+              <p:nvPr/>
+            </p:nvPicPr>
+            <p:blipFill>
+              <a:blip r:embed="rId12"/>
+              <a:stretch>
+                <a:fillRect/>
+              </a:stretch>
+            </p:blipFill>
+            <p:spPr>
+              <a:xfrm>
+                <a:off x="1257880" y="5673587"/>
+                <a:ext cx="4992480" cy="276840"/>
+              </a:xfrm>
+              <a:prstGeom prst="rect">
+                <a:avLst/>
+              </a:prstGeom>
+            </p:spPr>
+          </p:pic>
+        </mc:Fallback>
+      </mc:AlternateContent>
     </p:spTree>
     <p:extLst>
       <p:ext uri="{BB962C8B-B14F-4D97-AF65-F5344CB8AC3E}">
@@ -13073,13 +13768,13 @@
           <a:p>
             <a:r>
               <a:rPr lang="en-US" dirty="0"/>
-              <a:t>Regarding the first window, out of 32 association rules, 27 are legitimate, and 5 are not.</a:t>
+              <a:t>Regarding the first window, out of 32 association rules, 27 are Non-sensitive, and 5 are Sensitive.</a:t>
             </a:r>
           </a:p>
           <a:p>
             <a:r>
               <a:rPr lang="en-US" dirty="0"/>
-              <a:t>After suppression, out of 14 association rules, all of them are legitimate, meaning we deleted 5 illegitimate rules and 14 legitimate rules.</a:t>
+              <a:t>After suppression, out of 14 association rules, all of them are legitimate, meaning we deleted 5 illegitimate rules(Sensitives) and 13 legitimate rules.</a:t>
             </a:r>
           </a:p>
           <a:p>
@@ -13731,7 +14426,7 @@
             </a:ln>
             <a:extLst>
               <a:ext uri="{91240B29-F687-4f45-9708-019B960494DF}">
-                <a14:hiddenLine xmlns="" xmlns:a16="http://schemas.microsoft.com/office/drawing/2014/main" xmlns:p14="http://schemas.microsoft.com/office/powerpoint/2010/main" xmlns:a14="http://schemas.microsoft.com/office/drawing/2010/main" w="9525">
+                <a14:hiddenLine xmlns:a14="http://schemas.microsoft.com/office/drawing/2010/main" xmlns:p14="http://schemas.microsoft.com/office/powerpoint/2010/main" xmlns:a16="http://schemas.microsoft.com/office/drawing/2014/main" xmlns="" w="9525">
                   <a:solidFill>
                     <a:srgbClr val="000000"/>
                   </a:solidFill>
@@ -13836,7 +14531,7 @@
             </a:ln>
             <a:extLst>
               <a:ext uri="{91240B29-F687-4f45-9708-019B960494DF}">
-                <a14:hiddenLine xmlns="" xmlns:a16="http://schemas.microsoft.com/office/drawing/2014/main" xmlns:p14="http://schemas.microsoft.com/office/powerpoint/2010/main" xmlns:a14="http://schemas.microsoft.com/office/drawing/2010/main" w="9525">
+                <a14:hiddenLine xmlns:a14="http://schemas.microsoft.com/office/drawing/2010/main" xmlns:p14="http://schemas.microsoft.com/office/powerpoint/2010/main" xmlns:a16="http://schemas.microsoft.com/office/drawing/2014/main" xmlns="" w="9525">
                   <a:solidFill>
                     <a:srgbClr val="000000"/>
                   </a:solidFill>
@@ -13941,7 +14636,7 @@
             </a:ln>
             <a:extLst>
               <a:ext uri="{91240B29-F687-4f45-9708-019B960494DF}">
-                <a14:hiddenLine xmlns="" xmlns:a16="http://schemas.microsoft.com/office/drawing/2014/main" xmlns:p14="http://schemas.microsoft.com/office/powerpoint/2010/main" xmlns:a14="http://schemas.microsoft.com/office/drawing/2010/main" w="9525">
+                <a14:hiddenLine xmlns:a14="http://schemas.microsoft.com/office/drawing/2010/main" xmlns:p14="http://schemas.microsoft.com/office/powerpoint/2010/main" xmlns:a16="http://schemas.microsoft.com/office/drawing/2014/main" xmlns="" w="9525">
                   <a:solidFill>
                     <a:srgbClr val="000000"/>
                   </a:solidFill>
@@ -14018,7 +14713,7 @@
             </a:ln>
             <a:extLst>
               <a:ext uri="{91240B29-F687-4f45-9708-019B960494DF}">
-                <a14:hiddenLine xmlns="" xmlns:a16="http://schemas.microsoft.com/office/drawing/2014/main" xmlns:p14="http://schemas.microsoft.com/office/powerpoint/2010/main" xmlns:a14="http://schemas.microsoft.com/office/drawing/2010/main" w="9525">
+                <a14:hiddenLine xmlns:a14="http://schemas.microsoft.com/office/drawing/2010/main" xmlns:p14="http://schemas.microsoft.com/office/powerpoint/2010/main" xmlns:a16="http://schemas.microsoft.com/office/drawing/2014/main" xmlns="" w="9525">
                   <a:solidFill>
                     <a:srgbClr val="000000"/>
                   </a:solidFill>
@@ -14123,7 +14818,7 @@
             </a:ln>
             <a:extLst>
               <a:ext uri="{91240B29-F687-4f45-9708-019B960494DF}">
-                <a14:hiddenLine xmlns="" xmlns:a16="http://schemas.microsoft.com/office/drawing/2014/main" xmlns:p14="http://schemas.microsoft.com/office/powerpoint/2010/main" xmlns:a14="http://schemas.microsoft.com/office/drawing/2010/main" w="9525">
+                <a14:hiddenLine xmlns:a14="http://schemas.microsoft.com/office/drawing/2010/main" xmlns:p14="http://schemas.microsoft.com/office/powerpoint/2010/main" xmlns:a16="http://schemas.microsoft.com/office/drawing/2014/main" xmlns="" w="9525">
                   <a:solidFill>
                     <a:srgbClr val="000000"/>
                   </a:solidFill>
@@ -14200,7 +14895,7 @@
             </a:ln>
             <a:extLst>
               <a:ext uri="{91240B29-F687-4f45-9708-019B960494DF}">
-                <a14:hiddenLine xmlns="" xmlns:a16="http://schemas.microsoft.com/office/drawing/2014/main" xmlns:p14="http://schemas.microsoft.com/office/powerpoint/2010/main" xmlns:a14="http://schemas.microsoft.com/office/drawing/2010/main" w="9525">
+                <a14:hiddenLine xmlns:a14="http://schemas.microsoft.com/office/drawing/2010/main" xmlns:p14="http://schemas.microsoft.com/office/powerpoint/2010/main" xmlns:a16="http://schemas.microsoft.com/office/drawing/2014/main" xmlns="" w="9525">
                   <a:solidFill>
                     <a:srgbClr val="000000"/>
                   </a:solidFill>
@@ -14277,7 +14972,7 @@
             </a:ln>
             <a:extLst>
               <a:ext uri="{91240B29-F687-4f45-9708-019B960494DF}">
-                <a14:hiddenLine xmlns="" xmlns:a16="http://schemas.microsoft.com/office/drawing/2014/main" xmlns:p14="http://schemas.microsoft.com/office/powerpoint/2010/main" xmlns:a14="http://schemas.microsoft.com/office/drawing/2010/main" w="9525">
+                <a14:hiddenLine xmlns:a14="http://schemas.microsoft.com/office/drawing/2010/main" xmlns:p14="http://schemas.microsoft.com/office/powerpoint/2010/main" xmlns:a16="http://schemas.microsoft.com/office/drawing/2014/main" xmlns="" w="9525">
                   <a:solidFill>
                     <a:srgbClr val="000000"/>
                   </a:solidFill>
@@ -14382,7 +15077,7 @@
             </a:ln>
             <a:extLst>
               <a:ext uri="{91240B29-F687-4f45-9708-019B960494DF}">
-                <a14:hiddenLine xmlns="" xmlns:a16="http://schemas.microsoft.com/office/drawing/2014/main" xmlns:p14="http://schemas.microsoft.com/office/powerpoint/2010/main" xmlns:a14="http://schemas.microsoft.com/office/drawing/2010/main" w="9525">
+                <a14:hiddenLine xmlns:a14="http://schemas.microsoft.com/office/drawing/2010/main" xmlns:p14="http://schemas.microsoft.com/office/powerpoint/2010/main" xmlns:a16="http://schemas.microsoft.com/office/drawing/2014/main" xmlns="" w="9525">
                   <a:solidFill>
                     <a:srgbClr val="000000"/>
                   </a:solidFill>
@@ -14487,7 +15182,7 @@
             </a:ln>
             <a:extLst>
               <a:ext uri="{91240B29-F687-4f45-9708-019B960494DF}">
-                <a14:hiddenLine xmlns="" xmlns:a16="http://schemas.microsoft.com/office/drawing/2014/main" xmlns:p14="http://schemas.microsoft.com/office/powerpoint/2010/main" xmlns:a14="http://schemas.microsoft.com/office/drawing/2010/main" w="9525">
+                <a14:hiddenLine xmlns:a14="http://schemas.microsoft.com/office/drawing/2010/main" xmlns:p14="http://schemas.microsoft.com/office/powerpoint/2010/main" xmlns:a16="http://schemas.microsoft.com/office/drawing/2014/main" xmlns="" w="9525">
                   <a:solidFill>
                     <a:srgbClr val="000000"/>
                   </a:solidFill>
@@ -14564,7 +15259,7 @@
             </a:ln>
             <a:extLst>
               <a:ext uri="{91240B29-F687-4f45-9708-019B960494DF}">
-                <a14:hiddenLine xmlns="" xmlns:a16="http://schemas.microsoft.com/office/drawing/2014/main" xmlns:p14="http://schemas.microsoft.com/office/powerpoint/2010/main" xmlns:a14="http://schemas.microsoft.com/office/drawing/2010/main" w="9525">
+                <a14:hiddenLine xmlns:a14="http://schemas.microsoft.com/office/drawing/2010/main" xmlns:p14="http://schemas.microsoft.com/office/powerpoint/2010/main" xmlns:a16="http://schemas.microsoft.com/office/drawing/2014/main" xmlns="" w="9525">
                   <a:solidFill>
                     <a:srgbClr val="000000"/>
                   </a:solidFill>
@@ -14689,7 +15384,7 @@
             </a:ln>
             <a:extLst>
               <a:ext uri="{91240B29-F687-4f45-9708-019B960494DF}">
-                <a14:hiddenLine xmlns="" xmlns:a16="http://schemas.microsoft.com/office/drawing/2014/main" xmlns:p14="http://schemas.microsoft.com/office/powerpoint/2010/main" xmlns:a14="http://schemas.microsoft.com/office/drawing/2010/main" w="9525">
+                <a14:hiddenLine xmlns:a14="http://schemas.microsoft.com/office/drawing/2010/main" xmlns:p14="http://schemas.microsoft.com/office/powerpoint/2010/main" xmlns:a16="http://schemas.microsoft.com/office/drawing/2014/main" xmlns="" w="9525">
                   <a:solidFill>
                     <a:srgbClr val="000000"/>
                   </a:solidFill>
@@ -14803,7 +15498,7 @@
             </a:ln>
             <a:extLst>
               <a:ext uri="{91240B29-F687-4f45-9708-019B960494DF}">
-                <a14:hiddenLine xmlns="" xmlns:a16="http://schemas.microsoft.com/office/drawing/2014/main" xmlns:p14="http://schemas.microsoft.com/office/powerpoint/2010/main" xmlns:a14="http://schemas.microsoft.com/office/drawing/2010/main" w="9525">
+                <a14:hiddenLine xmlns:a14="http://schemas.microsoft.com/office/drawing/2010/main" xmlns:p14="http://schemas.microsoft.com/office/powerpoint/2010/main" xmlns:a16="http://schemas.microsoft.com/office/drawing/2014/main" xmlns="" w="9525">
                   <a:solidFill>
                     <a:srgbClr val="000000"/>
                   </a:solidFill>
@@ -14880,7 +15575,7 @@
             </a:ln>
             <a:extLst>
               <a:ext uri="{91240B29-F687-4f45-9708-019B960494DF}">
-                <a14:hiddenLine xmlns="" xmlns:a16="http://schemas.microsoft.com/office/drawing/2014/main" xmlns:p14="http://schemas.microsoft.com/office/powerpoint/2010/main" xmlns:a14="http://schemas.microsoft.com/office/drawing/2010/main" w="9525">
+                <a14:hiddenLine xmlns:a14="http://schemas.microsoft.com/office/drawing/2010/main" xmlns:p14="http://schemas.microsoft.com/office/powerpoint/2010/main" xmlns:a16="http://schemas.microsoft.com/office/drawing/2014/main" xmlns="" w="9525">
                   <a:solidFill>
                     <a:srgbClr val="000000"/>
                   </a:solidFill>
@@ -14957,7 +15652,7 @@
             </a:ln>
             <a:extLst>
               <a:ext uri="{91240B29-F687-4f45-9708-019B960494DF}">
-                <a14:hiddenLine xmlns="" xmlns:a16="http://schemas.microsoft.com/office/drawing/2014/main" xmlns:p14="http://schemas.microsoft.com/office/powerpoint/2010/main" xmlns:a14="http://schemas.microsoft.com/office/drawing/2010/main" w="9525">
+                <a14:hiddenLine xmlns:a14="http://schemas.microsoft.com/office/drawing/2010/main" xmlns:p14="http://schemas.microsoft.com/office/powerpoint/2010/main" xmlns:a16="http://schemas.microsoft.com/office/drawing/2014/main" xmlns="" w="9525">
                   <a:solidFill>
                     <a:srgbClr val="000000"/>
                   </a:solidFill>
@@ -15062,7 +15757,7 @@
             </a:ln>
             <a:extLst>
               <a:ext uri="{91240B29-F687-4f45-9708-019B960494DF}">
-                <a14:hiddenLine xmlns="" xmlns:a16="http://schemas.microsoft.com/office/drawing/2014/main" xmlns:p14="http://schemas.microsoft.com/office/powerpoint/2010/main" xmlns:a14="http://schemas.microsoft.com/office/drawing/2010/main" w="9525">
+                <a14:hiddenLine xmlns:a14="http://schemas.microsoft.com/office/drawing/2010/main" xmlns:p14="http://schemas.microsoft.com/office/powerpoint/2010/main" xmlns:a16="http://schemas.microsoft.com/office/drawing/2014/main" xmlns="" w="9525">
                   <a:solidFill>
                     <a:srgbClr val="000000"/>
                   </a:solidFill>
@@ -15111,7 +15806,7 @@
             </a:ln>
             <a:extLst>
               <a:ext uri="{91240B29-F687-4f45-9708-019B960494DF}">
-                <a14:hiddenLine xmlns="" xmlns:a16="http://schemas.microsoft.com/office/drawing/2014/main" xmlns:p14="http://schemas.microsoft.com/office/powerpoint/2010/main" xmlns:a14="http://schemas.microsoft.com/office/drawing/2010/main" w="9525">
+                <a14:hiddenLine xmlns:a14="http://schemas.microsoft.com/office/drawing/2010/main" xmlns:p14="http://schemas.microsoft.com/office/powerpoint/2010/main" xmlns:a16="http://schemas.microsoft.com/office/drawing/2014/main" xmlns="" w="9525">
                   <a:solidFill>
                     <a:srgbClr val="000000"/>
                   </a:solidFill>
@@ -15191,7 +15886,7 @@
             </a:ln>
             <a:extLst>
               <a:ext uri="{91240B29-F687-4f45-9708-019B960494DF}">
-                <a14:hiddenLine xmlns="" xmlns:a16="http://schemas.microsoft.com/office/drawing/2014/main" xmlns:p14="http://schemas.microsoft.com/office/powerpoint/2010/main" xmlns:a14="http://schemas.microsoft.com/office/drawing/2010/main" w="9525">
+                <a14:hiddenLine xmlns:a14="http://schemas.microsoft.com/office/drawing/2010/main" xmlns:p14="http://schemas.microsoft.com/office/powerpoint/2010/main" xmlns:a16="http://schemas.microsoft.com/office/drawing/2014/main" xmlns="" w="9525">
                   <a:solidFill>
                     <a:srgbClr val="000000"/>
                   </a:solidFill>
@@ -15296,7 +15991,7 @@
             </a:ln>
             <a:extLst>
               <a:ext uri="{91240B29-F687-4f45-9708-019B960494DF}">
-                <a14:hiddenLine xmlns="" xmlns:a16="http://schemas.microsoft.com/office/drawing/2014/main" xmlns:p14="http://schemas.microsoft.com/office/powerpoint/2010/main" xmlns:a14="http://schemas.microsoft.com/office/drawing/2010/main" w="9525">
+                <a14:hiddenLine xmlns:a14="http://schemas.microsoft.com/office/drawing/2010/main" xmlns:p14="http://schemas.microsoft.com/office/powerpoint/2010/main" xmlns:a16="http://schemas.microsoft.com/office/drawing/2014/main" xmlns="" w="9525">
                   <a:solidFill>
                     <a:srgbClr val="000000"/>
                   </a:solidFill>
@@ -15373,7 +16068,7 @@
             </a:ln>
             <a:extLst>
               <a:ext uri="{91240B29-F687-4f45-9708-019B960494DF}">
-                <a14:hiddenLine xmlns="" xmlns:a16="http://schemas.microsoft.com/office/drawing/2014/main" xmlns:p14="http://schemas.microsoft.com/office/powerpoint/2010/main" xmlns:a14="http://schemas.microsoft.com/office/drawing/2010/main" w="9525">
+                <a14:hiddenLine xmlns:a14="http://schemas.microsoft.com/office/drawing/2010/main" xmlns:p14="http://schemas.microsoft.com/office/powerpoint/2010/main" xmlns:a16="http://schemas.microsoft.com/office/drawing/2014/main" xmlns="" w="9525">
                   <a:solidFill>
                     <a:srgbClr val="000000"/>
                   </a:solidFill>
@@ -15478,7 +16173,7 @@
             </a:ln>
             <a:extLst>
               <a:ext uri="{91240B29-F687-4f45-9708-019B960494DF}">
-                <a14:hiddenLine xmlns="" xmlns:a16="http://schemas.microsoft.com/office/drawing/2014/main" xmlns:p14="http://schemas.microsoft.com/office/powerpoint/2010/main" xmlns:a14="http://schemas.microsoft.com/office/drawing/2010/main" w="9525">
+                <a14:hiddenLine xmlns:a14="http://schemas.microsoft.com/office/drawing/2010/main" xmlns:p14="http://schemas.microsoft.com/office/powerpoint/2010/main" xmlns:a16="http://schemas.microsoft.com/office/drawing/2014/main" xmlns="" w="9525">
                   <a:solidFill>
                     <a:srgbClr val="000000"/>
                   </a:solidFill>
@@ -15558,7 +16253,7 @@
             </a:ln>
             <a:extLst>
               <a:ext uri="{91240B29-F687-4f45-9708-019B960494DF}">
-                <a14:hiddenLine xmlns="" xmlns:a16="http://schemas.microsoft.com/office/drawing/2014/main" xmlns:p14="http://schemas.microsoft.com/office/powerpoint/2010/main" xmlns:a14="http://schemas.microsoft.com/office/drawing/2010/main" w="9525">
+                <a14:hiddenLine xmlns:a14="http://schemas.microsoft.com/office/drawing/2010/main" xmlns:p14="http://schemas.microsoft.com/office/powerpoint/2010/main" xmlns:a16="http://schemas.microsoft.com/office/drawing/2014/main" xmlns="" w="9525">
                   <a:solidFill>
                     <a:srgbClr val="000000"/>
                   </a:solidFill>
@@ -15635,7 +16330,7 @@
             </a:ln>
             <a:extLst>
               <a:ext uri="{91240B29-F687-4f45-9708-019B960494DF}">
-                <a14:hiddenLine xmlns="" xmlns:a16="http://schemas.microsoft.com/office/drawing/2014/main" xmlns:p14="http://schemas.microsoft.com/office/powerpoint/2010/main" xmlns:a14="http://schemas.microsoft.com/office/drawing/2010/main" w="9525">
+                <a14:hiddenLine xmlns:a14="http://schemas.microsoft.com/office/drawing/2010/main" xmlns:p14="http://schemas.microsoft.com/office/powerpoint/2010/main" xmlns:a16="http://schemas.microsoft.com/office/drawing/2014/main" xmlns="" w="9525">
                   <a:solidFill>
                     <a:srgbClr val="000000"/>
                   </a:solidFill>
@@ -15740,7 +16435,7 @@
             </a:ln>
             <a:extLst>
               <a:ext uri="{91240B29-F687-4f45-9708-019B960494DF}">
-                <a14:hiddenLine xmlns="" xmlns:a16="http://schemas.microsoft.com/office/drawing/2014/main" xmlns:p14="http://schemas.microsoft.com/office/powerpoint/2010/main" xmlns:a14="http://schemas.microsoft.com/office/drawing/2010/main" w="9525">
+                <a14:hiddenLine xmlns:a14="http://schemas.microsoft.com/office/drawing/2010/main" xmlns:p14="http://schemas.microsoft.com/office/powerpoint/2010/main" xmlns:a16="http://schemas.microsoft.com/office/drawing/2014/main" xmlns="" w="9525">
                   <a:solidFill>
                     <a:srgbClr val="000000"/>
                   </a:solidFill>
@@ -15845,7 +16540,7 @@
             </a:ln>
             <a:extLst>
               <a:ext uri="{91240B29-F687-4f45-9708-019B960494DF}">
-                <a14:hiddenLine xmlns="" xmlns:a16="http://schemas.microsoft.com/office/drawing/2014/main" xmlns:p14="http://schemas.microsoft.com/office/powerpoint/2010/main" xmlns:a14="http://schemas.microsoft.com/office/drawing/2010/main" w="9525">
+                <a14:hiddenLine xmlns:a14="http://schemas.microsoft.com/office/drawing/2010/main" xmlns:p14="http://schemas.microsoft.com/office/powerpoint/2010/main" xmlns:a16="http://schemas.microsoft.com/office/drawing/2014/main" xmlns="" w="9525">
                   <a:solidFill>
                     <a:srgbClr val="000000"/>
                   </a:solidFill>
@@ -15925,7 +16620,7 @@
             </a:ln>
             <a:extLst>
               <a:ext uri="{91240B29-F687-4f45-9708-019B960494DF}">
-                <a14:hiddenLine xmlns="" xmlns:a16="http://schemas.microsoft.com/office/drawing/2014/main" xmlns:p14="http://schemas.microsoft.com/office/powerpoint/2010/main" xmlns:a14="http://schemas.microsoft.com/office/drawing/2010/main" w="9525">
+                <a14:hiddenLine xmlns:a14="http://schemas.microsoft.com/office/drawing/2010/main" xmlns:p14="http://schemas.microsoft.com/office/powerpoint/2010/main" xmlns:a16="http://schemas.microsoft.com/office/drawing/2014/main" xmlns="" w="9525">
                   <a:solidFill>
                     <a:srgbClr val="000000"/>
                   </a:solidFill>
@@ -16060,7 +16755,7 @@
             </a:ln>
             <a:extLst>
               <a:ext uri="{91240B29-F687-4f45-9708-019B960494DF}">
-                <a14:hiddenLine xmlns="" xmlns:a16="http://schemas.microsoft.com/office/drawing/2014/main" xmlns:p14="http://schemas.microsoft.com/office/powerpoint/2010/main" xmlns:a14="http://schemas.microsoft.com/office/drawing/2010/main" w="9525">
+                <a14:hiddenLine xmlns:a14="http://schemas.microsoft.com/office/drawing/2010/main" xmlns:p14="http://schemas.microsoft.com/office/powerpoint/2010/main" xmlns:a16="http://schemas.microsoft.com/office/drawing/2014/main" xmlns="" w="9525">
                   <a:solidFill>
                     <a:srgbClr val="000000"/>
                   </a:solidFill>
@@ -16438,7 +17133,7 @@
             </a:ln>
             <a:extLst>
               <a:ext uri="{91240B29-F687-4f45-9708-019B960494DF}">
-                <a14:hiddenLine xmlns="" xmlns:a16="http://schemas.microsoft.com/office/drawing/2014/main" xmlns:p14="http://schemas.microsoft.com/office/powerpoint/2010/main" xmlns:a14="http://schemas.microsoft.com/office/drawing/2010/main" w="9525">
+                <a14:hiddenLine xmlns:a14="http://schemas.microsoft.com/office/drawing/2010/main" xmlns:p14="http://schemas.microsoft.com/office/powerpoint/2010/main" xmlns:a16="http://schemas.microsoft.com/office/drawing/2014/main" xmlns="" w="9525">
                   <a:solidFill>
                     <a:srgbClr val="000000"/>
                   </a:solidFill>
@@ -16543,7 +17238,7 @@
             </a:ln>
             <a:extLst>
               <a:ext uri="{91240B29-F687-4f45-9708-019B960494DF}">
-                <a14:hiddenLine xmlns="" xmlns:a16="http://schemas.microsoft.com/office/drawing/2014/main" xmlns:p14="http://schemas.microsoft.com/office/powerpoint/2010/main" xmlns:a14="http://schemas.microsoft.com/office/drawing/2010/main" w="9525">
+                <a14:hiddenLine xmlns:a14="http://schemas.microsoft.com/office/drawing/2010/main" xmlns:p14="http://schemas.microsoft.com/office/powerpoint/2010/main" xmlns:a16="http://schemas.microsoft.com/office/drawing/2014/main" xmlns="" w="9525">
                   <a:solidFill>
                     <a:srgbClr val="000000"/>
                   </a:solidFill>
@@ -16648,7 +17343,7 @@
             </a:ln>
             <a:extLst>
               <a:ext uri="{91240B29-F687-4f45-9708-019B960494DF}">
-                <a14:hiddenLine xmlns="" xmlns:a16="http://schemas.microsoft.com/office/drawing/2014/main" xmlns:p14="http://schemas.microsoft.com/office/powerpoint/2010/main" xmlns:a14="http://schemas.microsoft.com/office/drawing/2010/main" w="9525">
+                <a14:hiddenLine xmlns:a14="http://schemas.microsoft.com/office/drawing/2010/main" xmlns:p14="http://schemas.microsoft.com/office/powerpoint/2010/main" xmlns:a16="http://schemas.microsoft.com/office/drawing/2014/main" xmlns="" w="9525">
                   <a:solidFill>
                     <a:srgbClr val="000000"/>
                   </a:solidFill>
@@ -16725,7 +17420,7 @@
             </a:ln>
             <a:extLst>
               <a:ext uri="{91240B29-F687-4f45-9708-019B960494DF}">
-                <a14:hiddenLine xmlns="" xmlns:a16="http://schemas.microsoft.com/office/drawing/2014/main" xmlns:p14="http://schemas.microsoft.com/office/powerpoint/2010/main" xmlns:a14="http://schemas.microsoft.com/office/drawing/2010/main" w="9525">
+                <a14:hiddenLine xmlns:a14="http://schemas.microsoft.com/office/drawing/2010/main" xmlns:p14="http://schemas.microsoft.com/office/powerpoint/2010/main" xmlns:a16="http://schemas.microsoft.com/office/drawing/2014/main" xmlns="" w="9525">
                   <a:solidFill>
                     <a:srgbClr val="000000"/>
                   </a:solidFill>
@@ -16830,7 +17525,7 @@
             </a:ln>
             <a:extLst>
               <a:ext uri="{91240B29-F687-4f45-9708-019B960494DF}">
-                <a14:hiddenLine xmlns="" xmlns:a16="http://schemas.microsoft.com/office/drawing/2014/main" xmlns:p14="http://schemas.microsoft.com/office/powerpoint/2010/main" xmlns:a14="http://schemas.microsoft.com/office/drawing/2010/main" w="9525">
+                <a14:hiddenLine xmlns:a14="http://schemas.microsoft.com/office/drawing/2010/main" xmlns:p14="http://schemas.microsoft.com/office/powerpoint/2010/main" xmlns:a16="http://schemas.microsoft.com/office/drawing/2014/main" xmlns="" w="9525">
                   <a:solidFill>
                     <a:srgbClr val="000000"/>
                   </a:solidFill>
@@ -16907,7 +17602,7 @@
             </a:ln>
             <a:extLst>
               <a:ext uri="{91240B29-F687-4f45-9708-019B960494DF}">
-                <a14:hiddenLine xmlns="" xmlns:a16="http://schemas.microsoft.com/office/drawing/2014/main" xmlns:p14="http://schemas.microsoft.com/office/powerpoint/2010/main" xmlns:a14="http://schemas.microsoft.com/office/drawing/2010/main" w="9525">
+                <a14:hiddenLine xmlns:a14="http://schemas.microsoft.com/office/drawing/2010/main" xmlns:p14="http://schemas.microsoft.com/office/powerpoint/2010/main" xmlns:a16="http://schemas.microsoft.com/office/drawing/2014/main" xmlns="" w="9525">
                   <a:solidFill>
                     <a:srgbClr val="000000"/>
                   </a:solidFill>
@@ -16984,7 +17679,7 @@
             </a:ln>
             <a:extLst>
               <a:ext uri="{91240B29-F687-4f45-9708-019B960494DF}">
-                <a14:hiddenLine xmlns="" xmlns:a16="http://schemas.microsoft.com/office/drawing/2014/main" xmlns:p14="http://schemas.microsoft.com/office/powerpoint/2010/main" xmlns:a14="http://schemas.microsoft.com/office/drawing/2010/main" w="9525">
+                <a14:hiddenLine xmlns:a14="http://schemas.microsoft.com/office/drawing/2010/main" xmlns:p14="http://schemas.microsoft.com/office/powerpoint/2010/main" xmlns:a16="http://schemas.microsoft.com/office/drawing/2014/main" xmlns="" w="9525">
                   <a:solidFill>
                     <a:srgbClr val="000000"/>
                   </a:solidFill>
@@ -17089,7 +17784,7 @@
             </a:ln>
             <a:extLst>
               <a:ext uri="{91240B29-F687-4f45-9708-019B960494DF}">
-                <a14:hiddenLine xmlns="" xmlns:a16="http://schemas.microsoft.com/office/drawing/2014/main" xmlns:p14="http://schemas.microsoft.com/office/powerpoint/2010/main" xmlns:a14="http://schemas.microsoft.com/office/drawing/2010/main" w="9525">
+                <a14:hiddenLine xmlns:a14="http://schemas.microsoft.com/office/drawing/2010/main" xmlns:p14="http://schemas.microsoft.com/office/powerpoint/2010/main" xmlns:a16="http://schemas.microsoft.com/office/drawing/2014/main" xmlns="" w="9525">
                   <a:solidFill>
                     <a:srgbClr val="000000"/>
                   </a:solidFill>
@@ -17194,7 +17889,7 @@
             </a:ln>
             <a:extLst>
               <a:ext uri="{91240B29-F687-4f45-9708-019B960494DF}">
-                <a14:hiddenLine xmlns="" xmlns:a16="http://schemas.microsoft.com/office/drawing/2014/main" xmlns:p14="http://schemas.microsoft.com/office/powerpoint/2010/main" xmlns:a14="http://schemas.microsoft.com/office/drawing/2010/main" w="9525">
+                <a14:hiddenLine xmlns:a14="http://schemas.microsoft.com/office/drawing/2010/main" xmlns:p14="http://schemas.microsoft.com/office/powerpoint/2010/main" xmlns:a16="http://schemas.microsoft.com/office/drawing/2014/main" xmlns="" w="9525">
                   <a:solidFill>
                     <a:srgbClr val="000000"/>
                   </a:solidFill>
@@ -17271,7 +17966,7 @@
             </a:ln>
             <a:extLst>
               <a:ext uri="{91240B29-F687-4f45-9708-019B960494DF}">
-                <a14:hiddenLine xmlns="" xmlns:a16="http://schemas.microsoft.com/office/drawing/2014/main" xmlns:p14="http://schemas.microsoft.com/office/powerpoint/2010/main" xmlns:a14="http://schemas.microsoft.com/office/drawing/2010/main" w="9525">
+                <a14:hiddenLine xmlns:a14="http://schemas.microsoft.com/office/drawing/2010/main" xmlns:p14="http://schemas.microsoft.com/office/powerpoint/2010/main" xmlns:a16="http://schemas.microsoft.com/office/drawing/2014/main" xmlns="" w="9525">
                   <a:solidFill>
                     <a:srgbClr val="000000"/>
                   </a:solidFill>
@@ -17396,7 +18091,7 @@
             </a:ln>
             <a:extLst>
               <a:ext uri="{91240B29-F687-4f45-9708-019B960494DF}">
-                <a14:hiddenLine xmlns="" xmlns:a16="http://schemas.microsoft.com/office/drawing/2014/main" xmlns:p14="http://schemas.microsoft.com/office/powerpoint/2010/main" xmlns:a14="http://schemas.microsoft.com/office/drawing/2010/main" w="9525">
+                <a14:hiddenLine xmlns:a14="http://schemas.microsoft.com/office/drawing/2010/main" xmlns:p14="http://schemas.microsoft.com/office/powerpoint/2010/main" xmlns:a16="http://schemas.microsoft.com/office/drawing/2014/main" xmlns="" w="9525">
                   <a:solidFill>
                     <a:srgbClr val="000000"/>
                   </a:solidFill>
@@ -17510,7 +18205,7 @@
             </a:ln>
             <a:extLst>
               <a:ext uri="{91240B29-F687-4f45-9708-019B960494DF}">
-                <a14:hiddenLine xmlns="" xmlns:a16="http://schemas.microsoft.com/office/drawing/2014/main" xmlns:p14="http://schemas.microsoft.com/office/powerpoint/2010/main" xmlns:a14="http://schemas.microsoft.com/office/drawing/2010/main" w="9525">
+                <a14:hiddenLine xmlns:a14="http://schemas.microsoft.com/office/drawing/2010/main" xmlns:p14="http://schemas.microsoft.com/office/powerpoint/2010/main" xmlns:a16="http://schemas.microsoft.com/office/drawing/2014/main" xmlns="" w="9525">
                   <a:solidFill>
                     <a:srgbClr val="000000"/>
                   </a:solidFill>
@@ -17587,7 +18282,7 @@
             </a:ln>
             <a:extLst>
               <a:ext uri="{91240B29-F687-4f45-9708-019B960494DF}">
-                <a14:hiddenLine xmlns="" xmlns:a16="http://schemas.microsoft.com/office/drawing/2014/main" xmlns:p14="http://schemas.microsoft.com/office/powerpoint/2010/main" xmlns:a14="http://schemas.microsoft.com/office/drawing/2010/main" w="9525">
+                <a14:hiddenLine xmlns:a14="http://schemas.microsoft.com/office/drawing/2010/main" xmlns:p14="http://schemas.microsoft.com/office/powerpoint/2010/main" xmlns:a16="http://schemas.microsoft.com/office/drawing/2014/main" xmlns="" w="9525">
                   <a:solidFill>
                     <a:srgbClr val="000000"/>
                   </a:solidFill>
@@ -17664,7 +18359,7 @@
             </a:ln>
             <a:extLst>
               <a:ext uri="{91240B29-F687-4f45-9708-019B960494DF}">
-                <a14:hiddenLine xmlns="" xmlns:a16="http://schemas.microsoft.com/office/drawing/2014/main" xmlns:p14="http://schemas.microsoft.com/office/powerpoint/2010/main" xmlns:a14="http://schemas.microsoft.com/office/drawing/2010/main" w="9525">
+                <a14:hiddenLine xmlns:a14="http://schemas.microsoft.com/office/drawing/2010/main" xmlns:p14="http://schemas.microsoft.com/office/powerpoint/2010/main" xmlns:a16="http://schemas.microsoft.com/office/drawing/2014/main" xmlns="" w="9525">
                   <a:solidFill>
                     <a:srgbClr val="000000"/>
                   </a:solidFill>
@@ -17769,7 +18464,7 @@
             </a:ln>
             <a:extLst>
               <a:ext uri="{91240B29-F687-4f45-9708-019B960494DF}">
-                <a14:hiddenLine xmlns="" xmlns:a16="http://schemas.microsoft.com/office/drawing/2014/main" xmlns:p14="http://schemas.microsoft.com/office/powerpoint/2010/main" xmlns:a14="http://schemas.microsoft.com/office/drawing/2010/main" w="9525">
+                <a14:hiddenLine xmlns:a14="http://schemas.microsoft.com/office/drawing/2010/main" xmlns:p14="http://schemas.microsoft.com/office/powerpoint/2010/main" xmlns:a16="http://schemas.microsoft.com/office/drawing/2014/main" xmlns="" w="9525">
                   <a:solidFill>
                     <a:srgbClr val="000000"/>
                   </a:solidFill>
@@ -17818,7 +18513,7 @@
             </a:ln>
             <a:extLst>
               <a:ext uri="{91240B29-F687-4f45-9708-019B960494DF}">
-                <a14:hiddenLine xmlns="" xmlns:a16="http://schemas.microsoft.com/office/drawing/2014/main" xmlns:p14="http://schemas.microsoft.com/office/powerpoint/2010/main" xmlns:a14="http://schemas.microsoft.com/office/drawing/2010/main" w="9525">
+                <a14:hiddenLine xmlns:a14="http://schemas.microsoft.com/office/drawing/2010/main" xmlns:p14="http://schemas.microsoft.com/office/powerpoint/2010/main" xmlns:a16="http://schemas.microsoft.com/office/drawing/2014/main" xmlns="" w="9525">
                   <a:solidFill>
                     <a:srgbClr val="000000"/>
                   </a:solidFill>
@@ -17898,7 +18593,7 @@
             </a:ln>
             <a:extLst>
               <a:ext uri="{91240B29-F687-4f45-9708-019B960494DF}">
-                <a14:hiddenLine xmlns="" xmlns:a16="http://schemas.microsoft.com/office/drawing/2014/main" xmlns:p14="http://schemas.microsoft.com/office/powerpoint/2010/main" xmlns:a14="http://schemas.microsoft.com/office/drawing/2010/main" w="9525">
+                <a14:hiddenLine xmlns:a14="http://schemas.microsoft.com/office/drawing/2010/main" xmlns:p14="http://schemas.microsoft.com/office/powerpoint/2010/main" xmlns:a16="http://schemas.microsoft.com/office/drawing/2014/main" xmlns="" w="9525">
                   <a:solidFill>
                     <a:srgbClr val="000000"/>
                   </a:solidFill>
@@ -18003,7 +18698,7 @@
             </a:ln>
             <a:extLst>
               <a:ext uri="{91240B29-F687-4f45-9708-019B960494DF}">
-                <a14:hiddenLine xmlns="" xmlns:a16="http://schemas.microsoft.com/office/drawing/2014/main" xmlns:p14="http://schemas.microsoft.com/office/powerpoint/2010/main" xmlns:a14="http://schemas.microsoft.com/office/drawing/2010/main" w="9525">
+                <a14:hiddenLine xmlns:a14="http://schemas.microsoft.com/office/drawing/2010/main" xmlns:p14="http://schemas.microsoft.com/office/powerpoint/2010/main" xmlns:a16="http://schemas.microsoft.com/office/drawing/2014/main" xmlns="" w="9525">
                   <a:solidFill>
                     <a:srgbClr val="000000"/>
                   </a:solidFill>
@@ -18080,7 +18775,7 @@
             </a:ln>
             <a:extLst>
               <a:ext uri="{91240B29-F687-4f45-9708-019B960494DF}">
-                <a14:hiddenLine xmlns="" xmlns:a16="http://schemas.microsoft.com/office/drawing/2014/main" xmlns:p14="http://schemas.microsoft.com/office/powerpoint/2010/main" xmlns:a14="http://schemas.microsoft.com/office/drawing/2010/main" w="9525">
+                <a14:hiddenLine xmlns:a14="http://schemas.microsoft.com/office/drawing/2010/main" xmlns:p14="http://schemas.microsoft.com/office/powerpoint/2010/main" xmlns:a16="http://schemas.microsoft.com/office/drawing/2014/main" xmlns="" w="9525">
                   <a:solidFill>
                     <a:srgbClr val="000000"/>
                   </a:solidFill>
@@ -18185,7 +18880,7 @@
             </a:ln>
             <a:extLst>
               <a:ext uri="{91240B29-F687-4f45-9708-019B960494DF}">
-                <a14:hiddenLine xmlns="" xmlns:a16="http://schemas.microsoft.com/office/drawing/2014/main" xmlns:p14="http://schemas.microsoft.com/office/powerpoint/2010/main" xmlns:a14="http://schemas.microsoft.com/office/drawing/2010/main" w="9525">
+                <a14:hiddenLine xmlns:a14="http://schemas.microsoft.com/office/drawing/2010/main" xmlns:p14="http://schemas.microsoft.com/office/powerpoint/2010/main" xmlns:a16="http://schemas.microsoft.com/office/drawing/2014/main" xmlns="" w="9525">
                   <a:solidFill>
                     <a:srgbClr val="000000"/>
                   </a:solidFill>
@@ -18265,7 +18960,7 @@
             </a:ln>
             <a:extLst>
               <a:ext uri="{91240B29-F687-4f45-9708-019B960494DF}">
-                <a14:hiddenLine xmlns="" xmlns:a16="http://schemas.microsoft.com/office/drawing/2014/main" xmlns:p14="http://schemas.microsoft.com/office/powerpoint/2010/main" xmlns:a14="http://schemas.microsoft.com/office/drawing/2010/main" w="9525">
+                <a14:hiddenLine xmlns:a14="http://schemas.microsoft.com/office/drawing/2010/main" xmlns:p14="http://schemas.microsoft.com/office/powerpoint/2010/main" xmlns:a16="http://schemas.microsoft.com/office/drawing/2014/main" xmlns="" w="9525">
                   <a:solidFill>
                     <a:srgbClr val="000000"/>
                   </a:solidFill>
@@ -18342,7 +19037,7 @@
             </a:ln>
             <a:extLst>
               <a:ext uri="{91240B29-F687-4f45-9708-019B960494DF}">
-                <a14:hiddenLine xmlns="" xmlns:a16="http://schemas.microsoft.com/office/drawing/2014/main" xmlns:p14="http://schemas.microsoft.com/office/powerpoint/2010/main" xmlns:a14="http://schemas.microsoft.com/office/drawing/2010/main" w="9525">
+                <a14:hiddenLine xmlns:a14="http://schemas.microsoft.com/office/drawing/2010/main" xmlns:p14="http://schemas.microsoft.com/office/powerpoint/2010/main" xmlns:a16="http://schemas.microsoft.com/office/drawing/2014/main" xmlns="" w="9525">
                   <a:solidFill>
                     <a:srgbClr val="000000"/>
                   </a:solidFill>
@@ -18447,7 +19142,7 @@
             </a:ln>
             <a:extLst>
               <a:ext uri="{91240B29-F687-4f45-9708-019B960494DF}">
-                <a14:hiddenLine xmlns="" xmlns:a16="http://schemas.microsoft.com/office/drawing/2014/main" xmlns:p14="http://schemas.microsoft.com/office/powerpoint/2010/main" xmlns:a14="http://schemas.microsoft.com/office/drawing/2010/main" w="9525">
+                <a14:hiddenLine xmlns:a14="http://schemas.microsoft.com/office/drawing/2010/main" xmlns:p14="http://schemas.microsoft.com/office/powerpoint/2010/main" xmlns:a16="http://schemas.microsoft.com/office/drawing/2014/main" xmlns="" w="9525">
                   <a:solidFill>
                     <a:srgbClr val="000000"/>
                   </a:solidFill>
@@ -18552,7 +19247,7 @@
             </a:ln>
             <a:extLst>
               <a:ext uri="{91240B29-F687-4f45-9708-019B960494DF}">
-                <a14:hiddenLine xmlns="" xmlns:a16="http://schemas.microsoft.com/office/drawing/2014/main" xmlns:p14="http://schemas.microsoft.com/office/powerpoint/2010/main" xmlns:a14="http://schemas.microsoft.com/office/drawing/2010/main" w="9525">
+                <a14:hiddenLine xmlns:a14="http://schemas.microsoft.com/office/drawing/2010/main" xmlns:p14="http://schemas.microsoft.com/office/powerpoint/2010/main" xmlns:a16="http://schemas.microsoft.com/office/drawing/2014/main" xmlns="" w="9525">
                   <a:solidFill>
                     <a:srgbClr val="000000"/>
                   </a:solidFill>
@@ -18632,7 +19327,7 @@
             </a:ln>
             <a:extLst>
               <a:ext uri="{91240B29-F687-4f45-9708-019B960494DF}">
-                <a14:hiddenLine xmlns="" xmlns:a16="http://schemas.microsoft.com/office/drawing/2014/main" xmlns:p14="http://schemas.microsoft.com/office/powerpoint/2010/main" xmlns:a14="http://schemas.microsoft.com/office/drawing/2010/main" w="9525">
+                <a14:hiddenLine xmlns:a14="http://schemas.microsoft.com/office/drawing/2010/main" xmlns:p14="http://schemas.microsoft.com/office/powerpoint/2010/main" xmlns:a16="http://schemas.microsoft.com/office/drawing/2014/main" xmlns="" w="9525">
                   <a:solidFill>
                     <a:srgbClr val="000000"/>
                   </a:solidFill>
@@ -18767,7 +19462,7 @@
             </a:ln>
             <a:extLst>
               <a:ext uri="{91240B29-F687-4f45-9708-019B960494DF}">
-                <a14:hiddenLine xmlns="" xmlns:a16="http://schemas.microsoft.com/office/drawing/2014/main" xmlns:p14="http://schemas.microsoft.com/office/powerpoint/2010/main" xmlns:a14="http://schemas.microsoft.com/office/drawing/2010/main" w="9525">
+                <a14:hiddenLine xmlns:a14="http://schemas.microsoft.com/office/drawing/2010/main" xmlns:p14="http://schemas.microsoft.com/office/powerpoint/2010/main" xmlns:a16="http://schemas.microsoft.com/office/drawing/2014/main" xmlns="" w="9525">
                   <a:solidFill>
                     <a:srgbClr val="000000"/>
                   </a:solidFill>
@@ -18780,8 +19475,8 @@
           </p:spPr>
         </p:sp>
       </p:grpSp>
-      <mc:AlternateContent xmlns:mc="http://schemas.openxmlformats.org/markup-compatibility/2006">
-        <mc:Choice xmlns:a14="http://schemas.microsoft.com/office/drawing/2010/main" Requires="a14">
+      <mc:AlternateContent xmlns:mc="http://schemas.openxmlformats.org/markup-compatibility/2006" xmlns:a14="http://schemas.microsoft.com/office/drawing/2010/main">
+        <mc:Choice Requires="a14">
           <p:sp>
             <p:nvSpPr>
               <p:cNvPr id="2" name="Title 1">
@@ -18847,7 +19542,7 @@
             </p:txBody>
           </p:sp>
         </mc:Choice>
-        <mc:Fallback>
+        <mc:Fallback xmlns="">
           <p:sp>
             <p:nvSpPr>
               <p:cNvPr id="2" name="Title 1">
@@ -18980,7 +19675,7 @@
             </p:spPr>
             <p:txBody>
               <a:bodyPr>
-                <a:normAutofit/>
+                <a:normAutofit lnSpcReduction="10000"/>
               </a:bodyPr>
               <a:lstStyle/>
               <a:p>
@@ -19042,7 +19737,7 @@
               </a:p>
               <a:p>
                 <a:r>
-                  <a:rPr lang="en-IL" sz="1400" dirty="0"/>
+                  <a:rPr lang="en-IL" sz="2000" dirty="0"/>
                   <a:t>*SAR- sensitive assosiation rule</a:t>
                 </a:r>
               </a:p>
@@ -19074,7 +19769,7 @@
               <a:blipFill>
                 <a:blip r:embed="rId3"/>
                 <a:stretch>
-                  <a:fillRect l="-2174" t="-1344" b="-269"/>
+                  <a:fillRect l="-2197" t="-2205"/>
                 </a:stretch>
               </a:blipFill>
             </p:spPr>
@@ -19083,7 +19778,7 @@
               <a:lstStyle/>
               <a:p>
                 <a:r>
-                  <a:rPr lang="en-IL">
+                  <a:rPr lang="LID4096">
                     <a:noFill/>
                   </a:rPr>
                   <a:t> </a:t>
@@ -19272,7 +19967,7 @@
             </a:ln>
             <a:extLst>
               <a:ext uri="{91240B29-F687-4f45-9708-019B960494DF}">
-                <a14:hiddenLine xmlns="" xmlns:a16="http://schemas.microsoft.com/office/drawing/2014/main" xmlns:p14="http://schemas.microsoft.com/office/powerpoint/2010/main" xmlns:a14="http://schemas.microsoft.com/office/drawing/2010/main" w="9525">
+                <a14:hiddenLine xmlns:a14="http://schemas.microsoft.com/office/drawing/2010/main" xmlns:p14="http://schemas.microsoft.com/office/powerpoint/2010/main" xmlns:a16="http://schemas.microsoft.com/office/drawing/2014/main" xmlns="" w="9525">
                   <a:solidFill>
                     <a:srgbClr val="000000"/>
                   </a:solidFill>
@@ -19377,7 +20072,7 @@
             </a:ln>
             <a:extLst>
               <a:ext uri="{91240B29-F687-4f45-9708-019B960494DF}">
-                <a14:hiddenLine xmlns="" xmlns:a16="http://schemas.microsoft.com/office/drawing/2014/main" xmlns:p14="http://schemas.microsoft.com/office/powerpoint/2010/main" xmlns:a14="http://schemas.microsoft.com/office/drawing/2010/main" w="9525">
+                <a14:hiddenLine xmlns:a14="http://schemas.microsoft.com/office/drawing/2010/main" xmlns:p14="http://schemas.microsoft.com/office/powerpoint/2010/main" xmlns:a16="http://schemas.microsoft.com/office/drawing/2014/main" xmlns="" w="9525">
                   <a:solidFill>
                     <a:srgbClr val="000000"/>
                   </a:solidFill>
@@ -19482,7 +20177,7 @@
             </a:ln>
             <a:extLst>
               <a:ext uri="{91240B29-F687-4f45-9708-019B960494DF}">
-                <a14:hiddenLine xmlns="" xmlns:a16="http://schemas.microsoft.com/office/drawing/2014/main" xmlns:p14="http://schemas.microsoft.com/office/powerpoint/2010/main" xmlns:a14="http://schemas.microsoft.com/office/drawing/2010/main" w="9525">
+                <a14:hiddenLine xmlns:a14="http://schemas.microsoft.com/office/drawing/2010/main" xmlns:p14="http://schemas.microsoft.com/office/powerpoint/2010/main" xmlns:a16="http://schemas.microsoft.com/office/drawing/2014/main" xmlns="" w="9525">
                   <a:solidFill>
                     <a:srgbClr val="000000"/>
                   </a:solidFill>
@@ -19559,7 +20254,7 @@
             </a:ln>
             <a:extLst>
               <a:ext uri="{91240B29-F687-4f45-9708-019B960494DF}">
-                <a14:hiddenLine xmlns="" xmlns:a16="http://schemas.microsoft.com/office/drawing/2014/main" xmlns:p14="http://schemas.microsoft.com/office/powerpoint/2010/main" xmlns:a14="http://schemas.microsoft.com/office/drawing/2010/main" w="9525">
+                <a14:hiddenLine xmlns:a14="http://schemas.microsoft.com/office/drawing/2010/main" xmlns:p14="http://schemas.microsoft.com/office/powerpoint/2010/main" xmlns:a16="http://schemas.microsoft.com/office/drawing/2014/main" xmlns="" w="9525">
                   <a:solidFill>
                     <a:srgbClr val="000000"/>
                   </a:solidFill>
@@ -19664,7 +20359,7 @@
             </a:ln>
             <a:extLst>
               <a:ext uri="{91240B29-F687-4f45-9708-019B960494DF}">
-                <a14:hiddenLine xmlns="" xmlns:a16="http://schemas.microsoft.com/office/drawing/2014/main" xmlns:p14="http://schemas.microsoft.com/office/powerpoint/2010/main" xmlns:a14="http://schemas.microsoft.com/office/drawing/2010/main" w="9525">
+                <a14:hiddenLine xmlns:a14="http://schemas.microsoft.com/office/drawing/2010/main" xmlns:p14="http://schemas.microsoft.com/office/powerpoint/2010/main" xmlns:a16="http://schemas.microsoft.com/office/drawing/2014/main" xmlns="" w="9525">
                   <a:solidFill>
                     <a:srgbClr val="000000"/>
                   </a:solidFill>
@@ -19741,7 +20436,7 @@
             </a:ln>
             <a:extLst>
               <a:ext uri="{91240B29-F687-4f45-9708-019B960494DF}">
-                <a14:hiddenLine xmlns="" xmlns:a16="http://schemas.microsoft.com/office/drawing/2014/main" xmlns:p14="http://schemas.microsoft.com/office/powerpoint/2010/main" xmlns:a14="http://schemas.microsoft.com/office/drawing/2010/main" w="9525">
+                <a14:hiddenLine xmlns:a14="http://schemas.microsoft.com/office/drawing/2010/main" xmlns:p14="http://schemas.microsoft.com/office/powerpoint/2010/main" xmlns:a16="http://schemas.microsoft.com/office/drawing/2014/main" xmlns="" w="9525">
                   <a:solidFill>
                     <a:srgbClr val="000000"/>
                   </a:solidFill>
@@ -19818,7 +20513,7 @@
             </a:ln>
             <a:extLst>
               <a:ext uri="{91240B29-F687-4f45-9708-019B960494DF}">
-                <a14:hiddenLine xmlns="" xmlns:a16="http://schemas.microsoft.com/office/drawing/2014/main" xmlns:p14="http://schemas.microsoft.com/office/powerpoint/2010/main" xmlns:a14="http://schemas.microsoft.com/office/drawing/2010/main" w="9525">
+                <a14:hiddenLine xmlns:a14="http://schemas.microsoft.com/office/drawing/2010/main" xmlns:p14="http://schemas.microsoft.com/office/powerpoint/2010/main" xmlns:a16="http://schemas.microsoft.com/office/drawing/2014/main" xmlns="" w="9525">
                   <a:solidFill>
                     <a:srgbClr val="000000"/>
                   </a:solidFill>
@@ -19923,7 +20618,7 @@
             </a:ln>
             <a:extLst>
               <a:ext uri="{91240B29-F687-4f45-9708-019B960494DF}">
-                <a14:hiddenLine xmlns="" xmlns:a16="http://schemas.microsoft.com/office/drawing/2014/main" xmlns:p14="http://schemas.microsoft.com/office/powerpoint/2010/main" xmlns:a14="http://schemas.microsoft.com/office/drawing/2010/main" w="9525">
+                <a14:hiddenLine xmlns:a14="http://schemas.microsoft.com/office/drawing/2010/main" xmlns:p14="http://schemas.microsoft.com/office/powerpoint/2010/main" xmlns:a16="http://schemas.microsoft.com/office/drawing/2014/main" xmlns="" w="9525">
                   <a:solidFill>
                     <a:srgbClr val="000000"/>
                   </a:solidFill>
@@ -20028,7 +20723,7 @@
             </a:ln>
             <a:extLst>
               <a:ext uri="{91240B29-F687-4f45-9708-019B960494DF}">
-                <a14:hiddenLine xmlns="" xmlns:a16="http://schemas.microsoft.com/office/drawing/2014/main" xmlns:p14="http://schemas.microsoft.com/office/powerpoint/2010/main" xmlns:a14="http://schemas.microsoft.com/office/drawing/2010/main" w="9525">
+                <a14:hiddenLine xmlns:a14="http://schemas.microsoft.com/office/drawing/2010/main" xmlns:p14="http://schemas.microsoft.com/office/powerpoint/2010/main" xmlns:a16="http://schemas.microsoft.com/office/drawing/2014/main" xmlns="" w="9525">
                   <a:solidFill>
                     <a:srgbClr val="000000"/>
                   </a:solidFill>
@@ -20105,7 +20800,7 @@
             </a:ln>
             <a:extLst>
               <a:ext uri="{91240B29-F687-4f45-9708-019B960494DF}">
-                <a14:hiddenLine xmlns="" xmlns:a16="http://schemas.microsoft.com/office/drawing/2014/main" xmlns:p14="http://schemas.microsoft.com/office/powerpoint/2010/main" xmlns:a14="http://schemas.microsoft.com/office/drawing/2010/main" w="9525">
+                <a14:hiddenLine xmlns:a14="http://schemas.microsoft.com/office/drawing/2010/main" xmlns:p14="http://schemas.microsoft.com/office/powerpoint/2010/main" xmlns:a16="http://schemas.microsoft.com/office/drawing/2014/main" xmlns="" w="9525">
                   <a:solidFill>
                     <a:srgbClr val="000000"/>
                   </a:solidFill>
@@ -20230,7 +20925,7 @@
             </a:ln>
             <a:extLst>
               <a:ext uri="{91240B29-F687-4f45-9708-019B960494DF}">
-                <a14:hiddenLine xmlns="" xmlns:a16="http://schemas.microsoft.com/office/drawing/2014/main" xmlns:p14="http://schemas.microsoft.com/office/powerpoint/2010/main" xmlns:a14="http://schemas.microsoft.com/office/drawing/2010/main" w="9525">
+                <a14:hiddenLine xmlns:a14="http://schemas.microsoft.com/office/drawing/2010/main" xmlns:p14="http://schemas.microsoft.com/office/powerpoint/2010/main" xmlns:a16="http://schemas.microsoft.com/office/drawing/2014/main" xmlns="" w="9525">
                   <a:solidFill>
                     <a:srgbClr val="000000"/>
                   </a:solidFill>
@@ -20344,7 +21039,7 @@
             </a:ln>
             <a:extLst>
               <a:ext uri="{91240B29-F687-4f45-9708-019B960494DF}">
-                <a14:hiddenLine xmlns="" xmlns:a16="http://schemas.microsoft.com/office/drawing/2014/main" xmlns:p14="http://schemas.microsoft.com/office/powerpoint/2010/main" xmlns:a14="http://schemas.microsoft.com/office/drawing/2010/main" w="9525">
+                <a14:hiddenLine xmlns:a14="http://schemas.microsoft.com/office/drawing/2010/main" xmlns:p14="http://schemas.microsoft.com/office/powerpoint/2010/main" xmlns:a16="http://schemas.microsoft.com/office/drawing/2014/main" xmlns="" w="9525">
                   <a:solidFill>
                     <a:srgbClr val="000000"/>
                   </a:solidFill>
@@ -20421,7 +21116,7 @@
             </a:ln>
             <a:extLst>
               <a:ext uri="{91240B29-F687-4f45-9708-019B960494DF}">
-                <a14:hiddenLine xmlns="" xmlns:a16="http://schemas.microsoft.com/office/drawing/2014/main" xmlns:p14="http://schemas.microsoft.com/office/powerpoint/2010/main" xmlns:a14="http://schemas.microsoft.com/office/drawing/2010/main" w="9525">
+                <a14:hiddenLine xmlns:a14="http://schemas.microsoft.com/office/drawing/2010/main" xmlns:p14="http://schemas.microsoft.com/office/powerpoint/2010/main" xmlns:a16="http://schemas.microsoft.com/office/drawing/2014/main" xmlns="" w="9525">
                   <a:solidFill>
                     <a:srgbClr val="000000"/>
                   </a:solidFill>
@@ -20498,7 +21193,7 @@
             </a:ln>
             <a:extLst>
               <a:ext uri="{91240B29-F687-4f45-9708-019B960494DF}">
-                <a14:hiddenLine xmlns="" xmlns:a16="http://schemas.microsoft.com/office/drawing/2014/main" xmlns:p14="http://schemas.microsoft.com/office/powerpoint/2010/main" xmlns:a14="http://schemas.microsoft.com/office/drawing/2010/main" w="9525">
+                <a14:hiddenLine xmlns:a14="http://schemas.microsoft.com/office/drawing/2010/main" xmlns:p14="http://schemas.microsoft.com/office/powerpoint/2010/main" xmlns:a16="http://schemas.microsoft.com/office/drawing/2014/main" xmlns="" w="9525">
                   <a:solidFill>
                     <a:srgbClr val="000000"/>
                   </a:solidFill>
@@ -20603,7 +21298,7 @@
             </a:ln>
             <a:extLst>
               <a:ext uri="{91240B29-F687-4f45-9708-019B960494DF}">
-                <a14:hiddenLine xmlns="" xmlns:a16="http://schemas.microsoft.com/office/drawing/2014/main" xmlns:p14="http://schemas.microsoft.com/office/powerpoint/2010/main" xmlns:a14="http://schemas.microsoft.com/office/drawing/2010/main" w="9525">
+                <a14:hiddenLine xmlns:a14="http://schemas.microsoft.com/office/drawing/2010/main" xmlns:p14="http://schemas.microsoft.com/office/powerpoint/2010/main" xmlns:a16="http://schemas.microsoft.com/office/drawing/2014/main" xmlns="" w="9525">
                   <a:solidFill>
                     <a:srgbClr val="000000"/>
                   </a:solidFill>
@@ -20652,7 +21347,7 @@
             </a:ln>
             <a:extLst>
               <a:ext uri="{91240B29-F687-4f45-9708-019B960494DF}">
-                <a14:hiddenLine xmlns="" xmlns:a16="http://schemas.microsoft.com/office/drawing/2014/main" xmlns:p14="http://schemas.microsoft.com/office/powerpoint/2010/main" xmlns:a14="http://schemas.microsoft.com/office/drawing/2010/main" w="9525">
+                <a14:hiddenLine xmlns:a14="http://schemas.microsoft.com/office/drawing/2010/main" xmlns:p14="http://schemas.microsoft.com/office/powerpoint/2010/main" xmlns:a16="http://schemas.microsoft.com/office/drawing/2014/main" xmlns="" w="9525">
                   <a:solidFill>
                     <a:srgbClr val="000000"/>
                   </a:solidFill>
@@ -20732,7 +21427,7 @@
             </a:ln>
             <a:extLst>
               <a:ext uri="{91240B29-F687-4f45-9708-019B960494DF}">
-                <a14:hiddenLine xmlns="" xmlns:a16="http://schemas.microsoft.com/office/drawing/2014/main" xmlns:p14="http://schemas.microsoft.com/office/powerpoint/2010/main" xmlns:a14="http://schemas.microsoft.com/office/drawing/2010/main" w="9525">
+                <a14:hiddenLine xmlns:a14="http://schemas.microsoft.com/office/drawing/2010/main" xmlns:p14="http://schemas.microsoft.com/office/powerpoint/2010/main" xmlns:a16="http://schemas.microsoft.com/office/drawing/2014/main" xmlns="" w="9525">
                   <a:solidFill>
                     <a:srgbClr val="000000"/>
                   </a:solidFill>
@@ -20837,7 +21532,7 @@
             </a:ln>
             <a:extLst>
               <a:ext uri="{91240B29-F687-4f45-9708-019B960494DF}">
-                <a14:hiddenLine xmlns="" xmlns:a16="http://schemas.microsoft.com/office/drawing/2014/main" xmlns:p14="http://schemas.microsoft.com/office/powerpoint/2010/main" xmlns:a14="http://schemas.microsoft.com/office/drawing/2010/main" w="9525">
+                <a14:hiddenLine xmlns:a14="http://schemas.microsoft.com/office/drawing/2010/main" xmlns:p14="http://schemas.microsoft.com/office/powerpoint/2010/main" xmlns:a16="http://schemas.microsoft.com/office/drawing/2014/main" xmlns="" w="9525">
                   <a:solidFill>
                     <a:srgbClr val="000000"/>
                   </a:solidFill>
@@ -20914,7 +21609,7 @@
             </a:ln>
             <a:extLst>
               <a:ext uri="{91240B29-F687-4f45-9708-019B960494DF}">
-                <a14:hiddenLine xmlns="" xmlns:a16="http://schemas.microsoft.com/office/drawing/2014/main" xmlns:p14="http://schemas.microsoft.com/office/powerpoint/2010/main" xmlns:a14="http://schemas.microsoft.com/office/drawing/2010/main" w="9525">
+                <a14:hiddenLine xmlns:a14="http://schemas.microsoft.com/office/drawing/2010/main" xmlns:p14="http://schemas.microsoft.com/office/powerpoint/2010/main" xmlns:a16="http://schemas.microsoft.com/office/drawing/2014/main" xmlns="" w="9525">
                   <a:solidFill>
                     <a:srgbClr val="000000"/>
                   </a:solidFill>
@@ -21019,7 +21714,7 @@
             </a:ln>
             <a:extLst>
               <a:ext uri="{91240B29-F687-4f45-9708-019B960494DF}">
-                <a14:hiddenLine xmlns="" xmlns:a16="http://schemas.microsoft.com/office/drawing/2014/main" xmlns:p14="http://schemas.microsoft.com/office/powerpoint/2010/main" xmlns:a14="http://schemas.microsoft.com/office/drawing/2010/main" w="9525">
+                <a14:hiddenLine xmlns:a14="http://schemas.microsoft.com/office/drawing/2010/main" xmlns:p14="http://schemas.microsoft.com/office/powerpoint/2010/main" xmlns:a16="http://schemas.microsoft.com/office/drawing/2014/main" xmlns="" w="9525">
                   <a:solidFill>
                     <a:srgbClr val="000000"/>
                   </a:solidFill>
@@ -21099,7 +21794,7 @@
             </a:ln>
             <a:extLst>
               <a:ext uri="{91240B29-F687-4f45-9708-019B960494DF}">
-                <a14:hiddenLine xmlns="" xmlns:a16="http://schemas.microsoft.com/office/drawing/2014/main" xmlns:p14="http://schemas.microsoft.com/office/powerpoint/2010/main" xmlns:a14="http://schemas.microsoft.com/office/drawing/2010/main" w="9525">
+                <a14:hiddenLine xmlns:a14="http://schemas.microsoft.com/office/drawing/2010/main" xmlns:p14="http://schemas.microsoft.com/office/powerpoint/2010/main" xmlns:a16="http://schemas.microsoft.com/office/drawing/2014/main" xmlns="" w="9525">
                   <a:solidFill>
                     <a:srgbClr val="000000"/>
                   </a:solidFill>
@@ -21176,7 +21871,7 @@
             </a:ln>
             <a:extLst>
               <a:ext uri="{91240B29-F687-4f45-9708-019B960494DF}">
-                <a14:hiddenLine xmlns="" xmlns:a16="http://schemas.microsoft.com/office/drawing/2014/main" xmlns:p14="http://schemas.microsoft.com/office/powerpoint/2010/main" xmlns:a14="http://schemas.microsoft.com/office/drawing/2010/main" w="9525">
+                <a14:hiddenLine xmlns:a14="http://schemas.microsoft.com/office/drawing/2010/main" xmlns:p14="http://schemas.microsoft.com/office/powerpoint/2010/main" xmlns:a16="http://schemas.microsoft.com/office/drawing/2014/main" xmlns="" w="9525">
                   <a:solidFill>
                     <a:srgbClr val="000000"/>
                   </a:solidFill>
@@ -21281,7 +21976,7 @@
             </a:ln>
             <a:extLst>
               <a:ext uri="{91240B29-F687-4f45-9708-019B960494DF}">
-                <a14:hiddenLine xmlns="" xmlns:a16="http://schemas.microsoft.com/office/drawing/2014/main" xmlns:p14="http://schemas.microsoft.com/office/powerpoint/2010/main" xmlns:a14="http://schemas.microsoft.com/office/drawing/2010/main" w="9525">
+                <a14:hiddenLine xmlns:a14="http://schemas.microsoft.com/office/drawing/2010/main" xmlns:p14="http://schemas.microsoft.com/office/powerpoint/2010/main" xmlns:a16="http://schemas.microsoft.com/office/drawing/2014/main" xmlns="" w="9525">
                   <a:solidFill>
                     <a:srgbClr val="000000"/>
                   </a:solidFill>
@@ -21386,7 +22081,7 @@
             </a:ln>
             <a:extLst>
               <a:ext uri="{91240B29-F687-4f45-9708-019B960494DF}">
-                <a14:hiddenLine xmlns="" xmlns:a16="http://schemas.microsoft.com/office/drawing/2014/main" xmlns:p14="http://schemas.microsoft.com/office/powerpoint/2010/main" xmlns:a14="http://schemas.microsoft.com/office/drawing/2010/main" w="9525">
+                <a14:hiddenLine xmlns:a14="http://schemas.microsoft.com/office/drawing/2010/main" xmlns:p14="http://schemas.microsoft.com/office/powerpoint/2010/main" xmlns:a16="http://schemas.microsoft.com/office/drawing/2014/main" xmlns="" w="9525">
                   <a:solidFill>
                     <a:srgbClr val="000000"/>
                   </a:solidFill>
@@ -21466,7 +22161,7 @@
             </a:ln>
             <a:extLst>
               <a:ext uri="{91240B29-F687-4f45-9708-019B960494DF}">
-                <a14:hiddenLine xmlns="" xmlns:a16="http://schemas.microsoft.com/office/drawing/2014/main" xmlns:p14="http://schemas.microsoft.com/office/powerpoint/2010/main" xmlns:a14="http://schemas.microsoft.com/office/drawing/2010/main" w="9525">
+                <a14:hiddenLine xmlns:a14="http://schemas.microsoft.com/office/drawing/2010/main" xmlns:p14="http://schemas.microsoft.com/office/powerpoint/2010/main" xmlns:a16="http://schemas.microsoft.com/office/drawing/2014/main" xmlns="" w="9525">
                   <a:solidFill>
                     <a:srgbClr val="000000"/>
                   </a:solidFill>
@@ -21601,7 +22296,7 @@
             </a:ln>
             <a:extLst>
               <a:ext uri="{91240B29-F687-4f45-9708-019B960494DF}">
-                <a14:hiddenLine xmlns="" xmlns:a16="http://schemas.microsoft.com/office/drawing/2014/main" xmlns:p14="http://schemas.microsoft.com/office/powerpoint/2010/main" xmlns:a14="http://schemas.microsoft.com/office/drawing/2010/main" w="9525">
+                <a14:hiddenLine xmlns:a14="http://schemas.microsoft.com/office/drawing/2010/main" xmlns:p14="http://schemas.microsoft.com/office/powerpoint/2010/main" xmlns:a16="http://schemas.microsoft.com/office/drawing/2014/main" xmlns="" w="9525">
                   <a:solidFill>
                     <a:srgbClr val="000000"/>
                   </a:solidFill>
@@ -21643,11 +22338,11 @@
           <a:lstStyle/>
           <a:p>
             <a:r>
-              <a:rPr lang="en-US"/>
+              <a:rPr lang="en-US" dirty="0"/>
               <a:t>B</a:t>
             </a:r>
             <a:r>
-              <a:rPr lang="en-IL"/>
+              <a:rPr lang="en-IL" dirty="0"/>
               <a:t>ut what does it have to do with data stream?</a:t>
             </a:r>
           </a:p>
@@ -21754,6 +22449,36 @@
           </a:p>
         </p:txBody>
       </p:sp>
+      <p:pic>
+        <p:nvPicPr>
+          <p:cNvPr id="5" name="תמונה 4">
+            <a:extLst>
+              <a:ext uri="{FF2B5EF4-FFF2-40B4-BE49-F238E27FC236}">
+                <a16:creationId xmlns:a16="http://schemas.microsoft.com/office/drawing/2014/main" id="{1C5D36A4-F26A-4F08-BC95-83C820DC0A7A}"/>
+              </a:ext>
+            </a:extLst>
+          </p:cNvPr>
+          <p:cNvPicPr>
+            <a:picLocks noChangeAspect="1"/>
+          </p:cNvPicPr>
+          <p:nvPr/>
+        </p:nvPicPr>
+        <p:blipFill>
+          <a:blip r:embed="rId2"/>
+          <a:stretch>
+            <a:fillRect/>
+          </a:stretch>
+        </p:blipFill>
+        <p:spPr>
+          <a:xfrm>
+            <a:off x="6197104" y="3790156"/>
+            <a:ext cx="3868670" cy="2743420"/>
+          </a:xfrm>
+          <a:prstGeom prst="rect">
+            <a:avLst/>
+          </a:prstGeom>
+        </p:spPr>
+      </p:pic>
     </p:spTree>
     <p:extLst>
       <p:ext uri="{BB962C8B-B14F-4D97-AF65-F5344CB8AC3E}">
@@ -21952,7 +22677,7 @@
             <a:noFill/>
             <a:extLst>
               <a:ext uri="{909E8E84-426E-40dd-AFC4-6F175D3DCCD1}">
-                <a14:hiddenFill xmlns="" xmlns:a16="http://schemas.microsoft.com/office/drawing/2014/main" xmlns:a14="http://schemas.microsoft.com/office/drawing/2010/main" xmlns:p14="http://schemas.microsoft.com/office/powerpoint/2010/main">
+                <a14:hiddenFill xmlns:p14="http://schemas.microsoft.com/office/powerpoint/2010/main" xmlns:a14="http://schemas.microsoft.com/office/drawing/2010/main" xmlns:a16="http://schemas.microsoft.com/office/drawing/2014/main" xmlns="">
                   <a:solidFill>
                     <a:srgbClr val="FFFFFF"/>
                   </a:solidFill>
@@ -22104,7 +22829,7 @@
             </a:ln>
             <a:extLst>
               <a:ext uri="{91240B29-F687-4f45-9708-019B960494DF}">
-                <a14:hiddenLine xmlns="" xmlns:a16="http://schemas.microsoft.com/office/drawing/2014/main" xmlns:a14="http://schemas.microsoft.com/office/drawing/2010/main" xmlns:p14="http://schemas.microsoft.com/office/powerpoint/2010/main" w="9525">
+                <a14:hiddenLine xmlns:p14="http://schemas.microsoft.com/office/powerpoint/2010/main" xmlns:a14="http://schemas.microsoft.com/office/drawing/2010/main" xmlns:a16="http://schemas.microsoft.com/office/drawing/2014/main" xmlns="" w="9525">
                   <a:solidFill>
                     <a:srgbClr val="000000"/>
                   </a:solidFill>
@@ -22209,7 +22934,7 @@
             </a:ln>
             <a:extLst>
               <a:ext uri="{91240B29-F687-4f45-9708-019B960494DF}">
-                <a14:hiddenLine xmlns="" xmlns:a16="http://schemas.microsoft.com/office/drawing/2014/main" xmlns:a14="http://schemas.microsoft.com/office/drawing/2010/main" xmlns:p14="http://schemas.microsoft.com/office/powerpoint/2010/main" w="9525">
+                <a14:hiddenLine xmlns:p14="http://schemas.microsoft.com/office/powerpoint/2010/main" xmlns:a14="http://schemas.microsoft.com/office/drawing/2010/main" xmlns:a16="http://schemas.microsoft.com/office/drawing/2014/main" xmlns="" w="9525">
                   <a:solidFill>
                     <a:srgbClr val="000000"/>
                   </a:solidFill>
@@ -22314,7 +23039,7 @@
             </a:ln>
             <a:extLst>
               <a:ext uri="{91240B29-F687-4f45-9708-019B960494DF}">
-                <a14:hiddenLine xmlns="" xmlns:a16="http://schemas.microsoft.com/office/drawing/2014/main" xmlns:a14="http://schemas.microsoft.com/office/drawing/2010/main" xmlns:p14="http://schemas.microsoft.com/office/powerpoint/2010/main" w="9525">
+                <a14:hiddenLine xmlns:p14="http://schemas.microsoft.com/office/powerpoint/2010/main" xmlns:a14="http://schemas.microsoft.com/office/drawing/2010/main" xmlns:a16="http://schemas.microsoft.com/office/drawing/2014/main" xmlns="" w="9525">
                   <a:solidFill>
                     <a:srgbClr val="000000"/>
                   </a:solidFill>
@@ -22363,7 +23088,7 @@
             </a:ln>
             <a:extLst>
               <a:ext uri="{91240B29-F687-4f45-9708-019B960494DF}">
-                <a14:hiddenLine xmlns="" xmlns:a16="http://schemas.microsoft.com/office/drawing/2014/main" xmlns:a14="http://schemas.microsoft.com/office/drawing/2010/main" xmlns:p14="http://schemas.microsoft.com/office/powerpoint/2010/main" w="9525">
+                <a14:hiddenLine xmlns:p14="http://schemas.microsoft.com/office/powerpoint/2010/main" xmlns:a14="http://schemas.microsoft.com/office/drawing/2010/main" xmlns:a16="http://schemas.microsoft.com/office/drawing/2014/main" xmlns="" w="9525">
                   <a:solidFill>
                     <a:srgbClr val="000000"/>
                   </a:solidFill>
@@ -22468,7 +23193,7 @@
             </a:ln>
             <a:extLst>
               <a:ext uri="{91240B29-F687-4f45-9708-019B960494DF}">
-                <a14:hiddenLine xmlns="" xmlns:a16="http://schemas.microsoft.com/office/drawing/2014/main" xmlns:a14="http://schemas.microsoft.com/office/drawing/2010/main" xmlns:p14="http://schemas.microsoft.com/office/powerpoint/2010/main" w="9525">
+                <a14:hiddenLine xmlns:p14="http://schemas.microsoft.com/office/powerpoint/2010/main" xmlns:a14="http://schemas.microsoft.com/office/drawing/2010/main" xmlns:a16="http://schemas.microsoft.com/office/drawing/2014/main" xmlns="" w="9525">
                   <a:solidFill>
                     <a:srgbClr val="000000"/>
                   </a:solidFill>
@@ -22545,7 +23270,7 @@
             </a:ln>
             <a:extLst>
               <a:ext uri="{91240B29-F687-4f45-9708-019B960494DF}">
-                <a14:hiddenLine xmlns="" xmlns:a16="http://schemas.microsoft.com/office/drawing/2014/main" xmlns:a14="http://schemas.microsoft.com/office/drawing/2010/main" xmlns:p14="http://schemas.microsoft.com/office/powerpoint/2010/main" w="9525">
+                <a14:hiddenLine xmlns:p14="http://schemas.microsoft.com/office/powerpoint/2010/main" xmlns:a14="http://schemas.microsoft.com/office/drawing/2010/main" xmlns:a16="http://schemas.microsoft.com/office/drawing/2014/main" xmlns="" w="9525">
                   <a:solidFill>
                     <a:srgbClr val="000000"/>
                   </a:solidFill>
@@ -22622,7 +23347,7 @@
             </a:ln>
             <a:extLst>
               <a:ext uri="{91240B29-F687-4f45-9708-019B960494DF}">
-                <a14:hiddenLine xmlns="" xmlns:a16="http://schemas.microsoft.com/office/drawing/2014/main" xmlns:a14="http://schemas.microsoft.com/office/drawing/2010/main" xmlns:p14="http://schemas.microsoft.com/office/powerpoint/2010/main" w="9525">
+                <a14:hiddenLine xmlns:p14="http://schemas.microsoft.com/office/powerpoint/2010/main" xmlns:a14="http://schemas.microsoft.com/office/drawing/2010/main" xmlns:a16="http://schemas.microsoft.com/office/drawing/2014/main" xmlns="" w="9525">
                   <a:solidFill>
                     <a:srgbClr val="000000"/>
                   </a:solidFill>
@@ -22727,7 +23452,7 @@
             </a:ln>
             <a:extLst>
               <a:ext uri="{91240B29-F687-4f45-9708-019B960494DF}">
-                <a14:hiddenLine xmlns="" xmlns:a16="http://schemas.microsoft.com/office/drawing/2014/main" xmlns:a14="http://schemas.microsoft.com/office/drawing/2010/main" xmlns:p14="http://schemas.microsoft.com/office/powerpoint/2010/main" w="9525">
+                <a14:hiddenLine xmlns:p14="http://schemas.microsoft.com/office/powerpoint/2010/main" xmlns:a14="http://schemas.microsoft.com/office/drawing/2010/main" xmlns:a16="http://schemas.microsoft.com/office/drawing/2014/main" xmlns="" w="9525">
                   <a:solidFill>
                     <a:srgbClr val="000000"/>
                   </a:solidFill>
@@ -22804,7 +23529,7 @@
             </a:ln>
             <a:extLst>
               <a:ext uri="{91240B29-F687-4f45-9708-019B960494DF}">
-                <a14:hiddenLine xmlns="" xmlns:a16="http://schemas.microsoft.com/office/drawing/2014/main" xmlns:a14="http://schemas.microsoft.com/office/drawing/2010/main" xmlns:p14="http://schemas.microsoft.com/office/powerpoint/2010/main" w="9525">
+                <a14:hiddenLine xmlns:p14="http://schemas.microsoft.com/office/powerpoint/2010/main" xmlns:a14="http://schemas.microsoft.com/office/drawing/2010/main" xmlns:a16="http://schemas.microsoft.com/office/drawing/2014/main" xmlns="" w="9525">
                   <a:solidFill>
                     <a:srgbClr val="000000"/>
                   </a:solidFill>
@@ -22881,7 +23606,7 @@
             </a:ln>
             <a:extLst>
               <a:ext uri="{91240B29-F687-4f45-9708-019B960494DF}">
-                <a14:hiddenLine xmlns="" xmlns:a16="http://schemas.microsoft.com/office/drawing/2014/main" xmlns:a14="http://schemas.microsoft.com/office/drawing/2010/main" xmlns:p14="http://schemas.microsoft.com/office/powerpoint/2010/main" w="9525">
+                <a14:hiddenLine xmlns:p14="http://schemas.microsoft.com/office/powerpoint/2010/main" xmlns:a14="http://schemas.microsoft.com/office/drawing/2010/main" xmlns:a16="http://schemas.microsoft.com/office/drawing/2014/main" xmlns="" w="9525">
                   <a:solidFill>
                     <a:srgbClr val="000000"/>
                   </a:solidFill>
@@ -22986,7 +23711,7 @@
             </a:ln>
             <a:extLst>
               <a:ext uri="{91240B29-F687-4f45-9708-019B960494DF}">
-                <a14:hiddenLine xmlns="" xmlns:a16="http://schemas.microsoft.com/office/drawing/2014/main" xmlns:a14="http://schemas.microsoft.com/office/drawing/2010/main" xmlns:p14="http://schemas.microsoft.com/office/powerpoint/2010/main" w="9525">
+                <a14:hiddenLine xmlns:p14="http://schemas.microsoft.com/office/powerpoint/2010/main" xmlns:a14="http://schemas.microsoft.com/office/drawing/2010/main" xmlns:a16="http://schemas.microsoft.com/office/drawing/2014/main" xmlns="" w="9525">
                   <a:solidFill>
                     <a:srgbClr val="000000"/>
                   </a:solidFill>
@@ -23091,7 +23816,7 @@
             </a:ln>
             <a:extLst>
               <a:ext uri="{91240B29-F687-4f45-9708-019B960494DF}">
-                <a14:hiddenLine xmlns="" xmlns:a16="http://schemas.microsoft.com/office/drawing/2014/main" xmlns:a14="http://schemas.microsoft.com/office/drawing/2010/main" xmlns:p14="http://schemas.microsoft.com/office/powerpoint/2010/main" w="9525">
+                <a14:hiddenLine xmlns:p14="http://schemas.microsoft.com/office/powerpoint/2010/main" xmlns:a14="http://schemas.microsoft.com/office/drawing/2010/main" xmlns:a16="http://schemas.microsoft.com/office/drawing/2014/main" xmlns="" w="9525">
                   <a:solidFill>
                     <a:srgbClr val="000000"/>
                   </a:solidFill>
@@ -23168,7 +23893,7 @@
             </a:ln>
             <a:extLst>
               <a:ext uri="{91240B29-F687-4f45-9708-019B960494DF}">
-                <a14:hiddenLine xmlns="" xmlns:a16="http://schemas.microsoft.com/office/drawing/2014/main" xmlns:a14="http://schemas.microsoft.com/office/drawing/2010/main" xmlns:p14="http://schemas.microsoft.com/office/powerpoint/2010/main" w="9525">
+                <a14:hiddenLine xmlns:p14="http://schemas.microsoft.com/office/powerpoint/2010/main" xmlns:a14="http://schemas.microsoft.com/office/drawing/2010/main" xmlns:a16="http://schemas.microsoft.com/office/drawing/2014/main" xmlns="" w="9525">
                   <a:solidFill>
                     <a:srgbClr val="000000"/>
                   </a:solidFill>
@@ -23293,7 +24018,7 @@
             </a:ln>
             <a:extLst>
               <a:ext uri="{91240B29-F687-4f45-9708-019B960494DF}">
-                <a14:hiddenLine xmlns="" xmlns:a16="http://schemas.microsoft.com/office/drawing/2014/main" xmlns:a14="http://schemas.microsoft.com/office/drawing/2010/main" xmlns:p14="http://schemas.microsoft.com/office/powerpoint/2010/main" w="9525">
+                <a14:hiddenLine xmlns:p14="http://schemas.microsoft.com/office/powerpoint/2010/main" xmlns:a14="http://schemas.microsoft.com/office/drawing/2010/main" xmlns:a16="http://schemas.microsoft.com/office/drawing/2014/main" xmlns="" w="9525">
                   <a:solidFill>
                     <a:srgbClr val="000000"/>
                   </a:solidFill>
@@ -23370,7 +24095,7 @@
             </a:ln>
             <a:extLst>
               <a:ext uri="{91240B29-F687-4f45-9708-019B960494DF}">
-                <a14:hiddenLine xmlns="" xmlns:a16="http://schemas.microsoft.com/office/drawing/2014/main" xmlns:a14="http://schemas.microsoft.com/office/drawing/2010/main" xmlns:p14="http://schemas.microsoft.com/office/powerpoint/2010/main" w="9525">
+                <a14:hiddenLine xmlns:p14="http://schemas.microsoft.com/office/powerpoint/2010/main" xmlns:a14="http://schemas.microsoft.com/office/drawing/2010/main" xmlns:a16="http://schemas.microsoft.com/office/drawing/2014/main" xmlns="" w="9525">
                   <a:solidFill>
                     <a:srgbClr val="000000"/>
                   </a:solidFill>
@@ -23475,7 +24200,7 @@
             </a:ln>
             <a:extLst>
               <a:ext uri="{91240B29-F687-4f45-9708-019B960494DF}">
-                <a14:hiddenLine xmlns="" xmlns:a16="http://schemas.microsoft.com/office/drawing/2014/main" xmlns:a14="http://schemas.microsoft.com/office/drawing/2010/main" xmlns:p14="http://schemas.microsoft.com/office/powerpoint/2010/main" w="9525">
+                <a14:hiddenLine xmlns:p14="http://schemas.microsoft.com/office/powerpoint/2010/main" xmlns:a14="http://schemas.microsoft.com/office/drawing/2010/main" xmlns:a16="http://schemas.microsoft.com/office/drawing/2014/main" xmlns="" w="9525">
                   <a:solidFill>
                     <a:srgbClr val="000000"/>
                   </a:solidFill>
@@ -23580,7 +24305,7 @@
             </a:ln>
             <a:extLst>
               <a:ext uri="{91240B29-F687-4f45-9708-019B960494DF}">
-                <a14:hiddenLine xmlns="" xmlns:a16="http://schemas.microsoft.com/office/drawing/2014/main" xmlns:a14="http://schemas.microsoft.com/office/drawing/2010/main" xmlns:p14="http://schemas.microsoft.com/office/powerpoint/2010/main" w="9525">
+                <a14:hiddenLine xmlns:p14="http://schemas.microsoft.com/office/powerpoint/2010/main" xmlns:a14="http://schemas.microsoft.com/office/drawing/2010/main" xmlns:a16="http://schemas.microsoft.com/office/drawing/2014/main" xmlns="" w="9525">
                   <a:solidFill>
                     <a:srgbClr val="000000"/>
                   </a:solidFill>
@@ -23657,7 +24382,7 @@
             </a:ln>
             <a:extLst>
               <a:ext uri="{91240B29-F687-4f45-9708-019B960494DF}">
-                <a14:hiddenLine xmlns="" xmlns:a16="http://schemas.microsoft.com/office/drawing/2014/main" xmlns:a14="http://schemas.microsoft.com/office/drawing/2010/main" xmlns:p14="http://schemas.microsoft.com/office/powerpoint/2010/main" w="9525">
+                <a14:hiddenLine xmlns:p14="http://schemas.microsoft.com/office/powerpoint/2010/main" xmlns:a14="http://schemas.microsoft.com/office/drawing/2010/main" xmlns:a16="http://schemas.microsoft.com/office/drawing/2014/main" xmlns="" w="9525">
                   <a:solidFill>
                     <a:srgbClr val="000000"/>
                   </a:solidFill>
@@ -23762,7 +24487,7 @@
             </a:ln>
             <a:extLst>
               <a:ext uri="{91240B29-F687-4f45-9708-019B960494DF}">
-                <a14:hiddenLine xmlns="" xmlns:a16="http://schemas.microsoft.com/office/drawing/2014/main" xmlns:a14="http://schemas.microsoft.com/office/drawing/2010/main" xmlns:p14="http://schemas.microsoft.com/office/powerpoint/2010/main" w="9525">
+                <a14:hiddenLine xmlns:p14="http://schemas.microsoft.com/office/powerpoint/2010/main" xmlns:a14="http://schemas.microsoft.com/office/drawing/2010/main" xmlns:a16="http://schemas.microsoft.com/office/drawing/2014/main" xmlns="" w="9525">
                   <a:solidFill>
                     <a:srgbClr val="000000"/>
                   </a:solidFill>
@@ -23867,7 +24592,7 @@
             </a:ln>
             <a:extLst>
               <a:ext uri="{91240B29-F687-4f45-9708-019B960494DF}">
-                <a14:hiddenLine xmlns="" xmlns:a16="http://schemas.microsoft.com/office/drawing/2014/main" xmlns:a14="http://schemas.microsoft.com/office/drawing/2010/main" xmlns:p14="http://schemas.microsoft.com/office/powerpoint/2010/main" w="9525">
+                <a14:hiddenLine xmlns:p14="http://schemas.microsoft.com/office/powerpoint/2010/main" xmlns:a14="http://schemas.microsoft.com/office/drawing/2010/main" xmlns:a16="http://schemas.microsoft.com/office/drawing/2014/main" xmlns="" w="9525">
                   <a:solidFill>
                     <a:srgbClr val="000000"/>
                   </a:solidFill>
@@ -23938,7 +24663,7 @@
             </a:ln>
             <a:extLst>
               <a:ext uri="{91240B29-F687-4f45-9708-019B960494DF}">
-                <a14:hiddenLine xmlns="" xmlns:a16="http://schemas.microsoft.com/office/drawing/2014/main" xmlns:a14="http://schemas.microsoft.com/office/drawing/2010/main" xmlns:p14="http://schemas.microsoft.com/office/powerpoint/2010/main" w="9525">
+                <a14:hiddenLine xmlns:p14="http://schemas.microsoft.com/office/powerpoint/2010/main" xmlns:a14="http://schemas.microsoft.com/office/drawing/2010/main" xmlns:a16="http://schemas.microsoft.com/office/drawing/2014/main" xmlns="" w="9525">
                   <a:solidFill>
                     <a:srgbClr val="000000"/>
                   </a:solidFill>
@@ -24043,7 +24768,7 @@
             </a:ln>
             <a:extLst>
               <a:ext uri="{91240B29-F687-4f45-9708-019B960494DF}">
-                <a14:hiddenLine xmlns="" xmlns:a16="http://schemas.microsoft.com/office/drawing/2014/main" xmlns:a14="http://schemas.microsoft.com/office/drawing/2010/main" xmlns:p14="http://schemas.microsoft.com/office/powerpoint/2010/main" w="9525">
+                <a14:hiddenLine xmlns:p14="http://schemas.microsoft.com/office/powerpoint/2010/main" xmlns:a14="http://schemas.microsoft.com/office/drawing/2010/main" xmlns:a16="http://schemas.microsoft.com/office/drawing/2014/main" xmlns="" w="9525">
                   <a:solidFill>
                     <a:srgbClr val="000000"/>
                   </a:solidFill>
@@ -24114,7 +24839,7 @@
             </a:ln>
             <a:extLst>
               <a:ext uri="{91240B29-F687-4f45-9708-019B960494DF}">
-                <a14:hiddenLine xmlns="" xmlns:a16="http://schemas.microsoft.com/office/drawing/2014/main" xmlns:a14="http://schemas.microsoft.com/office/drawing/2010/main" xmlns:p14="http://schemas.microsoft.com/office/powerpoint/2010/main" w="9525">
+                <a14:hiddenLine xmlns:p14="http://schemas.microsoft.com/office/powerpoint/2010/main" xmlns:a14="http://schemas.microsoft.com/office/drawing/2010/main" xmlns:a16="http://schemas.microsoft.com/office/drawing/2014/main" xmlns="" w="9525">
                   <a:solidFill>
                     <a:srgbClr val="000000"/>
                   </a:solidFill>
@@ -24219,7 +24944,7 @@
             </a:ln>
             <a:extLst>
               <a:ext uri="{91240B29-F687-4f45-9708-019B960494DF}">
-                <a14:hiddenLine xmlns="" xmlns:a16="http://schemas.microsoft.com/office/drawing/2014/main" xmlns:a14="http://schemas.microsoft.com/office/drawing/2010/main" xmlns:p14="http://schemas.microsoft.com/office/powerpoint/2010/main" w="9525">
+                <a14:hiddenLine xmlns:p14="http://schemas.microsoft.com/office/powerpoint/2010/main" xmlns:a14="http://schemas.microsoft.com/office/drawing/2010/main" xmlns:a16="http://schemas.microsoft.com/office/drawing/2014/main" xmlns="" w="9525">
                   <a:solidFill>
                     <a:srgbClr val="000000"/>
                   </a:solidFill>
@@ -24302,7 +25027,7 @@
             </a:ln>
             <a:extLst>
               <a:ext uri="{91240B29-F687-4f45-9708-019B960494DF}">
-                <a14:hiddenLine xmlns="" xmlns:a16="http://schemas.microsoft.com/office/drawing/2014/main" xmlns:a14="http://schemas.microsoft.com/office/drawing/2010/main" xmlns:p14="http://schemas.microsoft.com/office/powerpoint/2010/main" w="9525">
+                <a14:hiddenLine xmlns:p14="http://schemas.microsoft.com/office/powerpoint/2010/main" xmlns:a14="http://schemas.microsoft.com/office/drawing/2010/main" xmlns:a16="http://schemas.microsoft.com/office/drawing/2014/main" xmlns="" w="9525">
                   <a:solidFill>
                     <a:srgbClr val="000000"/>
                   </a:solidFill>
@@ -24407,7 +25132,7 @@
             </a:ln>
             <a:extLst>
               <a:ext uri="{91240B29-F687-4f45-9708-019B960494DF}">
-                <a14:hiddenLine xmlns="" xmlns:a16="http://schemas.microsoft.com/office/drawing/2014/main" xmlns:a14="http://schemas.microsoft.com/office/drawing/2010/main" xmlns:p14="http://schemas.microsoft.com/office/powerpoint/2010/main" w="9525">
+                <a14:hiddenLine xmlns:p14="http://schemas.microsoft.com/office/powerpoint/2010/main" xmlns:a14="http://schemas.microsoft.com/office/drawing/2010/main" xmlns:a16="http://schemas.microsoft.com/office/drawing/2014/main" xmlns="" w="9525">
                   <a:solidFill>
                     <a:srgbClr val="000000"/>
                   </a:solidFill>
@@ -24490,7 +25215,7 @@
             </a:ln>
             <a:extLst>
               <a:ext uri="{91240B29-F687-4f45-9708-019B960494DF}">
-                <a14:hiddenLine xmlns="" xmlns:a16="http://schemas.microsoft.com/office/drawing/2014/main" xmlns:a14="http://schemas.microsoft.com/office/drawing/2010/main" xmlns:p14="http://schemas.microsoft.com/office/powerpoint/2010/main" w="9525">
+                <a14:hiddenLine xmlns:p14="http://schemas.microsoft.com/office/powerpoint/2010/main" xmlns:a14="http://schemas.microsoft.com/office/drawing/2010/main" xmlns:a16="http://schemas.microsoft.com/office/drawing/2014/main" xmlns="" w="9525">
                   <a:solidFill>
                     <a:srgbClr val="000000"/>
                   </a:solidFill>
@@ -24595,7 +25320,7 @@
             </a:ln>
             <a:extLst>
               <a:ext uri="{91240B29-F687-4f45-9708-019B960494DF}">
-                <a14:hiddenLine xmlns="" xmlns:a16="http://schemas.microsoft.com/office/drawing/2014/main" xmlns:a14="http://schemas.microsoft.com/office/drawing/2010/main" xmlns:p14="http://schemas.microsoft.com/office/powerpoint/2010/main" w="9525">
+                <a14:hiddenLine xmlns:p14="http://schemas.microsoft.com/office/powerpoint/2010/main" xmlns:a14="http://schemas.microsoft.com/office/drawing/2010/main" xmlns:a16="http://schemas.microsoft.com/office/drawing/2014/main" xmlns="" w="9525">
                   <a:solidFill>
                     <a:srgbClr val="000000"/>
                   </a:solidFill>
@@ -24644,7 +25369,7 @@
             </a:ln>
             <a:extLst>
               <a:ext uri="{91240B29-F687-4f45-9708-019B960494DF}">
-                <a14:hiddenLine xmlns="" xmlns:a16="http://schemas.microsoft.com/office/drawing/2014/main" xmlns:a14="http://schemas.microsoft.com/office/drawing/2010/main" xmlns:p14="http://schemas.microsoft.com/office/powerpoint/2010/main" w="9525">
+                <a14:hiddenLine xmlns:p14="http://schemas.microsoft.com/office/powerpoint/2010/main" xmlns:a14="http://schemas.microsoft.com/office/drawing/2010/main" xmlns:a16="http://schemas.microsoft.com/office/drawing/2014/main" xmlns="" w="9525">
                   <a:solidFill>
                     <a:srgbClr val="000000"/>
                   </a:solidFill>
@@ -24749,7 +25474,7 @@
             </a:ln>
             <a:extLst>
               <a:ext uri="{91240B29-F687-4f45-9708-019B960494DF}">
-                <a14:hiddenLine xmlns="" xmlns:a16="http://schemas.microsoft.com/office/drawing/2014/main" xmlns:a14="http://schemas.microsoft.com/office/drawing/2010/main" xmlns:p14="http://schemas.microsoft.com/office/powerpoint/2010/main" w="9525">
+                <a14:hiddenLine xmlns:p14="http://schemas.microsoft.com/office/powerpoint/2010/main" xmlns:a14="http://schemas.microsoft.com/office/drawing/2010/main" xmlns:a16="http://schemas.microsoft.com/office/drawing/2014/main" xmlns="" w="9525">
                   <a:solidFill>
                     <a:srgbClr val="000000"/>
                   </a:solidFill>
@@ -24826,7 +25551,7 @@
             </a:ln>
             <a:extLst>
               <a:ext uri="{91240B29-F687-4f45-9708-019B960494DF}">
-                <a14:hiddenLine xmlns="" xmlns:a16="http://schemas.microsoft.com/office/drawing/2014/main" xmlns:a14="http://schemas.microsoft.com/office/drawing/2010/main" xmlns:p14="http://schemas.microsoft.com/office/powerpoint/2010/main" w="9525">
+                <a14:hiddenLine xmlns:p14="http://schemas.microsoft.com/office/powerpoint/2010/main" xmlns:a14="http://schemas.microsoft.com/office/drawing/2010/main" xmlns:a16="http://schemas.microsoft.com/office/drawing/2014/main" xmlns="" w="9525">
                   <a:solidFill>
                     <a:srgbClr val="000000"/>
                   </a:solidFill>
@@ -24903,7 +25628,7 @@
             </a:ln>
             <a:extLst>
               <a:ext uri="{91240B29-F687-4f45-9708-019B960494DF}">
-                <a14:hiddenLine xmlns="" xmlns:a16="http://schemas.microsoft.com/office/drawing/2014/main" xmlns:a14="http://schemas.microsoft.com/office/drawing/2010/main" xmlns:p14="http://schemas.microsoft.com/office/powerpoint/2010/main" w="9525">
+                <a14:hiddenLine xmlns:p14="http://schemas.microsoft.com/office/powerpoint/2010/main" xmlns:a14="http://schemas.microsoft.com/office/drawing/2010/main" xmlns:a16="http://schemas.microsoft.com/office/drawing/2014/main" xmlns="" w="9525">
                   <a:solidFill>
                     <a:srgbClr val="000000"/>
                   </a:solidFill>
@@ -25008,7 +25733,7 @@
             </a:ln>
             <a:extLst>
               <a:ext uri="{91240B29-F687-4f45-9708-019B960494DF}">
-                <a14:hiddenLine xmlns="" xmlns:a16="http://schemas.microsoft.com/office/drawing/2014/main" xmlns:a14="http://schemas.microsoft.com/office/drawing/2010/main" xmlns:p14="http://schemas.microsoft.com/office/powerpoint/2010/main" w="9525">
+                <a14:hiddenLine xmlns:p14="http://schemas.microsoft.com/office/powerpoint/2010/main" xmlns:a14="http://schemas.microsoft.com/office/drawing/2010/main" xmlns:a16="http://schemas.microsoft.com/office/drawing/2014/main" xmlns="" w="9525">
                   <a:solidFill>
                     <a:srgbClr val="000000"/>
                   </a:solidFill>
@@ -25091,7 +25816,7 @@
             </a:ln>
             <a:extLst>
               <a:ext uri="{91240B29-F687-4f45-9708-019B960494DF}">
-                <a14:hiddenLine xmlns="" xmlns:a16="http://schemas.microsoft.com/office/drawing/2014/main" xmlns:a14="http://schemas.microsoft.com/office/drawing/2010/main" xmlns:p14="http://schemas.microsoft.com/office/powerpoint/2010/main" w="9525">
+                <a14:hiddenLine xmlns:p14="http://schemas.microsoft.com/office/powerpoint/2010/main" xmlns:a14="http://schemas.microsoft.com/office/drawing/2010/main" xmlns:a16="http://schemas.microsoft.com/office/drawing/2014/main" xmlns="" w="9525">
                   <a:solidFill>
                     <a:srgbClr val="000000"/>
                   </a:solidFill>
@@ -25168,7 +25893,7 @@
             </a:ln>
             <a:extLst>
               <a:ext uri="{91240B29-F687-4f45-9708-019B960494DF}">
-                <a14:hiddenLine xmlns="" xmlns:a16="http://schemas.microsoft.com/office/drawing/2014/main" xmlns:a14="http://schemas.microsoft.com/office/drawing/2010/main" xmlns:p14="http://schemas.microsoft.com/office/powerpoint/2010/main" w="9525">
+                <a14:hiddenLine xmlns:p14="http://schemas.microsoft.com/office/powerpoint/2010/main" xmlns:a14="http://schemas.microsoft.com/office/drawing/2010/main" xmlns:a16="http://schemas.microsoft.com/office/drawing/2014/main" xmlns="" w="9525">
                   <a:solidFill>
                     <a:srgbClr val="000000"/>
                   </a:solidFill>
@@ -25273,7 +25998,7 @@
             </a:ln>
             <a:extLst>
               <a:ext uri="{91240B29-F687-4f45-9708-019B960494DF}">
-                <a14:hiddenLine xmlns="" xmlns:a16="http://schemas.microsoft.com/office/drawing/2014/main" xmlns:a14="http://schemas.microsoft.com/office/drawing/2010/main" xmlns:p14="http://schemas.microsoft.com/office/powerpoint/2010/main" w="9525">
+                <a14:hiddenLine xmlns:p14="http://schemas.microsoft.com/office/powerpoint/2010/main" xmlns:a14="http://schemas.microsoft.com/office/drawing/2010/main" xmlns:a16="http://schemas.microsoft.com/office/drawing/2014/main" xmlns="" w="9525">
                   <a:solidFill>
                     <a:srgbClr val="000000"/>
                   </a:solidFill>
@@ -25350,7 +26075,7 @@
             </a:ln>
             <a:extLst>
               <a:ext uri="{91240B29-F687-4f45-9708-019B960494DF}">
-                <a14:hiddenLine xmlns="" xmlns:a16="http://schemas.microsoft.com/office/drawing/2014/main" xmlns:a14="http://schemas.microsoft.com/office/drawing/2010/main" xmlns:p14="http://schemas.microsoft.com/office/powerpoint/2010/main" w="9525">
+                <a14:hiddenLine xmlns:p14="http://schemas.microsoft.com/office/powerpoint/2010/main" xmlns:a14="http://schemas.microsoft.com/office/drawing/2010/main" xmlns:a16="http://schemas.microsoft.com/office/drawing/2014/main" xmlns="" w="9525">
                   <a:solidFill>
                     <a:srgbClr val="000000"/>
                   </a:solidFill>
@@ -25455,7 +26180,7 @@
             </a:ln>
             <a:extLst>
               <a:ext uri="{91240B29-F687-4f45-9708-019B960494DF}">
-                <a14:hiddenLine xmlns="" xmlns:a16="http://schemas.microsoft.com/office/drawing/2014/main" xmlns:a14="http://schemas.microsoft.com/office/drawing/2010/main" xmlns:p14="http://schemas.microsoft.com/office/powerpoint/2010/main" w="9525">
+                <a14:hiddenLine xmlns:p14="http://schemas.microsoft.com/office/powerpoint/2010/main" xmlns:a14="http://schemas.microsoft.com/office/drawing/2010/main" xmlns:a16="http://schemas.microsoft.com/office/drawing/2014/main" xmlns="" w="9525">
                   <a:solidFill>
                     <a:srgbClr val="000000"/>
                   </a:solidFill>
@@ -25532,7 +26257,7 @@
             </a:ln>
             <a:extLst>
               <a:ext uri="{91240B29-F687-4f45-9708-019B960494DF}">
-                <a14:hiddenLine xmlns="" xmlns:a16="http://schemas.microsoft.com/office/drawing/2014/main" xmlns:a14="http://schemas.microsoft.com/office/drawing/2010/main" xmlns:p14="http://schemas.microsoft.com/office/powerpoint/2010/main" w="9525">
+                <a14:hiddenLine xmlns:p14="http://schemas.microsoft.com/office/powerpoint/2010/main" xmlns:a14="http://schemas.microsoft.com/office/drawing/2010/main" xmlns:a16="http://schemas.microsoft.com/office/drawing/2014/main" xmlns="" w="9525">
                   <a:solidFill>
                     <a:srgbClr val="000000"/>
                   </a:solidFill>
@@ -25637,7 +26362,7 @@
             </a:ln>
             <a:extLst>
               <a:ext uri="{91240B29-F687-4f45-9708-019B960494DF}">
-                <a14:hiddenLine xmlns="" xmlns:a16="http://schemas.microsoft.com/office/drawing/2014/main" xmlns:a14="http://schemas.microsoft.com/office/drawing/2010/main" xmlns:p14="http://schemas.microsoft.com/office/powerpoint/2010/main" w="9525">
+                <a14:hiddenLine xmlns:p14="http://schemas.microsoft.com/office/powerpoint/2010/main" xmlns:a14="http://schemas.microsoft.com/office/drawing/2010/main" xmlns:a16="http://schemas.microsoft.com/office/drawing/2014/main" xmlns="" w="9525">
                   <a:solidFill>
                     <a:srgbClr val="000000"/>
                   </a:solidFill>
@@ -25686,7 +26411,7 @@
             </a:ln>
             <a:extLst>
               <a:ext uri="{91240B29-F687-4f45-9708-019B960494DF}">
-                <a14:hiddenLine xmlns="" xmlns:a16="http://schemas.microsoft.com/office/drawing/2014/main" xmlns:a14="http://schemas.microsoft.com/office/drawing/2010/main" xmlns:p14="http://schemas.microsoft.com/office/powerpoint/2010/main" w="9525">
+                <a14:hiddenLine xmlns:p14="http://schemas.microsoft.com/office/powerpoint/2010/main" xmlns:a14="http://schemas.microsoft.com/office/drawing/2010/main" xmlns:a16="http://schemas.microsoft.com/office/drawing/2014/main" xmlns="" w="9525">
                   <a:solidFill>
                     <a:srgbClr val="000000"/>
                   </a:solidFill>
@@ -25766,7 +26491,7 @@
             </a:ln>
             <a:extLst>
               <a:ext uri="{91240B29-F687-4f45-9708-019B960494DF}">
-                <a14:hiddenLine xmlns="" xmlns:a16="http://schemas.microsoft.com/office/drawing/2014/main" xmlns:a14="http://schemas.microsoft.com/office/drawing/2010/main" xmlns:p14="http://schemas.microsoft.com/office/powerpoint/2010/main" w="9525">
+                <a14:hiddenLine xmlns:p14="http://schemas.microsoft.com/office/powerpoint/2010/main" xmlns:a14="http://schemas.microsoft.com/office/drawing/2010/main" xmlns:a16="http://schemas.microsoft.com/office/drawing/2014/main" xmlns="" w="9525">
                   <a:solidFill>
                     <a:srgbClr val="000000"/>
                   </a:solidFill>
@@ -25871,7 +26596,7 @@
             </a:ln>
             <a:extLst>
               <a:ext uri="{91240B29-F687-4f45-9708-019B960494DF}">
-                <a14:hiddenLine xmlns="" xmlns:a16="http://schemas.microsoft.com/office/drawing/2014/main" xmlns:a14="http://schemas.microsoft.com/office/drawing/2010/main" xmlns:p14="http://schemas.microsoft.com/office/powerpoint/2010/main" w="9525">
+                <a14:hiddenLine xmlns:p14="http://schemas.microsoft.com/office/powerpoint/2010/main" xmlns:a14="http://schemas.microsoft.com/office/drawing/2010/main" xmlns:a16="http://schemas.microsoft.com/office/drawing/2014/main" xmlns="" w="9525">
                   <a:solidFill>
                     <a:srgbClr val="000000"/>
                   </a:solidFill>
@@ -25948,7 +26673,7 @@
             </a:ln>
             <a:extLst>
               <a:ext uri="{91240B29-F687-4f45-9708-019B960494DF}">
-                <a14:hiddenLine xmlns="" xmlns:a16="http://schemas.microsoft.com/office/drawing/2014/main" xmlns:a14="http://schemas.microsoft.com/office/drawing/2010/main" xmlns:p14="http://schemas.microsoft.com/office/powerpoint/2010/main" w="9525">
+                <a14:hiddenLine xmlns:p14="http://schemas.microsoft.com/office/powerpoint/2010/main" xmlns:a14="http://schemas.microsoft.com/office/drawing/2010/main" xmlns:a16="http://schemas.microsoft.com/office/drawing/2014/main" xmlns="" w="9525">
                   <a:solidFill>
                     <a:srgbClr val="000000"/>
                   </a:solidFill>
@@ -26053,7 +26778,7 @@
             </a:ln>
             <a:extLst>
               <a:ext uri="{91240B29-F687-4f45-9708-019B960494DF}">
-                <a14:hiddenLine xmlns="" xmlns:a16="http://schemas.microsoft.com/office/drawing/2014/main" xmlns:a14="http://schemas.microsoft.com/office/drawing/2010/main" xmlns:p14="http://schemas.microsoft.com/office/powerpoint/2010/main" w="9525">
+                <a14:hiddenLine xmlns:p14="http://schemas.microsoft.com/office/powerpoint/2010/main" xmlns:a14="http://schemas.microsoft.com/office/drawing/2010/main" xmlns:a16="http://schemas.microsoft.com/office/drawing/2014/main" xmlns="" w="9525">
                   <a:solidFill>
                     <a:srgbClr val="000000"/>
                   </a:solidFill>
@@ -26158,7 +26883,7 @@
             </a:ln>
             <a:extLst>
               <a:ext uri="{91240B29-F687-4f45-9708-019B960494DF}">
-                <a14:hiddenLine xmlns="" xmlns:a16="http://schemas.microsoft.com/office/drawing/2014/main" xmlns:a14="http://schemas.microsoft.com/office/drawing/2010/main" xmlns:p14="http://schemas.microsoft.com/office/powerpoint/2010/main" w="9525">
+                <a14:hiddenLine xmlns:p14="http://schemas.microsoft.com/office/powerpoint/2010/main" xmlns:a14="http://schemas.microsoft.com/office/drawing/2010/main" xmlns:a16="http://schemas.microsoft.com/office/drawing/2014/main" xmlns="" w="9525">
                   <a:solidFill>
                     <a:srgbClr val="000000"/>
                   </a:solidFill>
@@ -26238,7 +26963,7 @@
             </a:ln>
             <a:extLst>
               <a:ext uri="{91240B29-F687-4f45-9708-019B960494DF}">
-                <a14:hiddenLine xmlns="" xmlns:a16="http://schemas.microsoft.com/office/drawing/2014/main" xmlns:a14="http://schemas.microsoft.com/office/drawing/2010/main" xmlns:p14="http://schemas.microsoft.com/office/powerpoint/2010/main" w="9525">
+                <a14:hiddenLine xmlns:p14="http://schemas.microsoft.com/office/powerpoint/2010/main" xmlns:a14="http://schemas.microsoft.com/office/drawing/2010/main" xmlns:a16="http://schemas.microsoft.com/office/drawing/2014/main" xmlns="" w="9525">
                   <a:solidFill>
                     <a:srgbClr val="000000"/>
                   </a:solidFill>
@@ -26315,7 +27040,7 @@
             </a:ln>
             <a:extLst>
               <a:ext uri="{91240B29-F687-4f45-9708-019B960494DF}">
-                <a14:hiddenLine xmlns="" xmlns:a16="http://schemas.microsoft.com/office/drawing/2014/main" xmlns:a14="http://schemas.microsoft.com/office/drawing/2010/main" xmlns:p14="http://schemas.microsoft.com/office/powerpoint/2010/main" w="9525">
+                <a14:hiddenLine xmlns:p14="http://schemas.microsoft.com/office/powerpoint/2010/main" xmlns:a14="http://schemas.microsoft.com/office/drawing/2010/main" xmlns:a16="http://schemas.microsoft.com/office/drawing/2014/main" xmlns="" w="9525">
                   <a:solidFill>
                     <a:srgbClr val="000000"/>
                   </a:solidFill>
@@ -26420,7 +27145,7 @@
             </a:ln>
             <a:extLst>
               <a:ext uri="{91240B29-F687-4f45-9708-019B960494DF}">
-                <a14:hiddenLine xmlns="" xmlns:a16="http://schemas.microsoft.com/office/drawing/2014/main" xmlns:a14="http://schemas.microsoft.com/office/drawing/2010/main" xmlns:p14="http://schemas.microsoft.com/office/powerpoint/2010/main" w="9525">
+                <a14:hiddenLine xmlns:p14="http://schemas.microsoft.com/office/powerpoint/2010/main" xmlns:a14="http://schemas.microsoft.com/office/drawing/2010/main" xmlns:a16="http://schemas.microsoft.com/office/drawing/2014/main" xmlns="" w="9525">
                   <a:solidFill>
                     <a:srgbClr val="000000"/>
                   </a:solidFill>
@@ -26525,7 +27250,7 @@
             </a:ln>
             <a:extLst>
               <a:ext uri="{91240B29-F687-4f45-9708-019B960494DF}">
-                <a14:hiddenLine xmlns="" xmlns:a16="http://schemas.microsoft.com/office/drawing/2014/main" xmlns:a14="http://schemas.microsoft.com/office/drawing/2010/main" xmlns:p14="http://schemas.microsoft.com/office/powerpoint/2010/main" w="9525">
+                <a14:hiddenLine xmlns:p14="http://schemas.microsoft.com/office/powerpoint/2010/main" xmlns:a14="http://schemas.microsoft.com/office/drawing/2010/main" xmlns:a16="http://schemas.microsoft.com/office/drawing/2014/main" xmlns="" w="9525">
                   <a:solidFill>
                     <a:srgbClr val="000000"/>
                   </a:solidFill>
@@ -26602,7 +27327,7 @@
             </a:ln>
             <a:extLst>
               <a:ext uri="{91240B29-F687-4f45-9708-019B960494DF}">
-                <a14:hiddenLine xmlns="" xmlns:a16="http://schemas.microsoft.com/office/drawing/2014/main" xmlns:a14="http://schemas.microsoft.com/office/drawing/2010/main" xmlns:p14="http://schemas.microsoft.com/office/powerpoint/2010/main" w="9525">
+                <a14:hiddenLine xmlns:p14="http://schemas.microsoft.com/office/powerpoint/2010/main" xmlns:a14="http://schemas.microsoft.com/office/drawing/2010/main" xmlns:a16="http://schemas.microsoft.com/office/drawing/2014/main" xmlns="" w="9525">
                   <a:solidFill>
                     <a:srgbClr val="000000"/>
                   </a:solidFill>
@@ -26737,7 +27462,7 @@
             </a:ln>
             <a:extLst>
               <a:ext uri="{91240B29-F687-4f45-9708-019B960494DF}">
-                <a14:hiddenLine xmlns="" xmlns:a16="http://schemas.microsoft.com/office/drawing/2014/main" xmlns:a14="http://schemas.microsoft.com/office/drawing/2010/main" xmlns:p14="http://schemas.microsoft.com/office/powerpoint/2010/main" w="9525">
+                <a14:hiddenLine xmlns:p14="http://schemas.microsoft.com/office/powerpoint/2010/main" xmlns:a14="http://schemas.microsoft.com/office/drawing/2010/main" xmlns:a16="http://schemas.microsoft.com/office/drawing/2014/main" xmlns="" w="9525">
                   <a:solidFill>
                     <a:srgbClr val="000000"/>
                   </a:solidFill>
@@ -26820,7 +27545,7 @@
             </a:ln>
             <a:extLst>
               <a:ext uri="{91240B29-F687-4f45-9708-019B960494DF}">
-                <a14:hiddenLine xmlns="" xmlns:a16="http://schemas.microsoft.com/office/drawing/2014/main" xmlns:a14="http://schemas.microsoft.com/office/drawing/2010/main" xmlns:p14="http://schemas.microsoft.com/office/powerpoint/2010/main" w="9525">
+                <a14:hiddenLine xmlns:p14="http://schemas.microsoft.com/office/powerpoint/2010/main" xmlns:a14="http://schemas.microsoft.com/office/drawing/2010/main" xmlns:a16="http://schemas.microsoft.com/office/drawing/2014/main" xmlns="" w="9525">
                   <a:solidFill>
                     <a:srgbClr val="000000"/>
                   </a:solidFill>
@@ -26925,7 +27650,7 @@
             </a:ln>
             <a:extLst>
               <a:ext uri="{91240B29-F687-4f45-9708-019B960494DF}">
-                <a14:hiddenLine xmlns="" xmlns:a16="http://schemas.microsoft.com/office/drawing/2014/main" xmlns:a14="http://schemas.microsoft.com/office/drawing/2010/main" xmlns:p14="http://schemas.microsoft.com/office/powerpoint/2010/main" w="9525">
+                <a14:hiddenLine xmlns:p14="http://schemas.microsoft.com/office/powerpoint/2010/main" xmlns:a14="http://schemas.microsoft.com/office/drawing/2010/main" xmlns:a16="http://schemas.microsoft.com/office/drawing/2014/main" xmlns="" w="9525">
                   <a:solidFill>
                     <a:srgbClr val="000000"/>
                   </a:solidFill>
@@ -26938,8 +27663,8 @@
           </p:spPr>
         </p:sp>
       </p:grpSp>
-      <mc:AlternateContent xmlns:mc="http://schemas.openxmlformats.org/markup-compatibility/2006">
-        <mc:Choice xmlns:a14="http://schemas.microsoft.com/office/drawing/2010/main" Requires="a14">
+      <mc:AlternateContent xmlns:mc="http://schemas.openxmlformats.org/markup-compatibility/2006" xmlns:a14="http://schemas.microsoft.com/office/drawing/2010/main">
+        <mc:Choice Requires="a14">
           <p:sp>
             <p:nvSpPr>
               <p:cNvPr id="3" name="Content Placeholder 2">
@@ -27051,7 +27776,7 @@
             </p:txBody>
           </p:sp>
         </mc:Choice>
-        <mc:Fallback>
+        <mc:Fallback xmlns="">
           <p:sp>
             <p:nvSpPr>
               <p:cNvPr id="3" name="Content Placeholder 2">
@@ -27157,8 +27882,8 @@
           </a:p>
         </p:txBody>
       </p:sp>
-      <mc:AlternateContent xmlns:mc="http://schemas.openxmlformats.org/markup-compatibility/2006">
-        <mc:Choice xmlns:a14="http://schemas.microsoft.com/office/drawing/2010/main" Requires="a14">
+      <mc:AlternateContent xmlns:mc="http://schemas.openxmlformats.org/markup-compatibility/2006" xmlns:a14="http://schemas.microsoft.com/office/drawing/2010/main">
+        <mc:Choice Requires="a14">
           <p:sp>
             <p:nvSpPr>
               <p:cNvPr id="3" name="Content Placeholder 2">
@@ -27509,7 +28234,7 @@
             </p:txBody>
           </p:sp>
         </mc:Choice>
-        <mc:Fallback>
+        <mc:Fallback xmlns="">
           <p:sp>
             <p:nvSpPr>
               <p:cNvPr id="3" name="Content Placeholder 2">
@@ -27616,8 +28341,8 @@
           </a:p>
         </p:txBody>
       </p:sp>
-      <mc:AlternateContent xmlns:mc="http://schemas.openxmlformats.org/markup-compatibility/2006">
-        <mc:Choice xmlns:a14="http://schemas.microsoft.com/office/drawing/2010/main" Requires="a14">
+      <mc:AlternateContent xmlns:mc="http://schemas.openxmlformats.org/markup-compatibility/2006" xmlns:a14="http://schemas.microsoft.com/office/drawing/2010/main">
+        <mc:Choice Requires="a14">
           <p:sp>
             <p:nvSpPr>
               <p:cNvPr id="3" name="Content Placeholder 2">
@@ -27964,7 +28689,7 @@
             </p:txBody>
           </p:sp>
         </mc:Choice>
-        <mc:Fallback>
+        <mc:Fallback xmlns="">
           <p:sp>
             <p:nvSpPr>
               <p:cNvPr id="3" name="Content Placeholder 2">
@@ -28066,8 +28791,8 @@
           </a:p>
         </p:txBody>
       </p:sp>
-      <mc:AlternateContent xmlns:mc="http://schemas.openxmlformats.org/markup-compatibility/2006">
-        <mc:Choice xmlns:a14="http://schemas.microsoft.com/office/drawing/2010/main" Requires="a14">
+      <mc:AlternateContent xmlns:mc="http://schemas.openxmlformats.org/markup-compatibility/2006" xmlns:a14="http://schemas.microsoft.com/office/drawing/2010/main">
+        <mc:Choice Requires="a14">
           <p:sp>
             <p:nvSpPr>
               <p:cNvPr id="3" name="Content Placeholder 2">
@@ -28400,7 +29125,7 @@
             </p:txBody>
           </p:sp>
         </mc:Choice>
-        <mc:Fallback>
+        <mc:Fallback xmlns="">
           <p:sp>
             <p:nvSpPr>
               <p:cNvPr id="3" name="Content Placeholder 2">
@@ -28573,8 +29298,8 @@
           </a:p>
         </p:txBody>
       </p:sp>
-      <mc:AlternateContent xmlns:mc="http://schemas.openxmlformats.org/markup-compatibility/2006">
-        <mc:Choice xmlns:a14="http://schemas.microsoft.com/office/drawing/2010/main" Requires="a14">
+      <mc:AlternateContent xmlns:mc="http://schemas.openxmlformats.org/markup-compatibility/2006" xmlns:a14="http://schemas.microsoft.com/office/drawing/2010/main">
+        <mc:Choice Requires="a14">
           <p:sp>
             <p:nvSpPr>
               <p:cNvPr id="3" name="Content Placeholder 2">
@@ -28798,7 +29523,7 @@
             </p:txBody>
           </p:sp>
         </mc:Choice>
-        <mc:Fallback>
+        <mc:Fallback xmlns="">
           <p:sp>
             <p:nvSpPr>
               <p:cNvPr id="3" name="Content Placeholder 2">
